--- a/Presentations/Presentation2.pptx
+++ b/Presentations/Presentation2.pptx
@@ -272,7 +272,7 @@
           <a:bodyPr lIns="0" rIns="0" tIns="0" bIns="0" anchor="b"/>
           <a:p>
             <a:pPr algn="r"/>
-            <a:fld id="{7AA57559-411A-4EED-9DE0-BD749F681FFA}" type="slidenum">
+            <a:fld id="{906DEE2B-8B1B-4265-98F4-D8D0F485FBA3}" type="slidenum">
               <a:rPr b="0" lang="tr-TR" sz="1400" spc="-1" strike="noStrike">
                 <a:solidFill>
                   <a:srgbClr val="000000"/>
@@ -325,14 +325,14 @@
       </p:grpSpPr>
       <p:sp>
         <p:nvSpPr>
-          <p:cNvPr id="222" name="CustomShape 1"/>
+          <p:cNvPr id="197" name="CustomShape 1"/>
           <p:cNvSpPr/>
           <p:nvPr/>
         </p:nvSpPr>
         <p:spPr>
           <a:xfrm>
             <a:off x="3884760" y="8685360"/>
-            <a:ext cx="2971080" cy="456480"/>
+            <a:ext cx="2970720" cy="456120"/>
           </a:xfrm>
           <a:prstGeom prst="rect">
             <a:avLst/>
@@ -356,7 +356,7 @@
                 <a:spcPct val="100000"/>
               </a:lnSpc>
             </a:pPr>
-            <a:fld id="{63486683-C133-4988-8748-C67B3EA9EF6E}" type="slidenum">
+            <a:fld id="{BE770989-B293-4A41-9F5E-B095B6A7040F}" type="slidenum">
               <a:rPr b="0" lang="tr-TR" sz="1200" spc="-1" strike="noStrike">
                 <a:solidFill>
                   <a:srgbClr val="000000"/>
@@ -387,7 +387,7 @@
       </p:sp>
       <p:sp>
         <p:nvSpPr>
-          <p:cNvPr id="223" name="PlaceHolder 2"/>
+          <p:cNvPr id="198" name="PlaceHolder 2"/>
           <p:cNvSpPr>
             <a:spLocks noGrp="1"/>
           </p:cNvSpPr>
@@ -398,7 +398,7 @@
         <p:spPr>
           <a:xfrm>
             <a:off x="685800" y="4343400"/>
-            <a:ext cx="5485680" cy="4114080"/>
+            <a:ext cx="5485320" cy="4113720"/>
           </a:xfrm>
           <a:prstGeom prst="rect">
             <a:avLst/>
@@ -445,14 +445,14 @@
       </p:grpSpPr>
       <p:sp>
         <p:nvSpPr>
-          <p:cNvPr id="224" name="CustomShape 1"/>
+          <p:cNvPr id="199" name="CustomShape 1"/>
           <p:cNvSpPr/>
           <p:nvPr/>
         </p:nvSpPr>
         <p:spPr>
           <a:xfrm>
             <a:off x="3884760" y="8685360"/>
-            <a:ext cx="2971080" cy="456480"/>
+            <a:ext cx="2970720" cy="456120"/>
           </a:xfrm>
           <a:prstGeom prst="rect">
             <a:avLst/>
@@ -476,7 +476,7 @@
                 <a:spcPct val="100000"/>
               </a:lnSpc>
             </a:pPr>
-            <a:fld id="{8BA47F41-552A-4760-8762-894236DDED74}" type="slidenum">
+            <a:fld id="{4981EC3D-00AC-4488-97A1-F554018A60D6}" type="slidenum">
               <a:rPr b="0" lang="tr-TR" sz="1200" spc="-1" strike="noStrike">
                 <a:solidFill>
                   <a:srgbClr val="000000"/>
@@ -507,7 +507,7 @@
       </p:sp>
       <p:sp>
         <p:nvSpPr>
-          <p:cNvPr id="225" name="PlaceHolder 2"/>
+          <p:cNvPr id="200" name="PlaceHolder 2"/>
           <p:cNvSpPr>
             <a:spLocks noGrp="1"/>
           </p:cNvSpPr>
@@ -518,7 +518,7 @@
         <p:spPr>
           <a:xfrm>
             <a:off x="685800" y="4343400"/>
-            <a:ext cx="5485680" cy="4114080"/>
+            <a:ext cx="5485320" cy="4113720"/>
           </a:xfrm>
           <a:prstGeom prst="rect">
             <a:avLst/>
@@ -607,7 +607,8 @@
         <p:txBody>
           <a:bodyPr lIns="0" rIns="0" tIns="0" bIns="0" anchor="ctr"/>
           <a:p>
-            <a:endParaRPr b="0" lang="en-US" sz="1800" spc="-1" strike="noStrike">
+            <a:pPr algn="ctr"/>
+            <a:endParaRPr b="0" lang="tr-TR" sz="4400" spc="-1" strike="noStrike">
               <a:solidFill>
                 <a:srgbClr val="000000"/>
               </a:solidFill>
@@ -643,7 +644,7 @@
         <p:txBody>
           <a:bodyPr lIns="0" rIns="0" tIns="0" bIns="0"/>
           <a:p>
-            <a:endParaRPr b="0" lang="en-US" sz="2800" spc="-1" strike="noStrike">
+            <a:endParaRPr b="0" lang="tr-TR" sz="3200" spc="-1" strike="noStrike">
               <a:solidFill>
                 <a:srgbClr val="000000"/>
               </a:solidFill>
@@ -679,7 +680,7 @@
         <p:txBody>
           <a:bodyPr lIns="0" rIns="0" tIns="0" bIns="0"/>
           <a:p>
-            <a:endParaRPr b="0" lang="en-US" sz="2800" spc="-1" strike="noStrike">
+            <a:endParaRPr b="0" lang="tr-TR" sz="3200" spc="-1" strike="noStrike">
               <a:solidFill>
                 <a:srgbClr val="000000"/>
               </a:solidFill>
@@ -737,7 +738,8 @@
         <p:txBody>
           <a:bodyPr lIns="0" rIns="0" tIns="0" bIns="0" anchor="ctr"/>
           <a:p>
-            <a:endParaRPr b="0" lang="en-US" sz="1800" spc="-1" strike="noStrike">
+            <a:pPr algn="ctr"/>
+            <a:endParaRPr b="0" lang="tr-TR" sz="4400" spc="-1" strike="noStrike">
               <a:solidFill>
                 <a:srgbClr val="000000"/>
               </a:solidFill>
@@ -773,7 +775,7 @@
         <p:txBody>
           <a:bodyPr lIns="0" rIns="0" tIns="0" bIns="0"/>
           <a:p>
-            <a:endParaRPr b="0" lang="en-US" sz="2800" spc="-1" strike="noStrike">
+            <a:endParaRPr b="0" lang="tr-TR" sz="3200" spc="-1" strike="noStrike">
               <a:solidFill>
                 <a:srgbClr val="000000"/>
               </a:solidFill>
@@ -809,7 +811,7 @@
         <p:txBody>
           <a:bodyPr lIns="0" rIns="0" tIns="0" bIns="0"/>
           <a:p>
-            <a:endParaRPr b="0" lang="en-US" sz="2800" spc="-1" strike="noStrike">
+            <a:endParaRPr b="0" lang="tr-TR" sz="3200" spc="-1" strike="noStrike">
               <a:solidFill>
                 <a:srgbClr val="000000"/>
               </a:solidFill>
@@ -845,7 +847,7 @@
         <p:txBody>
           <a:bodyPr lIns="0" rIns="0" tIns="0" bIns="0"/>
           <a:p>
-            <a:endParaRPr b="0" lang="en-US" sz="2800" spc="-1" strike="noStrike">
+            <a:endParaRPr b="0" lang="tr-TR" sz="3200" spc="-1" strike="noStrike">
               <a:solidFill>
                 <a:srgbClr val="000000"/>
               </a:solidFill>
@@ -881,7 +883,7 @@
         <p:txBody>
           <a:bodyPr lIns="0" rIns="0" tIns="0" bIns="0"/>
           <a:p>
-            <a:endParaRPr b="0" lang="en-US" sz="2800" spc="-1" strike="noStrike">
+            <a:endParaRPr b="0" lang="tr-TR" sz="3200" spc="-1" strike="noStrike">
               <a:solidFill>
                 <a:srgbClr val="000000"/>
               </a:solidFill>
@@ -939,7 +941,8 @@
         <p:txBody>
           <a:bodyPr lIns="0" rIns="0" tIns="0" bIns="0" anchor="ctr"/>
           <a:p>
-            <a:endParaRPr b="0" lang="en-US" sz="1800" spc="-1" strike="noStrike">
+            <a:pPr algn="ctr"/>
+            <a:endParaRPr b="0" lang="tr-TR" sz="4400" spc="-1" strike="noStrike">
               <a:solidFill>
                 <a:srgbClr val="000000"/>
               </a:solidFill>
@@ -975,7 +978,7 @@
         <p:txBody>
           <a:bodyPr lIns="0" rIns="0" tIns="0" bIns="0"/>
           <a:p>
-            <a:endParaRPr b="0" lang="en-US" sz="2800" spc="-1" strike="noStrike">
+            <a:endParaRPr b="0" lang="tr-TR" sz="3200" spc="-1" strike="noStrike">
               <a:solidFill>
                 <a:srgbClr val="000000"/>
               </a:solidFill>
@@ -1011,7 +1014,7 @@
         <p:txBody>
           <a:bodyPr lIns="0" rIns="0" tIns="0" bIns="0"/>
           <a:p>
-            <a:endParaRPr b="0" lang="en-US" sz="2800" spc="-1" strike="noStrike">
+            <a:endParaRPr b="0" lang="tr-TR" sz="3200" spc="-1" strike="noStrike">
               <a:solidFill>
                 <a:srgbClr val="000000"/>
               </a:solidFill>
@@ -1137,7 +1140,8 @@
         <p:txBody>
           <a:bodyPr lIns="0" rIns="0" tIns="0" bIns="0" anchor="ctr"/>
           <a:p>
-            <a:endParaRPr b="0" lang="en-US" sz="1800" spc="-1" strike="noStrike">
+            <a:pPr algn="ctr"/>
+            <a:endParaRPr b="0" lang="tr-TR" sz="4400" spc="-1" strike="noStrike">
               <a:solidFill>
                 <a:srgbClr val="000000"/>
               </a:solidFill>
@@ -1232,7 +1236,8 @@
         <p:txBody>
           <a:bodyPr lIns="0" rIns="0" tIns="0" bIns="0" anchor="ctr"/>
           <a:p>
-            <a:endParaRPr b="0" lang="en-US" sz="1800" spc="-1" strike="noStrike">
+            <a:pPr algn="ctr"/>
+            <a:endParaRPr b="0" lang="tr-TR" sz="4400" spc="-1" strike="noStrike">
               <a:solidFill>
                 <a:srgbClr val="000000"/>
               </a:solidFill>
@@ -1268,7 +1273,7 @@
         <p:txBody>
           <a:bodyPr lIns="0" rIns="0" tIns="0" bIns="0"/>
           <a:p>
-            <a:endParaRPr b="0" lang="en-US" sz="2800" spc="-1" strike="noStrike">
+            <a:endParaRPr b="0" lang="tr-TR" sz="3200" spc="-1" strike="noStrike">
               <a:solidFill>
                 <a:srgbClr val="000000"/>
               </a:solidFill>
@@ -1326,7 +1331,8 @@
         <p:txBody>
           <a:bodyPr lIns="0" rIns="0" tIns="0" bIns="0" anchor="ctr"/>
           <a:p>
-            <a:endParaRPr b="0" lang="en-US" sz="1800" spc="-1" strike="noStrike">
+            <a:pPr algn="ctr"/>
+            <a:endParaRPr b="0" lang="tr-TR" sz="4400" spc="-1" strike="noStrike">
               <a:solidFill>
                 <a:srgbClr val="000000"/>
               </a:solidFill>
@@ -1362,7 +1368,7 @@
         <p:txBody>
           <a:bodyPr lIns="0" rIns="0" tIns="0" bIns="0"/>
           <a:p>
-            <a:endParaRPr b="0" lang="en-US" sz="2800" spc="-1" strike="noStrike">
+            <a:endParaRPr b="0" lang="tr-TR" sz="3200" spc="-1" strike="noStrike">
               <a:solidFill>
                 <a:srgbClr val="000000"/>
               </a:solidFill>
@@ -1398,7 +1404,7 @@
         <p:txBody>
           <a:bodyPr lIns="0" rIns="0" tIns="0" bIns="0"/>
           <a:p>
-            <a:endParaRPr b="0" lang="en-US" sz="2800" spc="-1" strike="noStrike">
+            <a:endParaRPr b="0" lang="tr-TR" sz="3200" spc="-1" strike="noStrike">
               <a:solidFill>
                 <a:srgbClr val="000000"/>
               </a:solidFill>
@@ -1456,7 +1462,8 @@
         <p:txBody>
           <a:bodyPr lIns="0" rIns="0" tIns="0" bIns="0" anchor="ctr"/>
           <a:p>
-            <a:endParaRPr b="0" lang="en-US" sz="1800" spc="-1" strike="noStrike">
+            <a:pPr algn="ctr"/>
+            <a:endParaRPr b="0" lang="tr-TR" sz="4400" spc="-1" strike="noStrike">
               <a:solidFill>
                 <a:srgbClr val="000000"/>
               </a:solidFill>
@@ -1573,7 +1580,8 @@
         <p:txBody>
           <a:bodyPr lIns="0" rIns="0" tIns="0" bIns="0" anchor="ctr"/>
           <a:p>
-            <a:endParaRPr b="0" lang="en-US" sz="1800" spc="-1" strike="noStrike">
+            <a:pPr algn="ctr"/>
+            <a:endParaRPr b="0" lang="tr-TR" sz="4400" spc="-1" strike="noStrike">
               <a:solidFill>
                 <a:srgbClr val="000000"/>
               </a:solidFill>
@@ -1609,7 +1617,7 @@
         <p:txBody>
           <a:bodyPr lIns="0" rIns="0" tIns="0" bIns="0"/>
           <a:p>
-            <a:endParaRPr b="0" lang="en-US" sz="2800" spc="-1" strike="noStrike">
+            <a:endParaRPr b="0" lang="tr-TR" sz="3200" spc="-1" strike="noStrike">
               <a:solidFill>
                 <a:srgbClr val="000000"/>
               </a:solidFill>
@@ -1645,7 +1653,7 @@
         <p:txBody>
           <a:bodyPr lIns="0" rIns="0" tIns="0" bIns="0"/>
           <a:p>
-            <a:endParaRPr b="0" lang="en-US" sz="2800" spc="-1" strike="noStrike">
+            <a:endParaRPr b="0" lang="tr-TR" sz="3200" spc="-1" strike="noStrike">
               <a:solidFill>
                 <a:srgbClr val="000000"/>
               </a:solidFill>
@@ -1681,7 +1689,7 @@
         <p:txBody>
           <a:bodyPr lIns="0" rIns="0" tIns="0" bIns="0"/>
           <a:p>
-            <a:endParaRPr b="0" lang="en-US" sz="2800" spc="-1" strike="noStrike">
+            <a:endParaRPr b="0" lang="tr-TR" sz="3200" spc="-1" strike="noStrike">
               <a:solidFill>
                 <a:srgbClr val="000000"/>
               </a:solidFill>
@@ -1739,7 +1747,8 @@
         <p:txBody>
           <a:bodyPr lIns="0" rIns="0" tIns="0" bIns="0" anchor="ctr"/>
           <a:p>
-            <a:endParaRPr b="0" lang="en-US" sz="1800" spc="-1" strike="noStrike">
+            <a:pPr algn="ctr"/>
+            <a:endParaRPr b="0" lang="tr-TR" sz="4400" spc="-1" strike="noStrike">
               <a:solidFill>
                 <a:srgbClr val="000000"/>
               </a:solidFill>
@@ -1834,7 +1843,8 @@
         <p:txBody>
           <a:bodyPr lIns="0" rIns="0" tIns="0" bIns="0" anchor="ctr"/>
           <a:p>
-            <a:endParaRPr b="0" lang="en-US" sz="1800" spc="-1" strike="noStrike">
+            <a:pPr algn="ctr"/>
+            <a:endParaRPr b="0" lang="tr-TR" sz="4400" spc="-1" strike="noStrike">
               <a:solidFill>
                 <a:srgbClr val="000000"/>
               </a:solidFill>
@@ -1870,7 +1880,7 @@
         <p:txBody>
           <a:bodyPr lIns="0" rIns="0" tIns="0" bIns="0"/>
           <a:p>
-            <a:endParaRPr b="0" lang="en-US" sz="2800" spc="-1" strike="noStrike">
+            <a:endParaRPr b="0" lang="tr-TR" sz="3200" spc="-1" strike="noStrike">
               <a:solidFill>
                 <a:srgbClr val="000000"/>
               </a:solidFill>
@@ -1906,7 +1916,7 @@
         <p:txBody>
           <a:bodyPr lIns="0" rIns="0" tIns="0" bIns="0"/>
           <a:p>
-            <a:endParaRPr b="0" lang="en-US" sz="2800" spc="-1" strike="noStrike">
+            <a:endParaRPr b="0" lang="tr-TR" sz="3200" spc="-1" strike="noStrike">
               <a:solidFill>
                 <a:srgbClr val="000000"/>
               </a:solidFill>
@@ -1942,7 +1952,7 @@
         <p:txBody>
           <a:bodyPr lIns="0" rIns="0" tIns="0" bIns="0"/>
           <a:p>
-            <a:endParaRPr b="0" lang="en-US" sz="2800" spc="-1" strike="noStrike">
+            <a:endParaRPr b="0" lang="tr-TR" sz="3200" spc="-1" strike="noStrike">
               <a:solidFill>
                 <a:srgbClr val="000000"/>
               </a:solidFill>
@@ -2000,7 +2010,8 @@
         <p:txBody>
           <a:bodyPr lIns="0" rIns="0" tIns="0" bIns="0" anchor="ctr"/>
           <a:p>
-            <a:endParaRPr b="0" lang="en-US" sz="1800" spc="-1" strike="noStrike">
+            <a:pPr algn="ctr"/>
+            <a:endParaRPr b="0" lang="tr-TR" sz="4400" spc="-1" strike="noStrike">
               <a:solidFill>
                 <a:srgbClr val="000000"/>
               </a:solidFill>
@@ -2036,7 +2047,7 @@
         <p:txBody>
           <a:bodyPr lIns="0" rIns="0" tIns="0" bIns="0"/>
           <a:p>
-            <a:endParaRPr b="0" lang="en-US" sz="2800" spc="-1" strike="noStrike">
+            <a:endParaRPr b="0" lang="tr-TR" sz="3200" spc="-1" strike="noStrike">
               <a:solidFill>
                 <a:srgbClr val="000000"/>
               </a:solidFill>
@@ -2072,7 +2083,7 @@
         <p:txBody>
           <a:bodyPr lIns="0" rIns="0" tIns="0" bIns="0"/>
           <a:p>
-            <a:endParaRPr b="0" lang="en-US" sz="2800" spc="-1" strike="noStrike">
+            <a:endParaRPr b="0" lang="tr-TR" sz="3200" spc="-1" strike="noStrike">
               <a:solidFill>
                 <a:srgbClr val="000000"/>
               </a:solidFill>
@@ -2108,7 +2119,7 @@
         <p:txBody>
           <a:bodyPr lIns="0" rIns="0" tIns="0" bIns="0"/>
           <a:p>
-            <a:endParaRPr b="0" lang="en-US" sz="2800" spc="-1" strike="noStrike">
+            <a:endParaRPr b="0" lang="tr-TR" sz="3200" spc="-1" strike="noStrike">
               <a:solidFill>
                 <a:srgbClr val="000000"/>
               </a:solidFill>
@@ -2166,7 +2177,8 @@
         <p:txBody>
           <a:bodyPr lIns="0" rIns="0" tIns="0" bIns="0" anchor="ctr"/>
           <a:p>
-            <a:endParaRPr b="0" lang="en-US" sz="1800" spc="-1" strike="noStrike">
+            <a:pPr algn="ctr"/>
+            <a:endParaRPr b="0" lang="tr-TR" sz="4400" spc="-1" strike="noStrike">
               <a:solidFill>
                 <a:srgbClr val="000000"/>
               </a:solidFill>
@@ -2202,7 +2214,7 @@
         <p:txBody>
           <a:bodyPr lIns="0" rIns="0" tIns="0" bIns="0"/>
           <a:p>
-            <a:endParaRPr b="0" lang="en-US" sz="2800" spc="-1" strike="noStrike">
+            <a:endParaRPr b="0" lang="tr-TR" sz="3200" spc="-1" strike="noStrike">
               <a:solidFill>
                 <a:srgbClr val="000000"/>
               </a:solidFill>
@@ -2238,7 +2250,7 @@
         <p:txBody>
           <a:bodyPr lIns="0" rIns="0" tIns="0" bIns="0"/>
           <a:p>
-            <a:endParaRPr b="0" lang="en-US" sz="2800" spc="-1" strike="noStrike">
+            <a:endParaRPr b="0" lang="tr-TR" sz="3200" spc="-1" strike="noStrike">
               <a:solidFill>
                 <a:srgbClr val="000000"/>
               </a:solidFill>
@@ -2296,7 +2308,8 @@
         <p:txBody>
           <a:bodyPr lIns="0" rIns="0" tIns="0" bIns="0" anchor="ctr"/>
           <a:p>
-            <a:endParaRPr b="0" lang="en-US" sz="1800" spc="-1" strike="noStrike">
+            <a:pPr algn="ctr"/>
+            <a:endParaRPr b="0" lang="tr-TR" sz="4400" spc="-1" strike="noStrike">
               <a:solidFill>
                 <a:srgbClr val="000000"/>
               </a:solidFill>
@@ -2332,7 +2345,7 @@
         <p:txBody>
           <a:bodyPr lIns="0" rIns="0" tIns="0" bIns="0"/>
           <a:p>
-            <a:endParaRPr b="0" lang="en-US" sz="2800" spc="-1" strike="noStrike">
+            <a:endParaRPr b="0" lang="tr-TR" sz="3200" spc="-1" strike="noStrike">
               <a:solidFill>
                 <a:srgbClr val="000000"/>
               </a:solidFill>
@@ -2368,7 +2381,7 @@
         <p:txBody>
           <a:bodyPr lIns="0" rIns="0" tIns="0" bIns="0"/>
           <a:p>
-            <a:endParaRPr b="0" lang="en-US" sz="2800" spc="-1" strike="noStrike">
+            <a:endParaRPr b="0" lang="tr-TR" sz="3200" spc="-1" strike="noStrike">
               <a:solidFill>
                 <a:srgbClr val="000000"/>
               </a:solidFill>
@@ -2404,7 +2417,7 @@
         <p:txBody>
           <a:bodyPr lIns="0" rIns="0" tIns="0" bIns="0"/>
           <a:p>
-            <a:endParaRPr b="0" lang="en-US" sz="2800" spc="-1" strike="noStrike">
+            <a:endParaRPr b="0" lang="tr-TR" sz="3200" spc="-1" strike="noStrike">
               <a:solidFill>
                 <a:srgbClr val="000000"/>
               </a:solidFill>
@@ -2440,7 +2453,7 @@
         <p:txBody>
           <a:bodyPr lIns="0" rIns="0" tIns="0" bIns="0"/>
           <a:p>
-            <a:endParaRPr b="0" lang="en-US" sz="2800" spc="-1" strike="noStrike">
+            <a:endParaRPr b="0" lang="tr-TR" sz="3200" spc="-1" strike="noStrike">
               <a:solidFill>
                 <a:srgbClr val="000000"/>
               </a:solidFill>
@@ -2498,7 +2511,8 @@
         <p:txBody>
           <a:bodyPr lIns="0" rIns="0" tIns="0" bIns="0" anchor="ctr"/>
           <a:p>
-            <a:endParaRPr b="0" lang="en-US" sz="1800" spc="-1" strike="noStrike">
+            <a:pPr algn="ctr"/>
+            <a:endParaRPr b="0" lang="tr-TR" sz="4400" spc="-1" strike="noStrike">
               <a:solidFill>
                 <a:srgbClr val="000000"/>
               </a:solidFill>
@@ -2534,7 +2548,7 @@
         <p:txBody>
           <a:bodyPr lIns="0" rIns="0" tIns="0" bIns="0"/>
           <a:p>
-            <a:endParaRPr b="0" lang="en-US" sz="2800" spc="-1" strike="noStrike">
+            <a:endParaRPr b="0" lang="tr-TR" sz="3200" spc="-1" strike="noStrike">
               <a:solidFill>
                 <a:srgbClr val="000000"/>
               </a:solidFill>
@@ -2570,7 +2584,7 @@
         <p:txBody>
           <a:bodyPr lIns="0" rIns="0" tIns="0" bIns="0"/>
           <a:p>
-            <a:endParaRPr b="0" lang="en-US" sz="2800" spc="-1" strike="noStrike">
+            <a:endParaRPr b="0" lang="tr-TR" sz="3200" spc="-1" strike="noStrike">
               <a:solidFill>
                 <a:srgbClr val="000000"/>
               </a:solidFill>
@@ -2696,7 +2710,8 @@
         <p:txBody>
           <a:bodyPr lIns="0" rIns="0" tIns="0" bIns="0" anchor="ctr"/>
           <a:p>
-            <a:endParaRPr b="0" lang="en-US" sz="1800" spc="-1" strike="noStrike">
+            <a:pPr algn="ctr"/>
+            <a:endParaRPr b="0" lang="tr-TR" sz="4400" spc="-1" strike="noStrike">
               <a:solidFill>
                 <a:srgbClr val="000000"/>
               </a:solidFill>
@@ -2791,7 +2806,8 @@
         <p:txBody>
           <a:bodyPr lIns="0" rIns="0" tIns="0" bIns="0" anchor="ctr"/>
           <a:p>
-            <a:endParaRPr b="0" lang="en-US" sz="1800" spc="-1" strike="noStrike">
+            <a:pPr algn="ctr"/>
+            <a:endParaRPr b="0" lang="tr-TR" sz="4400" spc="-1" strike="noStrike">
               <a:solidFill>
                 <a:srgbClr val="000000"/>
               </a:solidFill>
@@ -2827,7 +2843,7 @@
         <p:txBody>
           <a:bodyPr lIns="0" rIns="0" tIns="0" bIns="0"/>
           <a:p>
-            <a:endParaRPr b="0" lang="en-US" sz="2800" spc="-1" strike="noStrike">
+            <a:endParaRPr b="0" lang="tr-TR" sz="3200" spc="-1" strike="noStrike">
               <a:solidFill>
                 <a:srgbClr val="000000"/>
               </a:solidFill>
@@ -2885,7 +2901,8 @@
         <p:txBody>
           <a:bodyPr lIns="0" rIns="0" tIns="0" bIns="0" anchor="ctr"/>
           <a:p>
-            <a:endParaRPr b="0" lang="en-US" sz="1800" spc="-1" strike="noStrike">
+            <a:pPr algn="ctr"/>
+            <a:endParaRPr b="0" lang="tr-TR" sz="4400" spc="-1" strike="noStrike">
               <a:solidFill>
                 <a:srgbClr val="000000"/>
               </a:solidFill>
@@ -2921,7 +2938,7 @@
         <p:txBody>
           <a:bodyPr lIns="0" rIns="0" tIns="0" bIns="0"/>
           <a:p>
-            <a:endParaRPr b="0" lang="en-US" sz="2800" spc="-1" strike="noStrike">
+            <a:endParaRPr b="0" lang="tr-TR" sz="3200" spc="-1" strike="noStrike">
               <a:solidFill>
                 <a:srgbClr val="000000"/>
               </a:solidFill>
@@ -2957,7 +2974,7 @@
         <p:txBody>
           <a:bodyPr lIns="0" rIns="0" tIns="0" bIns="0"/>
           <a:p>
-            <a:endParaRPr b="0" lang="en-US" sz="2800" spc="-1" strike="noStrike">
+            <a:endParaRPr b="0" lang="tr-TR" sz="3200" spc="-1" strike="noStrike">
               <a:solidFill>
                 <a:srgbClr val="000000"/>
               </a:solidFill>
@@ -3015,7 +3032,8 @@
         <p:txBody>
           <a:bodyPr lIns="0" rIns="0" tIns="0" bIns="0" anchor="ctr"/>
           <a:p>
-            <a:endParaRPr b="0" lang="en-US" sz="1800" spc="-1" strike="noStrike">
+            <a:pPr algn="ctr"/>
+            <a:endParaRPr b="0" lang="tr-TR" sz="4400" spc="-1" strike="noStrike">
               <a:solidFill>
                 <a:srgbClr val="000000"/>
               </a:solidFill>
@@ -3073,7 +3091,8 @@
         <p:txBody>
           <a:bodyPr lIns="0" rIns="0" tIns="0" bIns="0" anchor="ctr"/>
           <a:p>
-            <a:endParaRPr b="0" lang="en-US" sz="1800" spc="-1" strike="noStrike">
+            <a:pPr algn="ctr"/>
+            <a:endParaRPr b="0" lang="tr-TR" sz="4400" spc="-1" strike="noStrike">
               <a:solidFill>
                 <a:srgbClr val="000000"/>
               </a:solidFill>
@@ -3109,7 +3128,7 @@
         <p:txBody>
           <a:bodyPr lIns="0" rIns="0" tIns="0" bIns="0"/>
           <a:p>
-            <a:endParaRPr b="0" lang="en-US" sz="2800" spc="-1" strike="noStrike">
+            <a:endParaRPr b="0" lang="tr-TR" sz="3200" spc="-1" strike="noStrike">
               <a:solidFill>
                 <a:srgbClr val="000000"/>
               </a:solidFill>
@@ -3226,7 +3245,8 @@
         <p:txBody>
           <a:bodyPr lIns="0" rIns="0" tIns="0" bIns="0" anchor="ctr"/>
           <a:p>
-            <a:endParaRPr b="0" lang="en-US" sz="1800" spc="-1" strike="noStrike">
+            <a:pPr algn="ctr"/>
+            <a:endParaRPr b="0" lang="tr-TR" sz="4400" spc="-1" strike="noStrike">
               <a:solidFill>
                 <a:srgbClr val="000000"/>
               </a:solidFill>
@@ -3262,7 +3282,7 @@
         <p:txBody>
           <a:bodyPr lIns="0" rIns="0" tIns="0" bIns="0"/>
           <a:p>
-            <a:endParaRPr b="0" lang="en-US" sz="2800" spc="-1" strike="noStrike">
+            <a:endParaRPr b="0" lang="tr-TR" sz="3200" spc="-1" strike="noStrike">
               <a:solidFill>
                 <a:srgbClr val="000000"/>
               </a:solidFill>
@@ -3298,7 +3318,7 @@
         <p:txBody>
           <a:bodyPr lIns="0" rIns="0" tIns="0" bIns="0"/>
           <a:p>
-            <a:endParaRPr b="0" lang="en-US" sz="2800" spc="-1" strike="noStrike">
+            <a:endParaRPr b="0" lang="tr-TR" sz="3200" spc="-1" strike="noStrike">
               <a:solidFill>
                 <a:srgbClr val="000000"/>
               </a:solidFill>
@@ -3334,7 +3354,7 @@
         <p:txBody>
           <a:bodyPr lIns="0" rIns="0" tIns="0" bIns="0"/>
           <a:p>
-            <a:endParaRPr b="0" lang="en-US" sz="2800" spc="-1" strike="noStrike">
+            <a:endParaRPr b="0" lang="tr-TR" sz="3200" spc="-1" strike="noStrike">
               <a:solidFill>
                 <a:srgbClr val="000000"/>
               </a:solidFill>
@@ -3392,7 +3412,8 @@
         <p:txBody>
           <a:bodyPr lIns="0" rIns="0" tIns="0" bIns="0" anchor="ctr"/>
           <a:p>
-            <a:endParaRPr b="0" lang="en-US" sz="1800" spc="-1" strike="noStrike">
+            <a:pPr algn="ctr"/>
+            <a:endParaRPr b="0" lang="tr-TR" sz="4400" spc="-1" strike="noStrike">
               <a:solidFill>
                 <a:srgbClr val="000000"/>
               </a:solidFill>
@@ -3428,7 +3449,7 @@
         <p:txBody>
           <a:bodyPr lIns="0" rIns="0" tIns="0" bIns="0"/>
           <a:p>
-            <a:endParaRPr b="0" lang="en-US" sz="2800" spc="-1" strike="noStrike">
+            <a:endParaRPr b="0" lang="tr-TR" sz="3200" spc="-1" strike="noStrike">
               <a:solidFill>
                 <a:srgbClr val="000000"/>
               </a:solidFill>
@@ -3464,7 +3485,7 @@
         <p:txBody>
           <a:bodyPr lIns="0" rIns="0" tIns="0" bIns="0"/>
           <a:p>
-            <a:endParaRPr b="0" lang="en-US" sz="2800" spc="-1" strike="noStrike">
+            <a:endParaRPr b="0" lang="tr-TR" sz="3200" spc="-1" strike="noStrike">
               <a:solidFill>
                 <a:srgbClr val="000000"/>
               </a:solidFill>
@@ -3500,7 +3521,7 @@
         <p:txBody>
           <a:bodyPr lIns="0" rIns="0" tIns="0" bIns="0"/>
           <a:p>
-            <a:endParaRPr b="0" lang="en-US" sz="2800" spc="-1" strike="noStrike">
+            <a:endParaRPr b="0" lang="tr-TR" sz="3200" spc="-1" strike="noStrike">
               <a:solidFill>
                 <a:srgbClr val="000000"/>
               </a:solidFill>
@@ -3558,7 +3579,8 @@
         <p:txBody>
           <a:bodyPr lIns="0" rIns="0" tIns="0" bIns="0" anchor="ctr"/>
           <a:p>
-            <a:endParaRPr b="0" lang="en-US" sz="1800" spc="-1" strike="noStrike">
+            <a:pPr algn="ctr"/>
+            <a:endParaRPr b="0" lang="tr-TR" sz="4400" spc="-1" strike="noStrike">
               <a:solidFill>
                 <a:srgbClr val="000000"/>
               </a:solidFill>
@@ -3594,7 +3616,7 @@
         <p:txBody>
           <a:bodyPr lIns="0" rIns="0" tIns="0" bIns="0"/>
           <a:p>
-            <a:endParaRPr b="0" lang="en-US" sz="2800" spc="-1" strike="noStrike">
+            <a:endParaRPr b="0" lang="tr-TR" sz="3200" spc="-1" strike="noStrike">
               <a:solidFill>
                 <a:srgbClr val="000000"/>
               </a:solidFill>
@@ -3630,7 +3652,7 @@
         <p:txBody>
           <a:bodyPr lIns="0" rIns="0" tIns="0" bIns="0"/>
           <a:p>
-            <a:endParaRPr b="0" lang="en-US" sz="2800" spc="-1" strike="noStrike">
+            <a:endParaRPr b="0" lang="tr-TR" sz="3200" spc="-1" strike="noStrike">
               <a:solidFill>
                 <a:srgbClr val="000000"/>
               </a:solidFill>
@@ -3666,7 +3688,7 @@
         <p:txBody>
           <a:bodyPr lIns="0" rIns="0" tIns="0" bIns="0"/>
           <a:p>
-            <a:endParaRPr b="0" lang="en-US" sz="2800" spc="-1" strike="noStrike">
+            <a:endParaRPr b="0" lang="tr-TR" sz="3200" spc="-1" strike="noStrike">
               <a:solidFill>
                 <a:srgbClr val="000000"/>
               </a:solidFill>
@@ -3724,7 +3746,8 @@
         <p:txBody>
           <a:bodyPr lIns="0" rIns="0" tIns="0" bIns="0" anchor="ctr"/>
           <a:p>
-            <a:endParaRPr b="0" lang="en-US" sz="1800" spc="-1" strike="noStrike">
+            <a:pPr algn="ctr"/>
+            <a:endParaRPr b="0" lang="tr-TR" sz="4400" spc="-1" strike="noStrike">
               <a:solidFill>
                 <a:srgbClr val="000000"/>
               </a:solidFill>
@@ -3760,7 +3783,7 @@
         <p:txBody>
           <a:bodyPr lIns="0" rIns="0" tIns="0" bIns="0"/>
           <a:p>
-            <a:endParaRPr b="0" lang="en-US" sz="2800" spc="-1" strike="noStrike">
+            <a:endParaRPr b="0" lang="tr-TR" sz="3200" spc="-1" strike="noStrike">
               <a:solidFill>
                 <a:srgbClr val="000000"/>
               </a:solidFill>
@@ -3796,7 +3819,7 @@
         <p:txBody>
           <a:bodyPr lIns="0" rIns="0" tIns="0" bIns="0"/>
           <a:p>
-            <a:endParaRPr b="0" lang="en-US" sz="2800" spc="-1" strike="noStrike">
+            <a:endParaRPr b="0" lang="tr-TR" sz="3200" spc="-1" strike="noStrike">
               <a:solidFill>
                 <a:srgbClr val="000000"/>
               </a:solidFill>
@@ -3854,7 +3877,8 @@
         <p:txBody>
           <a:bodyPr lIns="0" rIns="0" tIns="0" bIns="0" anchor="ctr"/>
           <a:p>
-            <a:endParaRPr b="0" lang="en-US" sz="1800" spc="-1" strike="noStrike">
+            <a:pPr algn="ctr"/>
+            <a:endParaRPr b="0" lang="tr-TR" sz="4400" spc="-1" strike="noStrike">
               <a:solidFill>
                 <a:srgbClr val="000000"/>
               </a:solidFill>
@@ -3890,7 +3914,7 @@
         <p:txBody>
           <a:bodyPr lIns="0" rIns="0" tIns="0" bIns="0"/>
           <a:p>
-            <a:endParaRPr b="0" lang="en-US" sz="2800" spc="-1" strike="noStrike">
+            <a:endParaRPr b="0" lang="tr-TR" sz="3200" spc="-1" strike="noStrike">
               <a:solidFill>
                 <a:srgbClr val="000000"/>
               </a:solidFill>
@@ -3926,7 +3950,7 @@
         <p:txBody>
           <a:bodyPr lIns="0" rIns="0" tIns="0" bIns="0"/>
           <a:p>
-            <a:endParaRPr b="0" lang="en-US" sz="2800" spc="-1" strike="noStrike">
+            <a:endParaRPr b="0" lang="tr-TR" sz="3200" spc="-1" strike="noStrike">
               <a:solidFill>
                 <a:srgbClr val="000000"/>
               </a:solidFill>
@@ -3962,7 +3986,7 @@
         <p:txBody>
           <a:bodyPr lIns="0" rIns="0" tIns="0" bIns="0"/>
           <a:p>
-            <a:endParaRPr b="0" lang="en-US" sz="2800" spc="-1" strike="noStrike">
+            <a:endParaRPr b="0" lang="tr-TR" sz="3200" spc="-1" strike="noStrike">
               <a:solidFill>
                 <a:srgbClr val="000000"/>
               </a:solidFill>
@@ -3998,7 +4022,7 @@
         <p:txBody>
           <a:bodyPr lIns="0" rIns="0" tIns="0" bIns="0"/>
           <a:p>
-            <a:endParaRPr b="0" lang="en-US" sz="2800" spc="-1" strike="noStrike">
+            <a:endParaRPr b="0" lang="tr-TR" sz="3200" spc="-1" strike="noStrike">
               <a:solidFill>
                 <a:srgbClr val="000000"/>
               </a:solidFill>
@@ -4056,7 +4080,8 @@
         <p:txBody>
           <a:bodyPr lIns="0" rIns="0" tIns="0" bIns="0" anchor="ctr"/>
           <a:p>
-            <a:endParaRPr b="0" lang="en-US" sz="1800" spc="-1" strike="noStrike">
+            <a:pPr algn="ctr"/>
+            <a:endParaRPr b="0" lang="tr-TR" sz="4400" spc="-1" strike="noStrike">
               <a:solidFill>
                 <a:srgbClr val="000000"/>
               </a:solidFill>
@@ -4092,7 +4117,7 @@
         <p:txBody>
           <a:bodyPr lIns="0" rIns="0" tIns="0" bIns="0"/>
           <a:p>
-            <a:endParaRPr b="0" lang="en-US" sz="2800" spc="-1" strike="noStrike">
+            <a:endParaRPr b="0" lang="tr-TR" sz="3200" spc="-1" strike="noStrike">
               <a:solidFill>
                 <a:srgbClr val="000000"/>
               </a:solidFill>
@@ -4128,7 +4153,7 @@
         <p:txBody>
           <a:bodyPr lIns="0" rIns="0" tIns="0" bIns="0"/>
           <a:p>
-            <a:endParaRPr b="0" lang="en-US" sz="2800" spc="-1" strike="noStrike">
+            <a:endParaRPr b="0" lang="tr-TR" sz="3200" spc="-1" strike="noStrike">
               <a:solidFill>
                 <a:srgbClr val="000000"/>
               </a:solidFill>
@@ -4232,7 +4257,8 @@
         <p:txBody>
           <a:bodyPr lIns="0" rIns="0" tIns="0" bIns="0" anchor="ctr"/>
           <a:p>
-            <a:endParaRPr b="0" lang="en-US" sz="1800" spc="-1" strike="noStrike">
+            <a:pPr algn="ctr"/>
+            <a:endParaRPr b="0" lang="tr-TR" sz="4400" spc="-1" strike="noStrike">
               <a:solidFill>
                 <a:srgbClr val="000000"/>
               </a:solidFill>
@@ -4268,7 +4294,7 @@
         <p:txBody>
           <a:bodyPr lIns="0" rIns="0" tIns="0" bIns="0"/>
           <a:p>
-            <a:endParaRPr b="0" lang="en-US" sz="2800" spc="-1" strike="noStrike">
+            <a:endParaRPr b="0" lang="tr-TR" sz="3200" spc="-1" strike="noStrike">
               <a:solidFill>
                 <a:srgbClr val="000000"/>
               </a:solidFill>
@@ -4304,7 +4330,7 @@
         <p:txBody>
           <a:bodyPr lIns="0" rIns="0" tIns="0" bIns="0"/>
           <a:p>
-            <a:endParaRPr b="0" lang="en-US" sz="2800" spc="-1" strike="noStrike">
+            <a:endParaRPr b="0" lang="tr-TR" sz="3200" spc="-1" strike="noStrike">
               <a:solidFill>
                 <a:srgbClr val="000000"/>
               </a:solidFill>
@@ -4362,7 +4388,8 @@
         <p:txBody>
           <a:bodyPr lIns="0" rIns="0" tIns="0" bIns="0" anchor="ctr"/>
           <a:p>
-            <a:endParaRPr b="0" lang="en-US" sz="1800" spc="-1" strike="noStrike">
+            <a:pPr algn="ctr"/>
+            <a:endParaRPr b="0" lang="tr-TR" sz="4400" spc="-1" strike="noStrike">
               <a:solidFill>
                 <a:srgbClr val="000000"/>
               </a:solidFill>
@@ -4479,7 +4506,8 @@
         <p:txBody>
           <a:bodyPr lIns="0" rIns="0" tIns="0" bIns="0" anchor="ctr"/>
           <a:p>
-            <a:endParaRPr b="0" lang="en-US" sz="1800" spc="-1" strike="noStrike">
+            <a:pPr algn="ctr"/>
+            <a:endParaRPr b="0" lang="tr-TR" sz="4400" spc="-1" strike="noStrike">
               <a:solidFill>
                 <a:srgbClr val="000000"/>
               </a:solidFill>
@@ -4515,7 +4543,7 @@
         <p:txBody>
           <a:bodyPr lIns="0" rIns="0" tIns="0" bIns="0"/>
           <a:p>
-            <a:endParaRPr b="0" lang="en-US" sz="2800" spc="-1" strike="noStrike">
+            <a:endParaRPr b="0" lang="tr-TR" sz="3200" spc="-1" strike="noStrike">
               <a:solidFill>
                 <a:srgbClr val="000000"/>
               </a:solidFill>
@@ -4551,7 +4579,7 @@
         <p:txBody>
           <a:bodyPr lIns="0" rIns="0" tIns="0" bIns="0"/>
           <a:p>
-            <a:endParaRPr b="0" lang="en-US" sz="2800" spc="-1" strike="noStrike">
+            <a:endParaRPr b="0" lang="tr-TR" sz="3200" spc="-1" strike="noStrike">
               <a:solidFill>
                 <a:srgbClr val="000000"/>
               </a:solidFill>
@@ -4587,7 +4615,7 @@
         <p:txBody>
           <a:bodyPr lIns="0" rIns="0" tIns="0" bIns="0"/>
           <a:p>
-            <a:endParaRPr b="0" lang="en-US" sz="2800" spc="-1" strike="noStrike">
+            <a:endParaRPr b="0" lang="tr-TR" sz="3200" spc="-1" strike="noStrike">
               <a:solidFill>
                 <a:srgbClr val="000000"/>
               </a:solidFill>
@@ -4645,7 +4673,8 @@
         <p:txBody>
           <a:bodyPr lIns="0" rIns="0" tIns="0" bIns="0" anchor="ctr"/>
           <a:p>
-            <a:endParaRPr b="0" lang="en-US" sz="1800" spc="-1" strike="noStrike">
+            <a:pPr algn="ctr"/>
+            <a:endParaRPr b="0" lang="tr-TR" sz="4400" spc="-1" strike="noStrike">
               <a:solidFill>
                 <a:srgbClr val="000000"/>
               </a:solidFill>
@@ -4681,7 +4710,7 @@
         <p:txBody>
           <a:bodyPr lIns="0" rIns="0" tIns="0" bIns="0"/>
           <a:p>
-            <a:endParaRPr b="0" lang="en-US" sz="2800" spc="-1" strike="noStrike">
+            <a:endParaRPr b="0" lang="tr-TR" sz="3200" spc="-1" strike="noStrike">
               <a:solidFill>
                 <a:srgbClr val="000000"/>
               </a:solidFill>
@@ -4717,7 +4746,7 @@
         <p:txBody>
           <a:bodyPr lIns="0" rIns="0" tIns="0" bIns="0"/>
           <a:p>
-            <a:endParaRPr b="0" lang="en-US" sz="2800" spc="-1" strike="noStrike">
+            <a:endParaRPr b="0" lang="tr-TR" sz="3200" spc="-1" strike="noStrike">
               <a:solidFill>
                 <a:srgbClr val="000000"/>
               </a:solidFill>
@@ -4753,7 +4782,7 @@
         <p:txBody>
           <a:bodyPr lIns="0" rIns="0" tIns="0" bIns="0"/>
           <a:p>
-            <a:endParaRPr b="0" lang="en-US" sz="2800" spc="-1" strike="noStrike">
+            <a:endParaRPr b="0" lang="tr-TR" sz="3200" spc="-1" strike="noStrike">
               <a:solidFill>
                 <a:srgbClr val="000000"/>
               </a:solidFill>
@@ -4811,7 +4840,8 @@
         <p:txBody>
           <a:bodyPr lIns="0" rIns="0" tIns="0" bIns="0" anchor="ctr"/>
           <a:p>
-            <a:endParaRPr b="0" lang="en-US" sz="1800" spc="-1" strike="noStrike">
+            <a:pPr algn="ctr"/>
+            <a:endParaRPr b="0" lang="tr-TR" sz="4400" spc="-1" strike="noStrike">
               <a:solidFill>
                 <a:srgbClr val="000000"/>
               </a:solidFill>
@@ -4847,7 +4877,7 @@
         <p:txBody>
           <a:bodyPr lIns="0" rIns="0" tIns="0" bIns="0"/>
           <a:p>
-            <a:endParaRPr b="0" lang="en-US" sz="2800" spc="-1" strike="noStrike">
+            <a:endParaRPr b="0" lang="tr-TR" sz="3200" spc="-1" strike="noStrike">
               <a:solidFill>
                 <a:srgbClr val="000000"/>
               </a:solidFill>
@@ -4883,7 +4913,7 @@
         <p:txBody>
           <a:bodyPr lIns="0" rIns="0" tIns="0" bIns="0"/>
           <a:p>
-            <a:endParaRPr b="0" lang="en-US" sz="2800" spc="-1" strike="noStrike">
+            <a:endParaRPr b="0" lang="tr-TR" sz="3200" spc="-1" strike="noStrike">
               <a:solidFill>
                 <a:srgbClr val="000000"/>
               </a:solidFill>
@@ -4919,7 +4949,7 @@
         <p:txBody>
           <a:bodyPr lIns="0" rIns="0" tIns="0" bIns="0"/>
           <a:p>
-            <a:endParaRPr b="0" lang="en-US" sz="2800" spc="-1" strike="noStrike">
+            <a:endParaRPr b="0" lang="tr-TR" sz="3200" spc="-1" strike="noStrike">
               <a:solidFill>
                 <a:srgbClr val="000000"/>
               </a:solidFill>
@@ -4971,7 +5001,7 @@
         <p:spPr>
           <a:xfrm>
             <a:off x="0" y="6477120"/>
-            <a:ext cx="9143280" cy="380160"/>
+            <a:ext cx="9142920" cy="379800"/>
           </a:xfrm>
           <a:prstGeom prst="rect">
             <a:avLst/>
@@ -5004,7 +5034,7 @@
         <p:spPr>
           <a:xfrm>
             <a:off x="0" y="10440"/>
-            <a:ext cx="9143280" cy="761400"/>
+            <a:ext cx="9142920" cy="761040"/>
           </a:xfrm>
           <a:prstGeom prst="rect">
             <a:avLst/>
@@ -5047,7 +5077,7 @@
         <p:spPr>
           <a:xfrm>
             <a:off x="1447920" y="6536520"/>
-            <a:ext cx="3123360" cy="272520"/>
+            <a:ext cx="3123000" cy="272160"/>
           </a:xfrm>
           <a:prstGeom prst="rect">
             <a:avLst/>
@@ -5113,7 +5143,7 @@
         <p:spPr>
           <a:xfrm>
             <a:off x="81720" y="5867280"/>
-            <a:ext cx="984240" cy="984240"/>
+            <a:ext cx="983880" cy="983880"/>
           </a:xfrm>
           <a:prstGeom prst="rect">
             <a:avLst/>
@@ -5136,7 +5166,7 @@
         <p:spPr>
           <a:xfrm>
             <a:off x="8001000" y="43920"/>
-            <a:ext cx="1109160" cy="694440"/>
+            <a:ext cx="1108800" cy="694080"/>
           </a:xfrm>
           <a:prstGeom prst="rect">
             <a:avLst/>
@@ -5155,7 +5185,7 @@
         <p:spPr>
           <a:xfrm>
             <a:off x="4572000" y="6528960"/>
-            <a:ext cx="3123360" cy="272520"/>
+            <a:ext cx="3123000" cy="272160"/>
           </a:xfrm>
           <a:prstGeom prst="rect">
             <a:avLst/>
@@ -5217,7 +5247,7 @@
         <p:spPr>
           <a:xfrm>
             <a:off x="5943600" y="200160"/>
-            <a:ext cx="2742480" cy="242280"/>
+            <a:ext cx="2742120" cy="241920"/>
           </a:xfrm>
           <a:prstGeom prst="rect">
             <a:avLst/>
@@ -5279,7 +5309,7 @@
         <p:spPr>
           <a:xfrm>
             <a:off x="0" y="10440"/>
-            <a:ext cx="9143280" cy="761400"/>
+            <a:ext cx="9142920" cy="761040"/>
           </a:xfrm>
           <a:prstGeom prst="rect">
             <a:avLst/>
@@ -5322,7 +5352,7 @@
         <p:spPr>
           <a:xfrm>
             <a:off x="0" y="6477120"/>
-            <a:ext cx="9143280" cy="380160"/>
+            <a:ext cx="9142920" cy="379800"/>
           </a:xfrm>
           <a:prstGeom prst="rect">
             <a:avLst/>
@@ -5359,7 +5389,7 @@
         <p:spPr>
           <a:xfrm>
             <a:off x="152280" y="5715000"/>
-            <a:ext cx="1142280" cy="1142280"/>
+            <a:ext cx="1141920" cy="1141920"/>
           </a:xfrm>
           <a:prstGeom prst="rect">
             <a:avLst/>
@@ -5382,7 +5412,7 @@
         <p:spPr>
           <a:xfrm>
             <a:off x="3276720" y="179640"/>
-            <a:ext cx="2786040" cy="1744200"/>
+            <a:ext cx="2785680" cy="1743840"/>
           </a:xfrm>
           <a:prstGeom prst="rect">
             <a:avLst/>
@@ -5404,8 +5434,8 @@
         </p:nvSpPr>
         <p:spPr>
           <a:xfrm>
-            <a:off x="152280" y="83160"/>
-            <a:ext cx="7848000" cy="624960"/>
+            <a:off x="457200" y="273600"/>
+            <a:ext cx="8228880" cy="1144440"/>
           </a:xfrm>
           <a:prstGeom prst="rect">
             <a:avLst/>
@@ -5414,7 +5444,8 @@
         <p:txBody>
           <a:bodyPr lIns="0" rIns="0" tIns="0" bIns="0" anchor="ctr"/>
           <a:p>
-            <a:endParaRPr b="0" lang="en-US" sz="1800" spc="-1" strike="noStrike">
+            <a:pPr algn="ctr"/>
+            <a:endParaRPr b="0" lang="tr-TR" sz="4400" spc="-1" strike="noStrike">
               <a:solidFill>
                 <a:srgbClr val="000000"/>
               </a:solidFill>
@@ -5441,7 +5472,7 @@
         <p:spPr>
           <a:xfrm>
             <a:off x="457200" y="1604520"/>
-            <a:ext cx="8229240" cy="3977280"/>
+            <a:ext cx="8228880" cy="3976920"/>
           </a:xfrm>
           <a:prstGeom prst="rect">
             <a:avLst/>
@@ -5459,7 +5490,7 @@
               <a:buChar char=""/>
             </a:pPr>
             <a:r>
-              <a:rPr b="0" lang="en-US" sz="2800" spc="-1" strike="noStrike">
+              <a:rPr b="0" lang="tr-TR" sz="1800" spc="-1" strike="noStrike">
                 <a:solidFill>
                   <a:srgbClr val="000000"/>
                 </a:solidFill>
@@ -5472,7 +5503,7 @@
               </a:rPr>
               <a:t>Anahat metninin biçimini düzenlemek için tıklayın</a:t>
             </a:r>
-            <a:endParaRPr b="0" lang="en-US" sz="2800" spc="-1" strike="noStrike">
+            <a:endParaRPr b="0" lang="tr-TR" sz="1800" spc="-1" strike="noStrike">
               <a:solidFill>
                 <a:srgbClr val="000000"/>
               </a:solidFill>
@@ -5494,7 +5525,7 @@
               <a:buChar char=""/>
             </a:pPr>
             <a:r>
-              <a:rPr b="0" lang="en-US" sz="2000" spc="-1" strike="noStrike">
+              <a:rPr b="0" lang="tr-TR" sz="1800" spc="-1" strike="noStrike">
                 <a:solidFill>
                   <a:srgbClr val="000000"/>
                 </a:solidFill>
@@ -5507,7 +5538,7 @@
               </a:rPr>
               <a:t>İkinci Anahat Düzeyi</a:t>
             </a:r>
-            <a:endParaRPr b="0" lang="en-US" sz="2000" spc="-1" strike="noStrike">
+            <a:endParaRPr b="0" lang="tr-TR" sz="1800" spc="-1" strike="noStrike">
               <a:solidFill>
                 <a:srgbClr val="000000"/>
               </a:solidFill>
@@ -5529,7 +5560,7 @@
               <a:buChar char=""/>
             </a:pPr>
             <a:r>
-              <a:rPr b="0" lang="en-US" sz="1800" spc="-1" strike="noStrike">
+              <a:rPr b="0" lang="tr-TR" sz="1800" spc="-1" strike="noStrike">
                 <a:solidFill>
                   <a:srgbClr val="000000"/>
                 </a:solidFill>
@@ -5542,7 +5573,7 @@
               </a:rPr>
               <a:t>Üçüncü Anahat Düzeyi</a:t>
             </a:r>
-            <a:endParaRPr b="0" lang="en-US" sz="1800" spc="-1" strike="noStrike">
+            <a:endParaRPr b="0" lang="tr-TR" sz="1800" spc="-1" strike="noStrike">
               <a:solidFill>
                 <a:srgbClr val="000000"/>
               </a:solidFill>
@@ -5564,7 +5595,7 @@
               <a:buChar char=""/>
             </a:pPr>
             <a:r>
-              <a:rPr b="0" lang="en-US" sz="1800" spc="-1" strike="noStrike">
+              <a:rPr b="0" lang="tr-TR" sz="1800" spc="-1" strike="noStrike">
                 <a:solidFill>
                   <a:srgbClr val="000000"/>
                 </a:solidFill>
@@ -5577,7 +5608,7 @@
               </a:rPr>
               <a:t>Dördüncü Anahat Düzeyi</a:t>
             </a:r>
-            <a:endParaRPr b="0" lang="en-US" sz="1800" spc="-1" strike="noStrike">
+            <a:endParaRPr b="0" lang="tr-TR" sz="1800" spc="-1" strike="noStrike">
               <a:solidFill>
                 <a:srgbClr val="000000"/>
               </a:solidFill>
@@ -5599,7 +5630,7 @@
               <a:buChar char=""/>
             </a:pPr>
             <a:r>
-              <a:rPr b="0" lang="en-US" sz="2000" spc="-1" strike="noStrike">
+              <a:rPr b="0" lang="tr-TR" sz="1800" spc="-1" strike="noStrike">
                 <a:solidFill>
                   <a:srgbClr val="000000"/>
                 </a:solidFill>
@@ -5612,7 +5643,7 @@
               </a:rPr>
               <a:t>Beşinci Anahat Düzeyi</a:t>
             </a:r>
-            <a:endParaRPr b="0" lang="en-US" sz="2000" spc="-1" strike="noStrike">
+            <a:endParaRPr b="0" lang="tr-TR" sz="1800" spc="-1" strike="noStrike">
               <a:solidFill>
                 <a:srgbClr val="000000"/>
               </a:solidFill>
@@ -5634,7 +5665,7 @@
               <a:buChar char=""/>
             </a:pPr>
             <a:r>
-              <a:rPr b="0" lang="en-US" sz="2000" spc="-1" strike="noStrike">
+              <a:rPr b="0" lang="tr-TR" sz="1800" spc="-1" strike="noStrike">
                 <a:solidFill>
                   <a:srgbClr val="000000"/>
                 </a:solidFill>
@@ -5647,7 +5678,7 @@
               </a:rPr>
               <a:t>Altıncı Anahat Düzeyi</a:t>
             </a:r>
-            <a:endParaRPr b="0" lang="en-US" sz="2000" spc="-1" strike="noStrike">
+            <a:endParaRPr b="0" lang="tr-TR" sz="1800" spc="-1" strike="noStrike">
               <a:solidFill>
                 <a:srgbClr val="000000"/>
               </a:solidFill>
@@ -5669,7 +5700,7 @@
               <a:buChar char=""/>
             </a:pPr>
             <a:r>
-              <a:rPr b="0" lang="en-US" sz="2000" spc="-1" strike="noStrike">
+              <a:rPr b="0" lang="tr-TR" sz="1800" spc="-1" strike="noStrike">
                 <a:solidFill>
                   <a:srgbClr val="000000"/>
                 </a:solidFill>
@@ -5682,7 +5713,7 @@
               </a:rPr>
               <a:t>Yedinci Anahat Düzeyi</a:t>
             </a:r>
-            <a:endParaRPr b="0" lang="en-US" sz="2000" spc="-1" strike="noStrike">
+            <a:endParaRPr b="0" lang="tr-TR" sz="1800" spc="-1" strike="noStrike">
               <a:solidFill>
                 <a:srgbClr val="000000"/>
               </a:solidFill>
@@ -5749,7 +5780,7 @@
         <p:spPr>
           <a:xfrm>
             <a:off x="0" y="6477120"/>
-            <a:ext cx="9143280" cy="380160"/>
+            <a:ext cx="9142920" cy="379800"/>
           </a:xfrm>
           <a:prstGeom prst="rect">
             <a:avLst/>
@@ -5782,7 +5813,7 @@
         <p:spPr>
           <a:xfrm>
             <a:off x="0" y="10440"/>
-            <a:ext cx="9143280" cy="761400"/>
+            <a:ext cx="9142920" cy="761040"/>
           </a:xfrm>
           <a:prstGeom prst="rect">
             <a:avLst/>
@@ -5825,7 +5856,7 @@
         <p:spPr>
           <a:xfrm>
             <a:off x="1447920" y="6536520"/>
-            <a:ext cx="3123360" cy="272520"/>
+            <a:ext cx="3123000" cy="272160"/>
           </a:xfrm>
           <a:prstGeom prst="rect">
             <a:avLst/>
@@ -5891,7 +5922,7 @@
         <p:spPr>
           <a:xfrm>
             <a:off x="81720" y="5867280"/>
-            <a:ext cx="984240" cy="984240"/>
+            <a:ext cx="983880" cy="983880"/>
           </a:xfrm>
           <a:prstGeom prst="rect">
             <a:avLst/>
@@ -5914,7 +5945,7 @@
         <p:spPr>
           <a:xfrm>
             <a:off x="8001000" y="43920"/>
-            <a:ext cx="1109160" cy="694440"/>
+            <a:ext cx="1108800" cy="694080"/>
           </a:xfrm>
           <a:prstGeom prst="rect">
             <a:avLst/>
@@ -5933,7 +5964,7 @@
         <p:spPr>
           <a:xfrm>
             <a:off x="4572000" y="6528960"/>
-            <a:ext cx="3123360" cy="272520"/>
+            <a:ext cx="3123000" cy="272160"/>
           </a:xfrm>
           <a:prstGeom prst="rect">
             <a:avLst/>
@@ -6008,8 +6039,9 @@
         <p:txBody>
           <a:bodyPr lIns="0" rIns="0" tIns="0" bIns="0" anchor="ctr"/>
           <a:p>
-            <a:r>
-              <a:rPr b="0" lang="en-US" sz="1800" spc="-1" strike="noStrike">
+            <a:pPr algn="ctr"/>
+            <a:r>
+              <a:rPr b="0" lang="tr-TR" sz="4400" spc="-1" strike="noStrike">
                 <a:solidFill>
                   <a:srgbClr val="000000"/>
                 </a:solidFill>
@@ -6022,7 +6054,7 @@
               </a:rPr>
               <a:t>Ana başlık metnini düzenlemek için tıklayın</a:t>
             </a:r>
-            <a:endParaRPr b="0" lang="en-US" sz="1800" spc="-1" strike="noStrike">
+            <a:endParaRPr b="0" lang="tr-TR" sz="4400" spc="-1" strike="noStrike">
               <a:solidFill>
                 <a:srgbClr val="000000"/>
               </a:solidFill>
@@ -6067,7 +6099,7 @@
               <a:buChar char=""/>
             </a:pPr>
             <a:r>
-              <a:rPr b="0" lang="en-US" sz="2800" spc="-1" strike="noStrike">
+              <a:rPr b="0" lang="tr-TR" sz="3200" spc="-1" strike="noStrike">
                 <a:solidFill>
                   <a:srgbClr val="000000"/>
                 </a:solidFill>
@@ -6080,7 +6112,7 @@
               </a:rPr>
               <a:t>Anahat metninin biçimini düzenlemek için tıklayın</a:t>
             </a:r>
-            <a:endParaRPr b="0" lang="en-US" sz="2800" spc="-1" strike="noStrike">
+            <a:endParaRPr b="0" lang="tr-TR" sz="3200" spc="-1" strike="noStrike">
               <a:solidFill>
                 <a:srgbClr val="000000"/>
               </a:solidFill>
@@ -6102,7 +6134,7 @@
               <a:buChar char=""/>
             </a:pPr>
             <a:r>
-              <a:rPr b="0" lang="en-US" sz="2000" spc="-1" strike="noStrike">
+              <a:rPr b="0" lang="tr-TR" sz="2800" spc="-1" strike="noStrike">
                 <a:solidFill>
                   <a:srgbClr val="000000"/>
                 </a:solidFill>
@@ -6115,7 +6147,7 @@
               </a:rPr>
               <a:t>İkinci Anahat Düzeyi</a:t>
             </a:r>
-            <a:endParaRPr b="0" lang="en-US" sz="2000" spc="-1" strike="noStrike">
+            <a:endParaRPr b="0" lang="tr-TR" sz="2800" spc="-1" strike="noStrike">
               <a:solidFill>
                 <a:srgbClr val="000000"/>
               </a:solidFill>
@@ -6137,7 +6169,7 @@
               <a:buChar char=""/>
             </a:pPr>
             <a:r>
-              <a:rPr b="0" lang="en-US" sz="1800" spc="-1" strike="noStrike">
+              <a:rPr b="0" lang="tr-TR" sz="2400" spc="-1" strike="noStrike">
                 <a:solidFill>
                   <a:srgbClr val="000000"/>
                 </a:solidFill>
@@ -6150,7 +6182,7 @@
               </a:rPr>
               <a:t>Üçüncü Anahat Düzeyi</a:t>
             </a:r>
-            <a:endParaRPr b="0" lang="en-US" sz="1800" spc="-1" strike="noStrike">
+            <a:endParaRPr b="0" lang="tr-TR" sz="2400" spc="-1" strike="noStrike">
               <a:solidFill>
                 <a:srgbClr val="000000"/>
               </a:solidFill>
@@ -6172,7 +6204,7 @@
               <a:buChar char=""/>
             </a:pPr>
             <a:r>
-              <a:rPr b="0" lang="en-US" sz="1800" spc="-1" strike="noStrike">
+              <a:rPr b="0" lang="tr-TR" sz="2000" spc="-1" strike="noStrike">
                 <a:solidFill>
                   <a:srgbClr val="000000"/>
                 </a:solidFill>
@@ -6185,7 +6217,7 @@
               </a:rPr>
               <a:t>Dördüncü Anahat Düzeyi</a:t>
             </a:r>
-            <a:endParaRPr b="0" lang="en-US" sz="1800" spc="-1" strike="noStrike">
+            <a:endParaRPr b="0" lang="tr-TR" sz="2000" spc="-1" strike="noStrike">
               <a:solidFill>
                 <a:srgbClr val="000000"/>
               </a:solidFill>
@@ -6207,7 +6239,7 @@
               <a:buChar char=""/>
             </a:pPr>
             <a:r>
-              <a:rPr b="0" lang="en-US" sz="2000" spc="-1" strike="noStrike">
+              <a:rPr b="0" lang="tr-TR" sz="2000" spc="-1" strike="noStrike">
                 <a:solidFill>
                   <a:srgbClr val="000000"/>
                 </a:solidFill>
@@ -6220,7 +6252,7 @@
               </a:rPr>
               <a:t>Beşinci Anahat Düzeyi</a:t>
             </a:r>
-            <a:endParaRPr b="0" lang="en-US" sz="2000" spc="-1" strike="noStrike">
+            <a:endParaRPr b="0" lang="tr-TR" sz="2000" spc="-1" strike="noStrike">
               <a:solidFill>
                 <a:srgbClr val="000000"/>
               </a:solidFill>
@@ -6242,7 +6274,7 @@
               <a:buChar char=""/>
             </a:pPr>
             <a:r>
-              <a:rPr b="0" lang="en-US" sz="2000" spc="-1" strike="noStrike">
+              <a:rPr b="0" lang="tr-TR" sz="2000" spc="-1" strike="noStrike">
                 <a:solidFill>
                   <a:srgbClr val="000000"/>
                 </a:solidFill>
@@ -6255,7 +6287,7 @@
               </a:rPr>
               <a:t>Altıncı Anahat Düzeyi</a:t>
             </a:r>
-            <a:endParaRPr b="0" lang="en-US" sz="2000" spc="-1" strike="noStrike">
+            <a:endParaRPr b="0" lang="tr-TR" sz="2000" spc="-1" strike="noStrike">
               <a:solidFill>
                 <a:srgbClr val="000000"/>
               </a:solidFill>
@@ -6277,7 +6309,7 @@
               <a:buChar char=""/>
             </a:pPr>
             <a:r>
-              <a:rPr b="0" lang="en-US" sz="2000" spc="-1" strike="noStrike">
+              <a:rPr b="0" lang="tr-TR" sz="2000" spc="-1" strike="noStrike">
                 <a:solidFill>
                   <a:srgbClr val="000000"/>
                 </a:solidFill>
@@ -6290,7 +6322,7 @@
               </a:rPr>
               <a:t>Yedinci Anahat Düzeyi</a:t>
             </a:r>
-            <a:endParaRPr b="0" lang="en-US" sz="2000" spc="-1" strike="noStrike">
+            <a:endParaRPr b="0" lang="tr-TR" sz="2000" spc="-1" strike="noStrike">
               <a:solidFill>
                 <a:srgbClr val="000000"/>
               </a:solidFill>
@@ -6357,7 +6389,7 @@
         <p:spPr>
           <a:xfrm>
             <a:off x="0" y="6477120"/>
-            <a:ext cx="9143280" cy="380160"/>
+            <a:ext cx="9142920" cy="379800"/>
           </a:xfrm>
           <a:prstGeom prst="rect">
             <a:avLst/>
@@ -6390,7 +6422,7 @@
         <p:spPr>
           <a:xfrm>
             <a:off x="0" y="10440"/>
-            <a:ext cx="9143280" cy="761400"/>
+            <a:ext cx="9142920" cy="761040"/>
           </a:xfrm>
           <a:prstGeom prst="rect">
             <a:avLst/>
@@ -6433,7 +6465,7 @@
         <p:spPr>
           <a:xfrm>
             <a:off x="1447920" y="6536520"/>
-            <a:ext cx="3123360" cy="272520"/>
+            <a:ext cx="3123000" cy="272160"/>
           </a:xfrm>
           <a:prstGeom prst="rect">
             <a:avLst/>
@@ -6499,7 +6531,7 @@
         <p:spPr>
           <a:xfrm>
             <a:off x="81720" y="5867280"/>
-            <a:ext cx="984240" cy="984240"/>
+            <a:ext cx="983880" cy="983880"/>
           </a:xfrm>
           <a:prstGeom prst="rect">
             <a:avLst/>
@@ -6522,7 +6554,7 @@
         <p:spPr>
           <a:xfrm>
             <a:off x="8001000" y="43920"/>
-            <a:ext cx="1109160" cy="694440"/>
+            <a:ext cx="1108800" cy="694080"/>
           </a:xfrm>
           <a:prstGeom prst="rect">
             <a:avLst/>
@@ -6541,7 +6573,7 @@
         <p:spPr>
           <a:xfrm>
             <a:off x="4572000" y="6528960"/>
-            <a:ext cx="3123360" cy="272520"/>
+            <a:ext cx="3123000" cy="272160"/>
           </a:xfrm>
           <a:prstGeom prst="rect">
             <a:avLst/>
@@ -6606,8 +6638,8 @@
         </p:nvSpPr>
         <p:spPr>
           <a:xfrm>
-            <a:off x="152280" y="83160"/>
-            <a:ext cx="7848000" cy="624960"/>
+            <a:off x="457200" y="273600"/>
+            <a:ext cx="8229240" cy="1144800"/>
           </a:xfrm>
           <a:prstGeom prst="rect">
             <a:avLst/>
@@ -6616,7 +6648,22 @@
         <p:txBody>
           <a:bodyPr lIns="0" rIns="0" tIns="0" bIns="0" anchor="ctr"/>
           <a:p>
-            <a:endParaRPr b="0" lang="en-US" sz="1800" spc="-1" strike="noStrike">
+            <a:pPr algn="ctr"/>
+            <a:r>
+              <a:rPr b="0" lang="tr-TR" sz="4400" spc="-1" strike="noStrike">
+                <a:solidFill>
+                  <a:srgbClr val="000000"/>
+                </a:solidFill>
+                <a:uFill>
+                  <a:solidFill>
+                    <a:srgbClr val="ffffff"/>
+                  </a:solidFill>
+                </a:uFill>
+                <a:latin typeface="Arial"/>
+              </a:rPr>
+              <a:t>Ana başlık metnini düzenlemek için tıklayın</a:t>
+            </a:r>
+            <a:endParaRPr b="0" lang="tr-TR" sz="4400" spc="-1" strike="noStrike">
               <a:solidFill>
                 <a:srgbClr val="000000"/>
               </a:solidFill>
@@ -6642,8 +6689,8 @@
         </p:nvSpPr>
         <p:spPr>
           <a:xfrm>
-            <a:off x="152280" y="914400"/>
-            <a:ext cx="7390800" cy="5409360"/>
+            <a:off x="457200" y="1604520"/>
+            <a:ext cx="8229240" cy="3977280"/>
           </a:xfrm>
           <a:prstGeom prst="rect">
             <a:avLst/>
@@ -6661,7 +6708,7 @@
               <a:buChar char=""/>
             </a:pPr>
             <a:r>
-              <a:rPr b="0" lang="en-US" sz="2800" spc="-1" strike="noStrike">
+              <a:rPr b="0" lang="tr-TR" sz="3200" spc="-1" strike="noStrike">
                 <a:solidFill>
                   <a:srgbClr val="000000"/>
                 </a:solidFill>
@@ -6674,7 +6721,7 @@
               </a:rPr>
               <a:t>Anahat metninin biçimini düzenlemek için tıklayın</a:t>
             </a:r>
-            <a:endParaRPr b="0" lang="en-US" sz="2800" spc="-1" strike="noStrike">
+            <a:endParaRPr b="0" lang="tr-TR" sz="3200" spc="-1" strike="noStrike">
               <a:solidFill>
                 <a:srgbClr val="000000"/>
               </a:solidFill>
@@ -6696,7 +6743,7 @@
               <a:buChar char=""/>
             </a:pPr>
             <a:r>
-              <a:rPr b="0" lang="en-US" sz="2800" spc="-1" strike="noStrike">
+              <a:rPr b="0" lang="tr-TR" sz="2800" spc="-1" strike="noStrike">
                 <a:solidFill>
                   <a:srgbClr val="000000"/>
                 </a:solidFill>
@@ -6709,7 +6756,7 @@
               </a:rPr>
               <a:t>İkinci Anahat Düzeyi</a:t>
             </a:r>
-            <a:endParaRPr b="0" lang="en-US" sz="2800" spc="-1" strike="noStrike">
+            <a:endParaRPr b="0" lang="tr-TR" sz="2800" spc="-1" strike="noStrike">
               <a:solidFill>
                 <a:srgbClr val="000000"/>
               </a:solidFill>
@@ -6731,7 +6778,7 @@
               <a:buChar char=""/>
             </a:pPr>
             <a:r>
-              <a:rPr b="0" lang="en-US" sz="2800" spc="-1" strike="noStrike">
+              <a:rPr b="0" lang="tr-TR" sz="2400" spc="-1" strike="noStrike">
                 <a:solidFill>
                   <a:srgbClr val="000000"/>
                 </a:solidFill>
@@ -6744,7 +6791,7 @@
               </a:rPr>
               <a:t>Üçüncü Anahat Düzeyi</a:t>
             </a:r>
-            <a:endParaRPr b="0" lang="en-US" sz="2800" spc="-1" strike="noStrike">
+            <a:endParaRPr b="0" lang="tr-TR" sz="2400" spc="-1" strike="noStrike">
               <a:solidFill>
                 <a:srgbClr val="000000"/>
               </a:solidFill>
@@ -6766,7 +6813,7 @@
               <a:buChar char=""/>
             </a:pPr>
             <a:r>
-              <a:rPr b="0" lang="en-US" sz="2800" spc="-1" strike="noStrike">
+              <a:rPr b="0" lang="tr-TR" sz="2000" spc="-1" strike="noStrike">
                 <a:solidFill>
                   <a:srgbClr val="000000"/>
                 </a:solidFill>
@@ -6779,7 +6826,7 @@
               </a:rPr>
               <a:t>Dördüncü Anahat Düzeyi</a:t>
             </a:r>
-            <a:endParaRPr b="0" lang="en-US" sz="2800" spc="-1" strike="noStrike">
+            <a:endParaRPr b="0" lang="tr-TR" sz="2000" spc="-1" strike="noStrike">
               <a:solidFill>
                 <a:srgbClr val="000000"/>
               </a:solidFill>
@@ -6801,7 +6848,7 @@
               <a:buChar char=""/>
             </a:pPr>
             <a:r>
-              <a:rPr b="0" lang="en-US" sz="2800" spc="-1" strike="noStrike">
+              <a:rPr b="0" lang="tr-TR" sz="2000" spc="-1" strike="noStrike">
                 <a:solidFill>
                   <a:srgbClr val="000000"/>
                 </a:solidFill>
@@ -6814,7 +6861,7 @@
               </a:rPr>
               <a:t>Beşinci Anahat Düzeyi</a:t>
             </a:r>
-            <a:endParaRPr b="0" lang="en-US" sz="2800" spc="-1" strike="noStrike">
+            <a:endParaRPr b="0" lang="tr-TR" sz="2000" spc="-1" strike="noStrike">
               <a:solidFill>
                 <a:srgbClr val="000000"/>
               </a:solidFill>
@@ -6836,7 +6883,7 @@
               <a:buChar char=""/>
             </a:pPr>
             <a:r>
-              <a:rPr b="0" lang="en-US" sz="2800" spc="-1" strike="noStrike">
+              <a:rPr b="0" lang="tr-TR" sz="2000" spc="-1" strike="noStrike">
                 <a:solidFill>
                   <a:srgbClr val="000000"/>
                 </a:solidFill>
@@ -6849,7 +6896,7 @@
               </a:rPr>
               <a:t>Altıncı Anahat Düzeyi</a:t>
             </a:r>
-            <a:endParaRPr b="0" lang="en-US" sz="2800" spc="-1" strike="noStrike">
+            <a:endParaRPr b="0" lang="tr-TR" sz="2000" spc="-1" strike="noStrike">
               <a:solidFill>
                 <a:srgbClr val="000000"/>
               </a:solidFill>
@@ -6871,7 +6918,7 @@
               <a:buChar char=""/>
             </a:pPr>
             <a:r>
-              <a:rPr b="0" lang="en-US" sz="2800" spc="-1" strike="noStrike">
+              <a:rPr b="0" lang="tr-TR" sz="2000" spc="-1" strike="noStrike">
                 <a:solidFill>
                   <a:srgbClr val="000000"/>
                 </a:solidFill>
@@ -6884,7 +6931,7 @@
               </a:rPr>
               <a:t>Yedinci Anahat Düzeyi</a:t>
             </a:r>
-            <a:endParaRPr b="0" lang="en-US" sz="2800" spc="-1" strike="noStrike">
+            <a:endParaRPr b="0" lang="tr-TR" sz="2000" spc="-1" strike="noStrike">
               <a:solidFill>
                 <a:srgbClr val="000000"/>
               </a:solidFill>
@@ -6944,7 +6991,7 @@
         <p:spPr>
           <a:xfrm>
             <a:off x="152280" y="2209680"/>
-            <a:ext cx="8762400" cy="1523160"/>
+            <a:ext cx="8762040" cy="1522800"/>
           </a:xfrm>
           <a:prstGeom prst="rect">
             <a:avLst/>
@@ -7006,7 +7053,7 @@
         <p:spPr>
           <a:xfrm>
             <a:off x="1295280" y="3809880"/>
-            <a:ext cx="6400080" cy="3428280"/>
+            <a:ext cx="6399720" cy="3427920"/>
           </a:xfrm>
           <a:prstGeom prst="rect">
             <a:avLst/>
@@ -7278,14 +7325,14 @@
       </p:grpSpPr>
       <p:sp>
         <p:nvSpPr>
-          <p:cNvPr id="197" name="CustomShape 1"/>
+          <p:cNvPr id="174" name="CustomShape 1"/>
           <p:cNvSpPr/>
           <p:nvPr/>
         </p:nvSpPr>
         <p:spPr>
           <a:xfrm>
             <a:off x="8534520" y="6553080"/>
-            <a:ext cx="456480" cy="75600"/>
+            <a:ext cx="456120" cy="75240"/>
           </a:xfrm>
           <a:prstGeom prst="rect">
             <a:avLst/>
@@ -7309,7 +7356,7 @@
                 <a:spcPct val="100000"/>
               </a:lnSpc>
             </a:pPr>
-            <a:fld id="{3DCAEACA-FD22-49BB-94F2-488223365B76}" type="slidenum">
+            <a:fld id="{613DC5BB-E7DD-49C3-8AB3-2EE09505EC51}" type="slidenum">
               <a:rPr b="0" lang="tr-TR" sz="1000" spc="-1" strike="noStrike">
                 <a:solidFill>
                   <a:srgbClr val="ffffe5"/>
@@ -7340,14 +7387,14 @@
       </p:sp>
       <p:sp>
         <p:nvSpPr>
-          <p:cNvPr id="198" name="CustomShape 2"/>
+          <p:cNvPr id="175" name="CustomShape 2"/>
           <p:cNvSpPr/>
           <p:nvPr/>
         </p:nvSpPr>
         <p:spPr>
           <a:xfrm>
             <a:off x="152280" y="106200"/>
-            <a:ext cx="7848000" cy="578880"/>
+            <a:ext cx="7847640" cy="578520"/>
           </a:xfrm>
           <a:prstGeom prst="rect">
             <a:avLst/>
@@ -7402,14 +7449,14 @@
       </p:sp>
       <p:sp>
         <p:nvSpPr>
-          <p:cNvPr id="199" name="CustomShape 3"/>
+          <p:cNvPr id="176" name="CustomShape 3"/>
           <p:cNvSpPr/>
           <p:nvPr/>
         </p:nvSpPr>
         <p:spPr>
           <a:xfrm>
             <a:off x="152280" y="914400"/>
-            <a:ext cx="8000280" cy="5637960"/>
+            <a:ext cx="7999920" cy="5637600"/>
           </a:xfrm>
           <a:prstGeom prst="rect">
             <a:avLst/>
@@ -7428,7 +7475,7 @@
         <p:txBody>
           <a:bodyPr lIns="90000" rIns="90000" tIns="45000" bIns="45000"/>
           <a:p>
-            <a:pPr marL="432000" indent="-323640">
+            <a:pPr marL="432000" indent="-323280">
               <a:lnSpc>
                 <a:spcPct val="100000"/>
               </a:lnSpc>
@@ -7470,7 +7517,7 @@
       </p:sp>
       <p:pic>
         <p:nvPicPr>
-          <p:cNvPr id="200" name="" descr=""/>
+          <p:cNvPr id="177" name="" descr=""/>
           <p:cNvPicPr/>
           <p:nvPr/>
         </p:nvPicPr>
@@ -7480,8 +7527,8 @@
         </p:blipFill>
         <p:spPr>
           <a:xfrm>
-            <a:off x="-158040" y="1296000"/>
-            <a:ext cx="6350040" cy="3604320"/>
+            <a:off x="1728000" y="1296000"/>
+            <a:ext cx="4968000" cy="4848480"/>
           </a:xfrm>
           <a:prstGeom prst="rect">
             <a:avLst/>
@@ -7491,108 +7538,6 @@
           </a:ln>
         </p:spPr>
       </p:pic>
-      <p:pic>
-        <p:nvPicPr>
-          <p:cNvPr id="201" name="" descr=""/>
-          <p:cNvPicPr/>
-          <p:nvPr/>
-        </p:nvPicPr>
-        <p:blipFill>
-          <a:blip r:embed="rId2"/>
-          <a:stretch/>
-        </p:blipFill>
-        <p:spPr>
-          <a:xfrm>
-            <a:off x="6872040" y="1296000"/>
-            <a:ext cx="2199960" cy="2742840"/>
-          </a:xfrm>
-          <a:prstGeom prst="rect">
-            <a:avLst/>
-          </a:prstGeom>
-          <a:ln>
-            <a:noFill/>
-          </a:ln>
-        </p:spPr>
-      </p:pic>
-      <p:sp>
-        <p:nvSpPr>
-          <p:cNvPr id="202" name="Line 4"/>
-          <p:cNvSpPr/>
-          <p:nvPr/>
-        </p:nvSpPr>
-        <p:spPr>
-          <a:xfrm>
-            <a:off x="6408000" y="2880000"/>
-            <a:ext cx="576000" cy="0"/>
-          </a:xfrm>
-          <a:prstGeom prst="line">
-            <a:avLst/>
-          </a:prstGeom>
-          <a:ln>
-            <a:solidFill>
-              <a:srgbClr val="000000"/>
-            </a:solidFill>
-            <a:tailEnd len="med" type="triangle" w="med"/>
-          </a:ln>
-        </p:spPr>
-        <p:style>
-          <a:lnRef idx="0"/>
-          <a:fillRef idx="0"/>
-          <a:effectRef idx="0"/>
-          <a:fontRef idx="minor"/>
-        </p:style>
-      </p:sp>
-      <p:pic>
-        <p:nvPicPr>
-          <p:cNvPr id="203" name="" descr=""/>
-          <p:cNvPicPr/>
-          <p:nvPr/>
-        </p:nvPicPr>
-        <p:blipFill>
-          <a:blip r:embed="rId3"/>
-          <a:stretch/>
-        </p:blipFill>
-        <p:spPr>
-          <a:xfrm>
-            <a:off x="5114520" y="4470480"/>
-            <a:ext cx="2733480" cy="2009520"/>
-          </a:xfrm>
-          <a:prstGeom prst="rect">
-            <a:avLst/>
-          </a:prstGeom>
-          <a:ln>
-            <a:noFill/>
-          </a:ln>
-        </p:spPr>
-      </p:pic>
-      <p:sp>
-        <p:nvSpPr>
-          <p:cNvPr id="204" name="Line 5"/>
-          <p:cNvSpPr/>
-          <p:nvPr/>
-        </p:nvSpPr>
-        <p:spPr>
-          <a:xfrm flipH="1">
-            <a:off x="7128000" y="3960000"/>
-            <a:ext cx="936000" cy="432000"/>
-          </a:xfrm>
-          <a:prstGeom prst="line">
-            <a:avLst/>
-          </a:prstGeom>
-          <a:ln>
-            <a:solidFill>
-              <a:srgbClr val="000000"/>
-            </a:solidFill>
-            <a:tailEnd len="med" type="triangle" w="med"/>
-          </a:ln>
-        </p:spPr>
-        <p:style>
-          <a:lnRef idx="0"/>
-          <a:fillRef idx="0"/>
-          <a:effectRef idx="0"/>
-          <a:fontRef idx="minor"/>
-        </p:style>
-      </p:sp>
     </p:spTree>
   </p:cSld>
   <p:timing>
@@ -7644,14 +7589,14 @@
       </p:grpSpPr>
       <p:sp>
         <p:nvSpPr>
-          <p:cNvPr id="205" name="CustomShape 1"/>
+          <p:cNvPr id="178" name="CustomShape 1"/>
           <p:cNvSpPr/>
           <p:nvPr/>
         </p:nvSpPr>
         <p:spPr>
           <a:xfrm>
             <a:off x="8534520" y="6553080"/>
-            <a:ext cx="456480" cy="75600"/>
+            <a:ext cx="456120" cy="75240"/>
           </a:xfrm>
           <a:prstGeom prst="rect">
             <a:avLst/>
@@ -7675,7 +7620,7 @@
                 <a:spcPct val="100000"/>
               </a:lnSpc>
             </a:pPr>
-            <a:fld id="{82369CCF-5C9F-41FE-BEB8-E1C8B7ECC077}" type="slidenum">
+            <a:fld id="{B6B5C051-B20D-41A6-AC74-9D15F9BC1055}" type="slidenum">
               <a:rPr b="0" lang="tr-TR" sz="1000" spc="-1" strike="noStrike">
                 <a:solidFill>
                   <a:srgbClr val="ffffe5"/>
@@ -7706,14 +7651,14 @@
       </p:sp>
       <p:sp>
         <p:nvSpPr>
-          <p:cNvPr id="206" name="CustomShape 2"/>
+          <p:cNvPr id="179" name="CustomShape 2"/>
           <p:cNvSpPr/>
           <p:nvPr/>
         </p:nvSpPr>
         <p:spPr>
           <a:xfrm>
             <a:off x="152280" y="106200"/>
-            <a:ext cx="7848000" cy="578880"/>
+            <a:ext cx="7847640" cy="578520"/>
           </a:xfrm>
           <a:prstGeom prst="rect">
             <a:avLst/>
@@ -7750,7 +7695,7 @@
                 <a:latin typeface="Arial"/>
                 <a:ea typeface="DejaVu Sans"/>
               </a:rPr>
-              <a:t>Neler Yapıldı? - 4</a:t>
+              <a:t>Neler Yapıldı? - 3-1</a:t>
             </a:r>
             <a:endParaRPr b="0" lang="tr-TR" sz="1800" spc="-1" strike="noStrike">
               <a:solidFill>
@@ -7768,14 +7713,14 @@
       </p:sp>
       <p:sp>
         <p:nvSpPr>
-          <p:cNvPr id="207" name="CustomShape 3"/>
+          <p:cNvPr id="180" name="CustomShape 3"/>
           <p:cNvSpPr/>
           <p:nvPr/>
         </p:nvSpPr>
         <p:spPr>
           <a:xfrm>
             <a:off x="152280" y="914400"/>
-            <a:ext cx="8000280" cy="5637960"/>
+            <a:ext cx="7999920" cy="5637600"/>
           </a:xfrm>
           <a:prstGeom prst="rect">
             <a:avLst/>
@@ -7794,7 +7739,7 @@
         <p:txBody>
           <a:bodyPr lIns="90000" rIns="90000" tIns="45000" bIns="45000"/>
           <a:p>
-            <a:pPr marL="432000" indent="-323640">
+            <a:pPr marL="432000" indent="-323280">
               <a:lnSpc>
                 <a:spcPct val="100000"/>
               </a:lnSpc>
@@ -7818,32 +7763,8 @@
                 <a:latin typeface="Arial"/>
                 <a:ea typeface="DejaVu Sans"/>
               </a:rPr>
-              <a:t>Char based NER (CharNER)</a:t>
-            </a:r>
-            <a:endParaRPr b="0" lang="tr-TR" sz="1800" spc="-1" strike="noStrike">
-              <a:solidFill>
-                <a:srgbClr val="000000"/>
-              </a:solidFill>
-              <a:uFill>
-                <a:solidFill>
-                  <a:srgbClr val="ffffff"/>
-                </a:solidFill>
-              </a:uFill>
-              <a:latin typeface="Arial"/>
-            </a:endParaRPr>
-          </a:p>
-          <a:p>
-            <a:pPr lvl="1" marL="432000" indent="-216000">
-              <a:lnSpc>
-                <a:spcPct val="100000"/>
-              </a:lnSpc>
-              <a:buClr>
-                <a:srgbClr val="000000"/>
-              </a:buClr>
-              <a:buSzPct val="45000"/>
-              <a:buFont typeface="Wingdings" charset="2"/>
-              <a:buChar char=""/>
-            </a:pPr>
+              <a:t>A</a:t>
+            </a:r>
             <a:r>
               <a:rPr b="0" lang="tr-TR" sz="2400" spc="-1" strike="noStrike">
                 <a:solidFill>
@@ -7857,32 +7778,8 @@
                 <a:latin typeface="Arial"/>
                 <a:ea typeface="DejaVu Sans"/>
               </a:rPr>
-              <a:t>Eğitimler tamamlanmadığı için tweetler üzerinde</a:t>
-            </a:r>
-            <a:endParaRPr b="0" lang="tr-TR" sz="1800" spc="-1" strike="noStrike">
-              <a:solidFill>
-                <a:srgbClr val="000000"/>
-              </a:solidFill>
-              <a:uFill>
-                <a:solidFill>
-                  <a:srgbClr val="ffffff"/>
-                </a:solidFill>
-              </a:uFill>
-              <a:latin typeface="Arial"/>
-            </a:endParaRPr>
-          </a:p>
-          <a:p>
-            <a:pPr lvl="1" marL="432000" indent="-216000">
-              <a:lnSpc>
-                <a:spcPct val="100000"/>
-              </a:lnSpc>
-              <a:buClr>
-                <a:srgbClr val="000000"/>
-              </a:buClr>
-              <a:buSzPct val="45000"/>
-              <a:buFont typeface="Wingdings" charset="2"/>
-              <a:buChar char=""/>
-            </a:pPr>
+              <a:t>r</a:t>
+            </a:r>
             <a:r>
               <a:rPr b="0" lang="tr-TR" sz="2400" spc="-1" strike="noStrike">
                 <a:solidFill>
@@ -7896,32 +7793,8 @@
                 <a:latin typeface="Arial"/>
                 <a:ea typeface="DejaVu Sans"/>
               </a:rPr>
-              <a:t>NER çizgesi çıkarılamadı.</a:t>
-            </a:r>
-            <a:endParaRPr b="0" lang="tr-TR" sz="1800" spc="-1" strike="noStrike">
-              <a:solidFill>
-                <a:srgbClr val="000000"/>
-              </a:solidFill>
-              <a:uFill>
-                <a:solidFill>
-                  <a:srgbClr val="ffffff"/>
-                </a:solidFill>
-              </a:uFill>
-              <a:latin typeface="Arial"/>
-            </a:endParaRPr>
-          </a:p>
-          <a:p>
-            <a:pPr lvl="1" marL="432000" indent="-216000">
-              <a:lnSpc>
-                <a:spcPct val="100000"/>
-              </a:lnSpc>
-              <a:buClr>
-                <a:srgbClr val="000000"/>
-              </a:buClr>
-              <a:buSzPct val="45000"/>
-              <a:buFont typeface="Wingdings" charset="2"/>
-              <a:buChar char=""/>
-            </a:pPr>
+              <a:t>k</a:t>
+            </a:r>
             <a:r>
               <a:rPr b="0" lang="tr-TR" sz="2400" spc="-1" strike="noStrike">
                 <a:solidFill>
@@ -7935,7 +7808,592 @@
                 <a:latin typeface="Arial"/>
                 <a:ea typeface="DejaVu Sans"/>
               </a:rPr>
-              <a:t>30000’den fazla cümlelerde RAM sorunu</a:t>
+              <a:t>a</a:t>
+            </a:r>
+            <a:r>
+              <a:rPr b="0" lang="tr-TR" sz="2400" spc="-1" strike="noStrike">
+                <a:solidFill>
+                  <a:srgbClr val="000000"/>
+                </a:solidFill>
+                <a:uFill>
+                  <a:solidFill>
+                    <a:srgbClr val="ffffff"/>
+                  </a:solidFill>
+                </a:uFill>
+                <a:latin typeface="Arial"/>
+                <a:ea typeface="DejaVu Sans"/>
+              </a:rPr>
+              <a:t>d</a:t>
+            </a:r>
+            <a:r>
+              <a:rPr b="0" lang="tr-TR" sz="2400" spc="-1" strike="noStrike">
+                <a:solidFill>
+                  <a:srgbClr val="000000"/>
+                </a:solidFill>
+                <a:uFill>
+                  <a:solidFill>
+                    <a:srgbClr val="ffffff"/>
+                  </a:solidFill>
+                </a:uFill>
+                <a:latin typeface="Arial"/>
+                <a:ea typeface="DejaVu Sans"/>
+              </a:rPr>
+              <a:t>a</a:t>
+            </a:r>
+            <a:r>
+              <a:rPr b="0" lang="tr-TR" sz="2400" spc="-1" strike="noStrike">
+                <a:solidFill>
+                  <a:srgbClr val="000000"/>
+                </a:solidFill>
+                <a:uFill>
+                  <a:solidFill>
+                    <a:srgbClr val="ffffff"/>
+                  </a:solidFill>
+                </a:uFill>
+                <a:latin typeface="Arial"/>
+                <a:ea typeface="DejaVu Sans"/>
+              </a:rPr>
+              <a:t>ş</a:t>
+            </a:r>
+            <a:r>
+              <a:rPr b="0" lang="tr-TR" sz="2400" spc="-1" strike="noStrike">
+                <a:solidFill>
+                  <a:srgbClr val="000000"/>
+                </a:solidFill>
+                <a:uFill>
+                  <a:solidFill>
+                    <a:srgbClr val="ffffff"/>
+                  </a:solidFill>
+                </a:uFill>
+                <a:latin typeface="Arial"/>
+                <a:ea typeface="DejaVu Sans"/>
+              </a:rPr>
+              <a:t>l</a:t>
+            </a:r>
+            <a:r>
+              <a:rPr b="0" lang="tr-TR" sz="2400" spc="-1" strike="noStrike">
+                <a:solidFill>
+                  <a:srgbClr val="000000"/>
+                </a:solidFill>
+                <a:uFill>
+                  <a:solidFill>
+                    <a:srgbClr val="ffffff"/>
+                  </a:solidFill>
+                </a:uFill>
+                <a:latin typeface="Arial"/>
+                <a:ea typeface="DejaVu Sans"/>
+              </a:rPr>
+              <a:t>ı</a:t>
+            </a:r>
+            <a:r>
+              <a:rPr b="0" lang="tr-TR" sz="2400" spc="-1" strike="noStrike">
+                <a:solidFill>
+                  <a:srgbClr val="000000"/>
+                </a:solidFill>
+                <a:uFill>
+                  <a:solidFill>
+                    <a:srgbClr val="ffffff"/>
+                  </a:solidFill>
+                </a:uFill>
+                <a:latin typeface="Arial"/>
+                <a:ea typeface="DejaVu Sans"/>
+              </a:rPr>
+              <a:t>k</a:t>
+            </a:r>
+            <a:r>
+              <a:rPr b="0" lang="tr-TR" sz="2400" spc="-1" strike="noStrike">
+                <a:solidFill>
+                  <a:srgbClr val="000000"/>
+                </a:solidFill>
+                <a:uFill>
+                  <a:solidFill>
+                    <a:srgbClr val="ffffff"/>
+                  </a:solidFill>
+                </a:uFill>
+                <a:latin typeface="Arial"/>
+                <a:ea typeface="DejaVu Sans"/>
+              </a:rPr>
+              <a:t> </a:t>
+            </a:r>
+            <a:r>
+              <a:rPr b="0" lang="tr-TR" sz="2400" spc="-1" strike="noStrike">
+                <a:solidFill>
+                  <a:srgbClr val="000000"/>
+                </a:solidFill>
+                <a:uFill>
+                  <a:solidFill>
+                    <a:srgbClr val="ffffff"/>
+                  </a:solidFill>
+                </a:uFill>
+                <a:latin typeface="Arial"/>
+                <a:ea typeface="DejaVu Sans"/>
+              </a:rPr>
+              <a:t>ç</a:t>
+            </a:r>
+            <a:r>
+              <a:rPr b="0" lang="tr-TR" sz="2400" spc="-1" strike="noStrike">
+                <a:solidFill>
+                  <a:srgbClr val="000000"/>
+                </a:solidFill>
+                <a:uFill>
+                  <a:solidFill>
+                    <a:srgbClr val="ffffff"/>
+                  </a:solidFill>
+                </a:uFill>
+                <a:latin typeface="Arial"/>
+                <a:ea typeface="DejaVu Sans"/>
+              </a:rPr>
+              <a:t>i</a:t>
+            </a:r>
+            <a:r>
+              <a:rPr b="0" lang="tr-TR" sz="2400" spc="-1" strike="noStrike">
+                <a:solidFill>
+                  <a:srgbClr val="000000"/>
+                </a:solidFill>
+                <a:uFill>
+                  <a:solidFill>
+                    <a:srgbClr val="ffffff"/>
+                  </a:solidFill>
+                </a:uFill>
+                <a:latin typeface="Arial"/>
+                <a:ea typeface="DejaVu Sans"/>
+              </a:rPr>
+              <a:t>z</a:t>
+            </a:r>
+            <a:r>
+              <a:rPr b="0" lang="tr-TR" sz="2400" spc="-1" strike="noStrike">
+                <a:solidFill>
+                  <a:srgbClr val="000000"/>
+                </a:solidFill>
+                <a:uFill>
+                  <a:solidFill>
+                    <a:srgbClr val="ffffff"/>
+                  </a:solidFill>
+                </a:uFill>
+                <a:latin typeface="Arial"/>
+                <a:ea typeface="DejaVu Sans"/>
+              </a:rPr>
+              <a:t>g</a:t>
+            </a:r>
+            <a:r>
+              <a:rPr b="0" lang="tr-TR" sz="2400" spc="-1" strike="noStrike">
+                <a:solidFill>
+                  <a:srgbClr val="000000"/>
+                </a:solidFill>
+                <a:uFill>
+                  <a:solidFill>
+                    <a:srgbClr val="ffffff"/>
+                  </a:solidFill>
+                </a:uFill>
+                <a:latin typeface="Arial"/>
+                <a:ea typeface="DejaVu Sans"/>
+              </a:rPr>
+              <a:t>e</a:t>
+            </a:r>
+            <a:r>
+              <a:rPr b="0" lang="tr-TR" sz="2400" spc="-1" strike="noStrike">
+                <a:solidFill>
+                  <a:srgbClr val="000000"/>
+                </a:solidFill>
+                <a:uFill>
+                  <a:solidFill>
+                    <a:srgbClr val="ffffff"/>
+                  </a:solidFill>
+                </a:uFill>
+                <a:latin typeface="Arial"/>
+                <a:ea typeface="DejaVu Sans"/>
+              </a:rPr>
+              <a:t>l</a:t>
+            </a:r>
+            <a:r>
+              <a:rPr b="0" lang="tr-TR" sz="2400" spc="-1" strike="noStrike">
+                <a:solidFill>
+                  <a:srgbClr val="000000"/>
+                </a:solidFill>
+                <a:uFill>
+                  <a:solidFill>
+                    <a:srgbClr val="ffffff"/>
+                  </a:solidFill>
+                </a:uFill>
+                <a:latin typeface="Arial"/>
+                <a:ea typeface="DejaVu Sans"/>
+              </a:rPr>
+              <a:t>e</a:t>
+            </a:r>
+            <a:r>
+              <a:rPr b="0" lang="tr-TR" sz="2400" spc="-1" strike="noStrike">
+                <a:solidFill>
+                  <a:srgbClr val="000000"/>
+                </a:solidFill>
+                <a:uFill>
+                  <a:solidFill>
+                    <a:srgbClr val="ffffff"/>
+                  </a:solidFill>
+                </a:uFill>
+                <a:latin typeface="Arial"/>
+                <a:ea typeface="DejaVu Sans"/>
+              </a:rPr>
+              <a:t>r</a:t>
+            </a:r>
+            <a:r>
+              <a:rPr b="0" lang="tr-TR" sz="2400" spc="-1" strike="noStrike">
+                <a:solidFill>
+                  <a:srgbClr val="000000"/>
+                </a:solidFill>
+                <a:uFill>
+                  <a:solidFill>
+                    <a:srgbClr val="ffffff"/>
+                  </a:solidFill>
+                </a:uFill>
+                <a:latin typeface="Arial"/>
+                <a:ea typeface="DejaVu Sans"/>
+              </a:rPr>
+              <a:t>i</a:t>
+            </a:r>
+            <a:r>
+              <a:rPr b="0" lang="tr-TR" sz="2400" spc="-1" strike="noStrike">
+                <a:solidFill>
+                  <a:srgbClr val="000000"/>
+                </a:solidFill>
+                <a:uFill>
+                  <a:solidFill>
+                    <a:srgbClr val="ffffff"/>
+                  </a:solidFill>
+                </a:uFill>
+                <a:latin typeface="Arial"/>
+                <a:ea typeface="DejaVu Sans"/>
+              </a:rPr>
+              <a:t> </a:t>
+            </a:r>
+            <a:r>
+              <a:rPr b="0" lang="tr-TR" sz="2400" spc="-1" strike="noStrike">
+                <a:solidFill>
+                  <a:srgbClr val="000000"/>
+                </a:solidFill>
+                <a:uFill>
+                  <a:solidFill>
+                    <a:srgbClr val="ffffff"/>
+                  </a:solidFill>
+                </a:uFill>
+                <a:latin typeface="Arial"/>
+                <a:ea typeface="DejaVu Sans"/>
+              </a:rPr>
+              <a:t>v</a:t>
+            </a:r>
+            <a:r>
+              <a:rPr b="0" lang="tr-TR" sz="2400" spc="-1" strike="noStrike">
+                <a:solidFill>
+                  <a:srgbClr val="000000"/>
+                </a:solidFill>
+                <a:uFill>
+                  <a:solidFill>
+                    <a:srgbClr val="ffffff"/>
+                  </a:solidFill>
+                </a:uFill>
+                <a:latin typeface="Arial"/>
+                <a:ea typeface="DejaVu Sans"/>
+              </a:rPr>
+              <a:t>e</a:t>
+            </a:r>
+            <a:r>
+              <a:rPr b="0" lang="tr-TR" sz="2400" spc="-1" strike="noStrike">
+                <a:solidFill>
+                  <a:srgbClr val="000000"/>
+                </a:solidFill>
+                <a:uFill>
+                  <a:solidFill>
+                    <a:srgbClr val="ffffff"/>
+                  </a:solidFill>
+                </a:uFill>
+                <a:latin typeface="Arial"/>
+                <a:ea typeface="DejaVu Sans"/>
+              </a:rPr>
+              <a:t> </a:t>
+            </a:r>
+            <a:r>
+              <a:rPr b="0" lang="tr-TR" sz="2400" spc="-1" strike="noStrike">
+                <a:solidFill>
+                  <a:srgbClr val="000000"/>
+                </a:solidFill>
+                <a:uFill>
+                  <a:solidFill>
+                    <a:srgbClr val="ffffff"/>
+                  </a:solidFill>
+                </a:uFill>
+                <a:latin typeface="Arial"/>
+                <a:ea typeface="DejaVu Sans"/>
+              </a:rPr>
+              <a:t>v</a:t>
+            </a:r>
+            <a:r>
+              <a:rPr b="0" lang="tr-TR" sz="2400" spc="-1" strike="noStrike">
+                <a:solidFill>
+                  <a:srgbClr val="000000"/>
+                </a:solidFill>
+                <a:uFill>
+                  <a:solidFill>
+                    <a:srgbClr val="ffffff"/>
+                  </a:solidFill>
+                </a:uFill>
+                <a:latin typeface="Arial"/>
+                <a:ea typeface="DejaVu Sans"/>
+              </a:rPr>
+              <a:t>e</a:t>
+            </a:r>
+            <a:r>
+              <a:rPr b="0" lang="tr-TR" sz="2400" spc="-1" strike="noStrike">
+                <a:solidFill>
+                  <a:srgbClr val="000000"/>
+                </a:solidFill>
+                <a:uFill>
+                  <a:solidFill>
+                    <a:srgbClr val="ffffff"/>
+                  </a:solidFill>
+                </a:uFill>
+                <a:latin typeface="Arial"/>
+                <a:ea typeface="DejaVu Sans"/>
+              </a:rPr>
+              <a:t>k</a:t>
+            </a:r>
+            <a:r>
+              <a:rPr b="0" lang="tr-TR" sz="2400" spc="-1" strike="noStrike">
+                <a:solidFill>
+                  <a:srgbClr val="000000"/>
+                </a:solidFill>
+                <a:uFill>
+                  <a:solidFill>
+                    <a:srgbClr val="ffffff"/>
+                  </a:solidFill>
+                </a:uFill>
+                <a:latin typeface="Arial"/>
+                <a:ea typeface="DejaVu Sans"/>
+              </a:rPr>
+              <a:t>t</a:t>
+            </a:r>
+            <a:r>
+              <a:rPr b="0" lang="tr-TR" sz="2400" spc="-1" strike="noStrike">
+                <a:solidFill>
+                  <a:srgbClr val="000000"/>
+                </a:solidFill>
+                <a:uFill>
+                  <a:solidFill>
+                    <a:srgbClr val="ffffff"/>
+                  </a:solidFill>
+                </a:uFill>
+                <a:latin typeface="Arial"/>
+                <a:ea typeface="DejaVu Sans"/>
+              </a:rPr>
+              <a:t>ö</a:t>
+            </a:r>
+            <a:r>
+              <a:rPr b="0" lang="tr-TR" sz="2400" spc="-1" strike="noStrike">
+                <a:solidFill>
+                  <a:srgbClr val="000000"/>
+                </a:solidFill>
+                <a:uFill>
+                  <a:solidFill>
+                    <a:srgbClr val="ffffff"/>
+                  </a:solidFill>
+                </a:uFill>
+                <a:latin typeface="Arial"/>
+                <a:ea typeface="DejaVu Sans"/>
+              </a:rPr>
+              <a:t>r</a:t>
+            </a:r>
+            <a:r>
+              <a:rPr b="0" lang="tr-TR" sz="2400" spc="-1" strike="noStrike">
+                <a:solidFill>
+                  <a:srgbClr val="000000"/>
+                </a:solidFill>
+                <a:uFill>
+                  <a:solidFill>
+                    <a:srgbClr val="ffffff"/>
+                  </a:solidFill>
+                </a:uFill>
+                <a:latin typeface="Arial"/>
+                <a:ea typeface="DejaVu Sans"/>
+              </a:rPr>
+              <a:t>l</a:t>
+            </a:r>
+            <a:r>
+              <a:rPr b="0" lang="tr-TR" sz="2400" spc="-1" strike="noStrike">
+                <a:solidFill>
+                  <a:srgbClr val="000000"/>
+                </a:solidFill>
+                <a:uFill>
+                  <a:solidFill>
+                    <a:srgbClr val="ffffff"/>
+                  </a:solidFill>
+                </a:uFill>
+                <a:latin typeface="Arial"/>
+                <a:ea typeface="DejaVu Sans"/>
+              </a:rPr>
+              <a:t>e</a:t>
+            </a:r>
+            <a:r>
+              <a:rPr b="0" lang="tr-TR" sz="2400" spc="-1" strike="noStrike">
+                <a:solidFill>
+                  <a:srgbClr val="000000"/>
+                </a:solidFill>
+                <a:uFill>
+                  <a:solidFill>
+                    <a:srgbClr val="ffffff"/>
+                  </a:solidFill>
+                </a:uFill>
+                <a:latin typeface="Arial"/>
+                <a:ea typeface="DejaVu Sans"/>
+              </a:rPr>
+              <a:t>r</a:t>
+            </a:r>
+            <a:r>
+              <a:rPr b="0" lang="tr-TR" sz="2400" spc="-1" strike="noStrike">
+                <a:solidFill>
+                  <a:srgbClr val="000000"/>
+                </a:solidFill>
+                <a:uFill>
+                  <a:solidFill>
+                    <a:srgbClr val="ffffff"/>
+                  </a:solidFill>
+                </a:uFill>
+                <a:latin typeface="Arial"/>
+                <a:ea typeface="DejaVu Sans"/>
+              </a:rPr>
+              <a:t>i</a:t>
+            </a:r>
+            <a:r>
+              <a:rPr b="0" lang="tr-TR" sz="2400" spc="-1" strike="noStrike">
+                <a:solidFill>
+                  <a:srgbClr val="000000"/>
+                </a:solidFill>
+                <a:uFill>
+                  <a:solidFill>
+                    <a:srgbClr val="ffffff"/>
+                  </a:solidFill>
+                </a:uFill>
+                <a:latin typeface="Arial"/>
+                <a:ea typeface="DejaVu Sans"/>
+              </a:rPr>
+              <a:t> </a:t>
+            </a:r>
+            <a:r>
+              <a:rPr b="0" lang="tr-TR" sz="2400" spc="-1" strike="noStrike">
+                <a:solidFill>
+                  <a:srgbClr val="000000"/>
+                </a:solidFill>
+                <a:uFill>
+                  <a:solidFill>
+                    <a:srgbClr val="ffffff"/>
+                  </a:solidFill>
+                </a:uFill>
+                <a:latin typeface="Arial"/>
+                <a:ea typeface="DejaVu Sans"/>
+              </a:rPr>
+              <a:t>ç</a:t>
+            </a:r>
+            <a:r>
+              <a:rPr b="0" lang="tr-TR" sz="2400" spc="-1" strike="noStrike">
+                <a:solidFill>
+                  <a:srgbClr val="000000"/>
+                </a:solidFill>
+                <a:uFill>
+                  <a:solidFill>
+                    <a:srgbClr val="ffffff"/>
+                  </a:solidFill>
+                </a:uFill>
+                <a:latin typeface="Arial"/>
+                <a:ea typeface="DejaVu Sans"/>
+              </a:rPr>
+              <a:t>i</a:t>
+            </a:r>
+            <a:r>
+              <a:rPr b="0" lang="tr-TR" sz="2400" spc="-1" strike="noStrike">
+                <a:solidFill>
+                  <a:srgbClr val="000000"/>
+                </a:solidFill>
+                <a:uFill>
+                  <a:solidFill>
+                    <a:srgbClr val="ffffff"/>
+                  </a:solidFill>
+                </a:uFill>
+                <a:latin typeface="Arial"/>
+                <a:ea typeface="DejaVu Sans"/>
+              </a:rPr>
+              <a:t>z</a:t>
+            </a:r>
+            <a:r>
+              <a:rPr b="0" lang="tr-TR" sz="2400" spc="-1" strike="noStrike">
+                <a:solidFill>
+                  <a:srgbClr val="000000"/>
+                </a:solidFill>
+                <a:uFill>
+                  <a:solidFill>
+                    <a:srgbClr val="ffffff"/>
+                  </a:solidFill>
+                </a:uFill>
+                <a:latin typeface="Arial"/>
+                <a:ea typeface="DejaVu Sans"/>
+              </a:rPr>
+              <a:t>i</a:t>
+            </a:r>
+            <a:r>
+              <a:rPr b="0" lang="tr-TR" sz="2400" spc="-1" strike="noStrike">
+                <a:solidFill>
+                  <a:srgbClr val="000000"/>
+                </a:solidFill>
+                <a:uFill>
+                  <a:solidFill>
+                    <a:srgbClr val="ffffff"/>
+                  </a:solidFill>
+                </a:uFill>
+                <a:latin typeface="Arial"/>
+                <a:ea typeface="DejaVu Sans"/>
+              </a:rPr>
+              <a:t>l</a:t>
+            </a:r>
+            <a:r>
+              <a:rPr b="0" lang="tr-TR" sz="2400" spc="-1" strike="noStrike">
+                <a:solidFill>
+                  <a:srgbClr val="000000"/>
+                </a:solidFill>
+                <a:uFill>
+                  <a:solidFill>
+                    <a:srgbClr val="ffffff"/>
+                  </a:solidFill>
+                </a:uFill>
+                <a:latin typeface="Arial"/>
+                <a:ea typeface="DejaVu Sans"/>
+              </a:rPr>
+              <a:t>d</a:t>
+            </a:r>
+            <a:r>
+              <a:rPr b="0" lang="tr-TR" sz="2400" spc="-1" strike="noStrike">
+                <a:solidFill>
+                  <a:srgbClr val="000000"/>
+                </a:solidFill>
+                <a:uFill>
+                  <a:solidFill>
+                    <a:srgbClr val="ffffff"/>
+                  </a:solidFill>
+                </a:uFill>
+                <a:latin typeface="Arial"/>
+                <a:ea typeface="DejaVu Sans"/>
+              </a:rPr>
+              <a:t>i</a:t>
+            </a:r>
+            <a:r>
+              <a:rPr b="0" lang="tr-TR" sz="2400" spc="-1" strike="noStrike">
+                <a:solidFill>
+                  <a:srgbClr val="000000"/>
+                </a:solidFill>
+                <a:uFill>
+                  <a:solidFill>
+                    <a:srgbClr val="ffffff"/>
+                  </a:solidFill>
+                </a:uFill>
+                <a:latin typeface="Arial"/>
+                <a:ea typeface="DejaVu Sans"/>
+              </a:rPr>
+              <a:t>.</a:t>
             </a:r>
             <a:endParaRPr b="0" lang="tr-TR" sz="1800" spc="-1" strike="noStrike">
               <a:solidFill>
@@ -7953,7 +8411,7 @@
       </p:sp>
       <p:pic>
         <p:nvPicPr>
-          <p:cNvPr id="208" name="" descr=""/>
+          <p:cNvPr id="181" name="" descr=""/>
           <p:cNvPicPr/>
           <p:nvPr/>
         </p:nvPicPr>
@@ -7963,8 +8421,54 @@
         </p:blipFill>
         <p:spPr>
           <a:xfrm>
-            <a:off x="136800" y="3312000"/>
-            <a:ext cx="8791200" cy="1628280"/>
+            <a:off x="81360" y="1296000"/>
+            <a:ext cx="4310640" cy="3384000"/>
+          </a:xfrm>
+          <a:prstGeom prst="rect">
+            <a:avLst/>
+          </a:prstGeom>
+          <a:ln>
+            <a:noFill/>
+          </a:ln>
+        </p:spPr>
+      </p:pic>
+      <p:pic>
+        <p:nvPicPr>
+          <p:cNvPr id="182" name="" descr=""/>
+          <p:cNvPicPr/>
+          <p:nvPr/>
+        </p:nvPicPr>
+        <p:blipFill>
+          <a:blip r:embed="rId2"/>
+          <a:stretch/>
+        </p:blipFill>
+        <p:spPr>
+          <a:xfrm>
+            <a:off x="3240000" y="1831680"/>
+            <a:ext cx="5800320" cy="1192320"/>
+          </a:xfrm>
+          <a:prstGeom prst="rect">
+            <a:avLst/>
+          </a:prstGeom>
+          <a:ln>
+            <a:noFill/>
+          </a:ln>
+        </p:spPr>
+      </p:pic>
+      <p:pic>
+        <p:nvPicPr>
+          <p:cNvPr id="183" name="" descr=""/>
+          <p:cNvPicPr/>
+          <p:nvPr/>
+        </p:nvPicPr>
+        <p:blipFill>
+          <a:blip r:embed="rId3"/>
+          <a:stretch/>
+        </p:blipFill>
+        <p:spPr>
+          <a:xfrm>
+            <a:off x="3168000" y="4615560"/>
+            <a:ext cx="5922000" cy="1288440"/>
           </a:xfrm>
           <a:prstGeom prst="rect">
             <a:avLst/>
@@ -8025,14 +8529,14 @@
       </p:grpSpPr>
       <p:sp>
         <p:nvSpPr>
-          <p:cNvPr id="209" name="CustomShape 1"/>
+          <p:cNvPr id="184" name="CustomShape 1"/>
           <p:cNvSpPr/>
           <p:nvPr/>
         </p:nvSpPr>
         <p:spPr>
           <a:xfrm>
             <a:off x="8534520" y="6553080"/>
-            <a:ext cx="456480" cy="75600"/>
+            <a:ext cx="456120" cy="75240"/>
           </a:xfrm>
           <a:prstGeom prst="rect">
             <a:avLst/>
@@ -8056,7 +8560,7 @@
                 <a:spcPct val="100000"/>
               </a:lnSpc>
             </a:pPr>
-            <a:fld id="{F593E105-A551-4EAE-A949-866EA63A772A}" type="slidenum">
+            <a:fld id="{145EB38B-E4AD-4836-BCAE-962E9951CD83}" type="slidenum">
               <a:rPr b="0" lang="tr-TR" sz="1000" spc="-1" strike="noStrike">
                 <a:solidFill>
                   <a:srgbClr val="ffffe5"/>
@@ -8087,14 +8591,14 @@
       </p:sp>
       <p:sp>
         <p:nvSpPr>
-          <p:cNvPr id="210" name="CustomShape 2"/>
+          <p:cNvPr id="185" name="CustomShape 2"/>
           <p:cNvSpPr/>
           <p:nvPr/>
         </p:nvSpPr>
         <p:spPr>
           <a:xfrm>
             <a:off x="152280" y="106200"/>
-            <a:ext cx="7848000" cy="578880"/>
+            <a:ext cx="7847640" cy="578520"/>
           </a:xfrm>
           <a:prstGeom prst="rect">
             <a:avLst/>
@@ -8149,14 +8653,14 @@
       </p:sp>
       <p:sp>
         <p:nvSpPr>
-          <p:cNvPr id="211" name="CustomShape 3"/>
+          <p:cNvPr id="186" name="CustomShape 3"/>
           <p:cNvSpPr/>
           <p:nvPr/>
         </p:nvSpPr>
         <p:spPr>
           <a:xfrm>
             <a:off x="152280" y="914400"/>
-            <a:ext cx="8000280" cy="5637960"/>
+            <a:ext cx="7999920" cy="5637600"/>
           </a:xfrm>
           <a:prstGeom prst="rect">
             <a:avLst/>
@@ -8175,7 +8679,7 @@
         <p:txBody>
           <a:bodyPr lIns="90000" rIns="90000" tIns="45000" bIns="45000"/>
           <a:p>
-            <a:pPr marL="432000" indent="-323640">
+            <a:pPr marL="432000" indent="-323280">
               <a:lnSpc>
                 <a:spcPct val="100000"/>
               </a:lnSpc>
@@ -8199,7 +8703,7 @@
                 <a:latin typeface="Arial"/>
                 <a:ea typeface="DejaVu Sans"/>
               </a:rPr>
-              <a:t>Paragraf vektörleri çıkarıldı.</a:t>
+              <a:t>Char based NER (CharNER)</a:t>
             </a:r>
             <a:endParaRPr b="0" lang="tr-TR" sz="1800" spc="-1" strike="noStrike">
               <a:solidFill>
@@ -8214,7 +8718,7 @@
             </a:endParaRPr>
           </a:p>
           <a:p>
-            <a:pPr lvl="1" marL="432000" indent="-216000">
+            <a:pPr lvl="1" marL="432000" indent="-215640">
               <a:lnSpc>
                 <a:spcPct val="100000"/>
               </a:lnSpc>
@@ -8238,7 +8742,7 @@
                 <a:latin typeface="Arial"/>
                 <a:ea typeface="DejaVu Sans"/>
               </a:rPr>
-              <a:t>Konu bakımından yakınlıklar var.</a:t>
+              <a:t>Eğitimler tam olarak tamamlanmadığı için tweetler üzerinde NER çizgesi çıkarılamadı.</a:t>
             </a:r>
             <a:endParaRPr b="0" lang="tr-TR" sz="1800" spc="-1" strike="noStrike">
               <a:solidFill>
@@ -8253,7 +8757,7 @@
             </a:endParaRPr>
           </a:p>
           <a:p>
-            <a:pPr lvl="2" marL="648000" indent="-216000">
+            <a:pPr lvl="1" marL="432000" indent="-215640">
               <a:lnSpc>
                 <a:spcPct val="100000"/>
               </a:lnSpc>
@@ -8277,46 +8781,7 @@
                 <a:latin typeface="Arial"/>
                 <a:ea typeface="DejaVu Sans"/>
               </a:rPr>
-              <a:t>Edebi tweetler</a:t>
-            </a:r>
-            <a:endParaRPr b="0" lang="tr-TR" sz="1800" spc="-1" strike="noStrike">
-              <a:solidFill>
-                <a:srgbClr val="000000"/>
-              </a:solidFill>
-              <a:uFill>
-                <a:solidFill>
-                  <a:srgbClr val="ffffff"/>
-                </a:solidFill>
-              </a:uFill>
-              <a:latin typeface="Arial"/>
-            </a:endParaRPr>
-          </a:p>
-          <a:p>
-            <a:pPr lvl="2" marL="648000" indent="-216000">
-              <a:lnSpc>
-                <a:spcPct val="100000"/>
-              </a:lnSpc>
-              <a:buClr>
-                <a:srgbClr val="000000"/>
-              </a:buClr>
-              <a:buSzPct val="45000"/>
-              <a:buFont typeface="Wingdings" charset="2"/>
-              <a:buChar char=""/>
-            </a:pPr>
-            <a:r>
-              <a:rPr b="0" lang="tr-TR" sz="2400" spc="-1" strike="noStrike">
-                <a:solidFill>
-                  <a:srgbClr val="000000"/>
-                </a:solidFill>
-                <a:uFill>
-                  <a:solidFill>
-                    <a:srgbClr val="ffffff"/>
-                  </a:solidFill>
-                </a:uFill>
-                <a:latin typeface="Arial"/>
-                <a:ea typeface="DejaVu Sans"/>
-              </a:rPr>
-              <a:t> </a:t>
+              <a:t>30000 lik veri ile test edildi.</a:t>
             </a:r>
             <a:endParaRPr b="0" lang="tr-TR" sz="1800" spc="-1" strike="noStrike">
               <a:solidFill>
@@ -8334,7 +8799,7 @@
       </p:sp>
       <p:pic>
         <p:nvPicPr>
-          <p:cNvPr id="212" name="" descr=""/>
+          <p:cNvPr id="187" name="" descr=""/>
           <p:cNvPicPr/>
           <p:nvPr/>
         </p:nvPicPr>
@@ -8344,8 +8809,8 @@
         </p:blipFill>
         <p:spPr>
           <a:xfrm>
-            <a:off x="1296000" y="2592000"/>
-            <a:ext cx="6552000" cy="3737880"/>
+            <a:off x="136800" y="3312000"/>
+            <a:ext cx="8790840" cy="1627920"/>
           </a:xfrm>
           <a:prstGeom prst="rect">
             <a:avLst/>
@@ -8406,14 +8871,14 @@
       </p:grpSpPr>
       <p:sp>
         <p:nvSpPr>
-          <p:cNvPr id="213" name="CustomShape 1"/>
+          <p:cNvPr id="188" name="CustomShape 1"/>
           <p:cNvSpPr/>
           <p:nvPr/>
         </p:nvSpPr>
         <p:spPr>
           <a:xfrm>
             <a:off x="8534520" y="6553080"/>
-            <a:ext cx="456480" cy="75600"/>
+            <a:ext cx="456120" cy="75240"/>
           </a:xfrm>
           <a:prstGeom prst="rect">
             <a:avLst/>
@@ -8437,7 +8902,7 @@
                 <a:spcPct val="100000"/>
               </a:lnSpc>
             </a:pPr>
-            <a:fld id="{B00DACD3-63D3-462E-B3E7-8D74EA40420A}" type="slidenum">
+            <a:fld id="{DD18E5E9-288D-4A7F-878D-A2C61A597081}" type="slidenum">
               <a:rPr b="0" lang="tr-TR" sz="1000" spc="-1" strike="noStrike">
                 <a:solidFill>
                   <a:srgbClr val="ffffe5"/>
@@ -8468,14 +8933,14 @@
       </p:sp>
       <p:sp>
         <p:nvSpPr>
-          <p:cNvPr id="214" name="CustomShape 2"/>
+          <p:cNvPr id="189" name="CustomShape 2"/>
           <p:cNvSpPr/>
           <p:nvPr/>
         </p:nvSpPr>
         <p:spPr>
           <a:xfrm>
             <a:off x="152280" y="106200"/>
-            <a:ext cx="7848000" cy="578880"/>
+            <a:ext cx="7847640" cy="578520"/>
           </a:xfrm>
           <a:prstGeom prst="rect">
             <a:avLst/>
@@ -8530,14 +8995,14 @@
       </p:sp>
       <p:sp>
         <p:nvSpPr>
-          <p:cNvPr id="215" name="CustomShape 3"/>
+          <p:cNvPr id="190" name="CustomShape 3"/>
           <p:cNvSpPr/>
           <p:nvPr/>
         </p:nvSpPr>
         <p:spPr>
           <a:xfrm>
             <a:off x="152280" y="914400"/>
-            <a:ext cx="8000280" cy="5637960"/>
+            <a:ext cx="7999920" cy="5637600"/>
           </a:xfrm>
           <a:prstGeom prst="rect">
             <a:avLst/>
@@ -8556,7 +9021,7 @@
         <p:txBody>
           <a:bodyPr lIns="90000" rIns="90000" tIns="45000" bIns="45000"/>
           <a:p>
-            <a:pPr marL="432000" indent="-323640">
+            <a:pPr marL="432000" indent="-323280">
               <a:lnSpc>
                 <a:spcPct val="100000"/>
               </a:lnSpc>
@@ -8580,7 +9045,7 @@
                 <a:latin typeface="Arial"/>
                 <a:ea typeface="DejaVu Sans"/>
               </a:rPr>
-              <a:t>NER tamamlanacak.</a:t>
+              <a:t>NER eğitimlerini tamalama</a:t>
             </a:r>
             <a:endParaRPr b="0" lang="tr-TR" sz="1800" spc="-1" strike="noStrike">
               <a:solidFill>
@@ -8595,7 +9060,7 @@
             </a:endParaRPr>
           </a:p>
           <a:p>
-            <a:pPr marL="432000" indent="-323640">
+            <a:pPr marL="432000" indent="-323280">
               <a:lnSpc>
                 <a:spcPct val="100000"/>
               </a:lnSpc>
@@ -8634,7 +9099,7 @@
             </a:endParaRPr>
           </a:p>
           <a:p>
-            <a:pPr marL="432000" indent="-323640">
+            <a:pPr marL="432000" indent="-323280">
               <a:lnSpc>
                 <a:spcPct val="100000"/>
               </a:lnSpc>
@@ -8658,7 +9123,7 @@
                 <a:latin typeface="Arial"/>
                 <a:ea typeface="DejaVu Sans"/>
               </a:rPr>
-              <a:t>Çizge vektörlerine Named Entity eklenecek.</a:t>
+              <a:t>Çizge vektörlerine Named Entity ekleme</a:t>
             </a:r>
             <a:endParaRPr b="0" lang="tr-TR" sz="1800" spc="-1" strike="noStrike">
               <a:solidFill>
@@ -8673,7 +9138,7 @@
             </a:endParaRPr>
           </a:p>
           <a:p>
-            <a:pPr marL="432000" indent="-323640">
+            <a:pPr marL="432000" indent="-323280">
               <a:lnSpc>
                 <a:spcPct val="100000"/>
               </a:lnSpc>
@@ -8712,7 +9177,7 @@
             </a:endParaRPr>
           </a:p>
           <a:p>
-            <a:pPr marL="432000" indent="-323640">
+            <a:pPr marL="432000" indent="-323280">
               <a:lnSpc>
                 <a:spcPct val="100000"/>
               </a:lnSpc>
@@ -8736,7 +9201,7 @@
                 <a:latin typeface="Arial"/>
                 <a:ea typeface="DejaVu Sans"/>
               </a:rPr>
-              <a:t>Çıkarılan parafraf vektörleride çizgelere eklenerek çizge vektörleri tekrardan oluşturulacak.</a:t>
+              <a:t>Paragraf vektörleri veya paragraf kümeleme sonuçları </a:t>
             </a:r>
             <a:endParaRPr b="0" lang="tr-TR" sz="1800" spc="-1" strike="noStrike">
               <a:solidFill>
@@ -8751,7 +9216,7 @@
             </a:endParaRPr>
           </a:p>
           <a:p>
-            <a:pPr marL="432000" indent="-323640">
+            <a:pPr marL="432000" indent="-323280">
               <a:lnSpc>
                 <a:spcPct val="100000"/>
               </a:lnSpc>
@@ -8790,7 +9255,7 @@
             </a:endParaRPr>
           </a:p>
           <a:p>
-            <a:pPr marL="432000" indent="-323640">
+            <a:pPr marL="432000" indent="-323280">
               <a:lnSpc>
                 <a:spcPct val="100000"/>
               </a:lnSpc>
@@ -8881,14 +9346,14 @@
       </p:grpSpPr>
       <p:sp>
         <p:nvSpPr>
-          <p:cNvPr id="216" name="CustomShape 1"/>
+          <p:cNvPr id="191" name="CustomShape 1"/>
           <p:cNvSpPr/>
           <p:nvPr/>
         </p:nvSpPr>
         <p:spPr>
           <a:xfrm>
             <a:off x="8534520" y="6553080"/>
-            <a:ext cx="456480" cy="75600"/>
+            <a:ext cx="456120" cy="75240"/>
           </a:xfrm>
           <a:prstGeom prst="rect">
             <a:avLst/>
@@ -8912,7 +9377,7 @@
                 <a:spcPct val="100000"/>
               </a:lnSpc>
             </a:pPr>
-            <a:fld id="{9A7142A5-E89D-498C-82AD-868C3D9838BB}" type="slidenum">
+            <a:fld id="{03C5FE24-A5B0-411A-A2BE-8C2568F46D0C}" type="slidenum">
               <a:rPr b="0" lang="tr-TR" sz="1000" spc="-1" strike="noStrike">
                 <a:solidFill>
                   <a:srgbClr val="ffffe5"/>
@@ -8943,14 +9408,14 @@
       </p:sp>
       <p:sp>
         <p:nvSpPr>
-          <p:cNvPr id="217" name="CustomShape 2"/>
+          <p:cNvPr id="192" name="CustomShape 2"/>
           <p:cNvSpPr/>
           <p:nvPr/>
         </p:nvSpPr>
         <p:spPr>
           <a:xfrm>
             <a:off x="152280" y="106200"/>
-            <a:ext cx="7848000" cy="578880"/>
+            <a:ext cx="7847640" cy="578520"/>
           </a:xfrm>
           <a:prstGeom prst="rect">
             <a:avLst/>
@@ -9005,14 +9470,14 @@
       </p:sp>
       <p:sp>
         <p:nvSpPr>
-          <p:cNvPr id="218" name="CustomShape 3"/>
+          <p:cNvPr id="193" name="CustomShape 3"/>
           <p:cNvSpPr/>
           <p:nvPr/>
         </p:nvSpPr>
         <p:spPr>
           <a:xfrm>
             <a:off x="152280" y="1219320"/>
-            <a:ext cx="7848000" cy="4571280"/>
+            <a:ext cx="7847640" cy="4570920"/>
           </a:xfrm>
           <a:prstGeom prst="rect">
             <a:avLst/>
@@ -9049,7 +9514,7 @@
             </a:endParaRPr>
           </a:p>
           <a:p>
-            <a:pPr marL="432000" indent="-323640">
+            <a:pPr marL="432000" indent="-323280">
               <a:lnSpc>
                 <a:spcPct val="100000"/>
               </a:lnSpc>
@@ -9106,7 +9571,7 @@
             </a:endParaRPr>
           </a:p>
           <a:p>
-            <a:pPr marL="432000" indent="-323640">
+            <a:pPr marL="432000" indent="-323280">
               <a:lnSpc>
                 <a:spcPct val="100000"/>
               </a:lnSpc>
@@ -9163,7 +9628,7 @@
             </a:endParaRPr>
           </a:p>
           <a:p>
-            <a:pPr marL="432000" indent="-323640">
+            <a:pPr marL="432000" indent="-323280">
               <a:lnSpc>
                 <a:spcPct val="100000"/>
               </a:lnSpc>
@@ -9254,14 +9719,14 @@
       </p:grpSpPr>
       <p:sp>
         <p:nvSpPr>
-          <p:cNvPr id="219" name="CustomShape 1"/>
+          <p:cNvPr id="194" name="CustomShape 1"/>
           <p:cNvSpPr/>
           <p:nvPr/>
         </p:nvSpPr>
         <p:spPr>
           <a:xfrm>
             <a:off x="8534520" y="6553080"/>
-            <a:ext cx="456480" cy="75600"/>
+            <a:ext cx="456120" cy="75240"/>
           </a:xfrm>
           <a:prstGeom prst="rect">
             <a:avLst/>
@@ -9285,7 +9750,7 @@
                 <a:spcPct val="100000"/>
               </a:lnSpc>
             </a:pPr>
-            <a:fld id="{D4A52403-27DD-46F8-B624-538B83DEA2BD}" type="slidenum">
+            <a:fld id="{94BE7446-9715-43A9-849C-9C749DFD2B0F}" type="slidenum">
               <a:rPr b="0" lang="tr-TR" sz="1000" spc="-1" strike="noStrike">
                 <a:solidFill>
                   <a:srgbClr val="ffffe5"/>
@@ -9316,14 +9781,14 @@
       </p:sp>
       <p:sp>
         <p:nvSpPr>
-          <p:cNvPr id="220" name="CustomShape 2"/>
+          <p:cNvPr id="195" name="CustomShape 2"/>
           <p:cNvSpPr/>
           <p:nvPr/>
         </p:nvSpPr>
         <p:spPr>
           <a:xfrm>
             <a:off x="152280" y="106200"/>
-            <a:ext cx="7848000" cy="578880"/>
+            <a:ext cx="7847640" cy="578520"/>
           </a:xfrm>
           <a:prstGeom prst="rect">
             <a:avLst/>
@@ -9378,14 +9843,14 @@
       </p:sp>
       <p:sp>
         <p:nvSpPr>
-          <p:cNvPr id="221" name="CustomShape 3"/>
+          <p:cNvPr id="196" name="CustomShape 3"/>
           <p:cNvSpPr/>
           <p:nvPr/>
         </p:nvSpPr>
         <p:spPr>
           <a:xfrm>
             <a:off x="152280" y="914400"/>
-            <a:ext cx="8838360" cy="5409360"/>
+            <a:ext cx="8838000" cy="5409000"/>
           </a:xfrm>
           <a:prstGeom prst="rect">
             <a:avLst/>
@@ -9404,7 +9869,7 @@
         <p:txBody>
           <a:bodyPr lIns="90000" rIns="90000" tIns="45000" bIns="45000"/>
           <a:p>
-            <a:pPr marL="457560" indent="-456840">
+            <a:pPr marL="457560" indent="-456480">
               <a:lnSpc>
                 <a:spcPct val="100000"/>
               </a:lnSpc>
@@ -9458,7 +9923,7 @@
             </a:endParaRPr>
           </a:p>
           <a:p>
-            <a:pPr marL="457560" indent="-456840">
+            <a:pPr marL="457560" indent="-456480">
               <a:lnSpc>
                 <a:spcPct val="100000"/>
               </a:lnSpc>
@@ -9527,7 +9992,7 @@
             </a:endParaRPr>
           </a:p>
           <a:p>
-            <a:pPr marL="457560" indent="-456840">
+            <a:pPr marL="457560" indent="-456480">
               <a:lnSpc>
                 <a:spcPct val="100000"/>
               </a:lnSpc>
@@ -9614,7 +10079,7 @@
             </a:endParaRPr>
           </a:p>
           <a:p>
-            <a:pPr marL="457560" indent="-456840">
+            <a:pPr marL="457560" indent="-456480">
               <a:lnSpc>
                 <a:spcPct val="100000"/>
               </a:lnSpc>
@@ -9652,7 +10117,7 @@
             </a:endParaRPr>
           </a:p>
           <a:p>
-            <a:pPr marL="457560" indent="-456840">
+            <a:pPr marL="457560" indent="-456480">
               <a:lnSpc>
                 <a:spcPct val="100000"/>
               </a:lnSpc>
@@ -9782,7 +10247,7 @@
         <p:spPr>
           <a:xfrm>
             <a:off x="8534520" y="6553080"/>
-            <a:ext cx="456480" cy="75600"/>
+            <a:ext cx="456120" cy="75240"/>
           </a:xfrm>
           <a:prstGeom prst="rect">
             <a:avLst/>
@@ -9806,7 +10271,7 @@
                 <a:spcPct val="100000"/>
               </a:lnSpc>
             </a:pPr>
-            <a:fld id="{AD58A2AA-26BE-4EFA-B21C-D47E988DA11D}" type="slidenum">
+            <a:fld id="{D052D356-207A-4DD3-938F-CBA1C88D7B21}" type="slidenum">
               <a:rPr b="0" lang="tr-TR" sz="1000" spc="-1" strike="noStrike">
                 <a:solidFill>
                   <a:srgbClr val="ffffe5"/>
@@ -9844,7 +10309,7 @@
         <p:spPr>
           <a:xfrm>
             <a:off x="152280" y="1295280"/>
-            <a:ext cx="7466760" cy="4647600"/>
+            <a:ext cx="7466400" cy="4647240"/>
           </a:xfrm>
           <a:prstGeom prst="rect">
             <a:avLst/>
@@ -9863,7 +10328,7 @@
         <p:txBody>
           <a:bodyPr lIns="90000" rIns="90000" tIns="45000" bIns="45000"/>
           <a:p>
-            <a:pPr marL="343080" indent="-342360">
+            <a:pPr marL="343080" indent="-342000">
               <a:lnSpc>
                 <a:spcPct val="90000"/>
               </a:lnSpc>
@@ -9919,7 +10384,7 @@
             </a:endParaRPr>
           </a:p>
           <a:p>
-            <a:pPr marL="343080" indent="-342360">
+            <a:pPr marL="343080" indent="-342000">
               <a:lnSpc>
                 <a:spcPct val="90000"/>
               </a:lnSpc>
@@ -9957,7 +10422,7 @@
             </a:endParaRPr>
           </a:p>
           <a:p>
-            <a:pPr marL="343080" indent="-342360">
+            <a:pPr marL="343080" indent="-342000">
               <a:lnSpc>
                 <a:spcPct val="90000"/>
               </a:lnSpc>
@@ -9995,7 +10460,7 @@
             </a:endParaRPr>
           </a:p>
           <a:p>
-            <a:pPr marL="343080" indent="-342360">
+            <a:pPr marL="343080" indent="-342000">
               <a:lnSpc>
                 <a:spcPct val="90000"/>
               </a:lnSpc>
@@ -10051,7 +10516,7 @@
             </a:endParaRPr>
           </a:p>
           <a:p>
-            <a:pPr marL="343080" indent="-342360">
+            <a:pPr marL="343080" indent="-342000">
               <a:lnSpc>
                 <a:spcPct val="90000"/>
               </a:lnSpc>
@@ -10107,7 +10572,7 @@
             </a:endParaRPr>
           </a:p>
           <a:p>
-            <a:pPr marL="343080" indent="-342360">
+            <a:pPr marL="343080" indent="-342000">
               <a:lnSpc>
                 <a:spcPct val="90000"/>
               </a:lnSpc>
@@ -10155,7 +10620,7 @@
         <p:spPr>
           <a:xfrm>
             <a:off x="152280" y="106200"/>
-            <a:ext cx="7848000" cy="578880"/>
+            <a:ext cx="7847640" cy="578520"/>
           </a:xfrm>
           <a:prstGeom prst="rect">
             <a:avLst/>
@@ -10266,7 +10731,7 @@
         <p:spPr>
           <a:xfrm>
             <a:off x="152280" y="106200"/>
-            <a:ext cx="7848000" cy="578880"/>
+            <a:ext cx="7847640" cy="578520"/>
           </a:xfrm>
           <a:prstGeom prst="rect">
             <a:avLst/>
@@ -10303,7 +10768,7 @@
                 <a:latin typeface="Arial"/>
                 <a:ea typeface="DejaVu Sans"/>
               </a:rPr>
-              <a:t>Proje Şeması ve Tanımı</a:t>
+              <a:t>Proje Tanımı ve Node2Vec</a:t>
             </a:r>
             <a:endParaRPr b="0" lang="tr-TR" sz="1800" spc="-1" strike="noStrike">
               <a:solidFill>
@@ -10327,8 +10792,8 @@
         </p:nvSpPr>
         <p:spPr>
           <a:xfrm>
-            <a:off x="304920" y="4876920"/>
-            <a:ext cx="8228880" cy="1218600"/>
+            <a:off x="32760" y="885960"/>
+            <a:ext cx="8751240" cy="3794040"/>
           </a:xfrm>
           <a:prstGeom prst="rect">
             <a:avLst/>
@@ -10344,44 +10809,19 @@
           <a:effectRef idx="0"/>
           <a:fontRef idx="minor"/>
         </p:style>
-      </p:sp>
-      <p:sp>
-        <p:nvSpPr>
-          <p:cNvPr id="143" name="CustomShape 3"/>
-          <p:cNvSpPr/>
-          <p:nvPr/>
-        </p:nvSpPr>
-        <p:spPr>
-          <a:xfrm>
-            <a:off x="4326480" y="2874960"/>
-            <a:ext cx="4503600" cy="1634400"/>
-          </a:xfrm>
-          <a:prstGeom prst="rect">
-            <a:avLst/>
-          </a:prstGeom>
-          <a:noFill/>
-          <a:ln>
-            <a:noFill/>
-          </a:ln>
-        </p:spPr>
-        <p:style>
-          <a:lnRef idx="0"/>
-          <a:fillRef idx="0"/>
-          <a:effectRef idx="0"/>
-          <a:fontRef idx="minor"/>
-        </p:style>
         <p:txBody>
           <a:bodyPr lIns="0" rIns="0" tIns="0" bIns="0"/>
           <a:p>
-            <a:pPr marL="285840" indent="-285480">
+            <a:pPr lvl="1" marL="432000" indent="-216000">
               <a:lnSpc>
                 <a:spcPct val="100000"/>
               </a:lnSpc>
               <a:buClr>
                 <a:srgbClr val="000000"/>
               </a:buClr>
-              <a:buFont typeface="Arial"/>
-              <a:buChar char="•"/>
+              <a:buSzPct val="45000"/>
+              <a:buFont typeface="Wingdings" charset="2"/>
+              <a:buChar char=""/>
             </a:pPr>
             <a:r>
               <a:rPr b="1" lang="tr-TR" sz="1800" spc="-1" strike="noStrike">
@@ -10411,12 +10851,96 @@
             </a:endParaRPr>
           </a:p>
           <a:p>
-            <a:pPr>
+            <a:pPr lvl="2" marL="648000" indent="-216000">
               <a:lnSpc>
                 <a:spcPct val="100000"/>
               </a:lnSpc>
+              <a:buClr>
+                <a:srgbClr val="000000"/>
+              </a:buClr>
+              <a:buSzPct val="45000"/>
+              <a:buFont typeface="Wingdings" charset="2"/>
+              <a:buChar char=""/>
             </a:pPr>
             <a:r>
+              <a:rPr b="0" lang="tr-TR" sz="1800" spc="-1" strike="noStrike">
+                <a:solidFill>
+                  <a:srgbClr val="000000"/>
+                </a:solidFill>
+                <a:uFill>
+                  <a:solidFill>
+                    <a:srgbClr val="ffffff"/>
+                  </a:solidFill>
+                </a:uFill>
+                <a:latin typeface="Arial"/>
+                <a:ea typeface="DejaVu Sans"/>
+              </a:rPr>
+              <a:t>Sosyal medya verilerinden çizge vektörlerinin çıkarılması ve düğümler arasındaki yakınlıkların node2vec vektörleriyle gösterilmesi</a:t>
+            </a:r>
+            <a:endParaRPr b="0" lang="tr-TR" sz="1800" spc="-1" strike="noStrike">
+              <a:solidFill>
+                <a:srgbClr val="000000"/>
+              </a:solidFill>
+              <a:uFill>
+                <a:solidFill>
+                  <a:srgbClr val="ffffff"/>
+                </a:solidFill>
+              </a:uFill>
+              <a:latin typeface="Arial"/>
+            </a:endParaRPr>
+          </a:p>
+          <a:p>
+            <a:pPr lvl="2" marL="648000" indent="-216000">
+              <a:lnSpc>
+                <a:spcPct val="100000"/>
+              </a:lnSpc>
+              <a:buClr>
+                <a:srgbClr val="000000"/>
+              </a:buClr>
+              <a:buSzPct val="45000"/>
+              <a:buFont typeface="Wingdings" charset="2"/>
+              <a:buChar char=""/>
+            </a:pPr>
+            <a:r>
+              <a:rPr b="0" lang="tr-TR" sz="1800" spc="-1" strike="noStrike">
+                <a:solidFill>
+                  <a:srgbClr val="000000"/>
+                </a:solidFill>
+                <a:uFill>
+                  <a:solidFill>
+                    <a:srgbClr val="ffffff"/>
+                  </a:solidFill>
+                </a:uFill>
+                <a:latin typeface="Arial"/>
+                <a:ea typeface="DejaVu Sans"/>
+              </a:rPr>
+              <a:t> </a:t>
+            </a:r>
+            <a:endParaRPr b="0" lang="tr-TR" sz="1800" spc="-1" strike="noStrike">
+              <a:solidFill>
+                <a:srgbClr val="000000"/>
+              </a:solidFill>
+              <a:uFill>
+                <a:solidFill>
+                  <a:srgbClr val="ffffff"/>
+                </a:solidFill>
+              </a:uFill>
+              <a:latin typeface="Arial"/>
+            </a:endParaRPr>
+          </a:p>
+          <a:p>
+            <a:pPr lvl="1" marL="432000" indent="-216000">
+              <a:lnSpc>
+                <a:spcPct val="100000"/>
+              </a:lnSpc>
+              <a:buClr>
+                <a:srgbClr val="000000"/>
+              </a:buClr>
+              <a:buSzPct val="45000"/>
+              <a:buFont typeface="Wingdings" charset="2"/>
+              <a:buChar char=""/>
+            </a:pPr>
+            <a:r>
               <a:rPr b="1" lang="tr-TR" sz="1800" spc="-1" strike="noStrike">
                 <a:solidFill>
                   <a:srgbClr val="000000"/>
@@ -10429,10 +10953,34 @@
                 <a:latin typeface="Arial"/>
                 <a:ea typeface="DejaVu Sans"/>
               </a:rPr>
-              <a:t>     </a:t>
-            </a:r>
-            <a:r>
-              <a:rPr b="1" lang="tr-TR" sz="1800" spc="-1" strike="noStrike">
+              <a:t>Node2Vec</a:t>
+            </a:r>
+            <a:endParaRPr b="0" lang="tr-TR" sz="1800" spc="-1" strike="noStrike">
+              <a:solidFill>
+                <a:srgbClr val="000000"/>
+              </a:solidFill>
+              <a:uFill>
+                <a:solidFill>
+                  <a:srgbClr val="ffffff"/>
+                </a:solidFill>
+              </a:uFill>
+              <a:latin typeface="Arial"/>
+            </a:endParaRPr>
+          </a:p>
+          <a:p>
+            <a:pPr lvl="2" marL="648000" indent="-216000">
+              <a:lnSpc>
+                <a:spcPct val="100000"/>
+              </a:lnSpc>
+              <a:buClr>
+                <a:srgbClr val="000000"/>
+              </a:buClr>
+              <a:buSzPct val="45000"/>
+              <a:buFont typeface="Wingdings" charset="2"/>
+              <a:buChar char=""/>
+            </a:pPr>
+            <a:r>
+              <a:rPr b="0" lang="tr-TR" sz="1800" spc="-1" strike="noStrike">
                 <a:solidFill>
                   <a:srgbClr val="000000"/>
                 </a:solidFill>
@@ -10444,8 +10992,32 @@
                 <a:latin typeface="Arial"/>
                 <a:ea typeface="DejaVu Sans"/>
               </a:rPr>
-              <a:t>* </a:t>
-            </a:r>
+              <a:t>Random Walk Based(Unsupervised) Feature Learning</a:t>
+            </a:r>
+            <a:endParaRPr b="0" lang="tr-TR" sz="1800" spc="-1" strike="noStrike">
+              <a:solidFill>
+                <a:srgbClr val="000000"/>
+              </a:solidFill>
+              <a:uFill>
+                <a:solidFill>
+                  <a:srgbClr val="ffffff"/>
+                </a:solidFill>
+              </a:uFill>
+              <a:latin typeface="Arial"/>
+            </a:endParaRPr>
+          </a:p>
+          <a:p>
+            <a:pPr lvl="2" marL="648000" indent="-216000">
+              <a:lnSpc>
+                <a:spcPct val="100000"/>
+              </a:lnSpc>
+              <a:buClr>
+                <a:srgbClr val="000000"/>
+              </a:buClr>
+              <a:buSzPct val="45000"/>
+              <a:buFont typeface="Wingdings" charset="2"/>
+              <a:buChar char=""/>
+            </a:pPr>
             <a:r>
               <a:rPr b="0" lang="tr-TR" sz="1800" spc="-1" strike="noStrike">
                 <a:solidFill>
@@ -10459,7 +11031,7 @@
                 <a:latin typeface="Arial"/>
                 <a:ea typeface="DejaVu Sans"/>
               </a:rPr>
-              <a:t>Sosyal medya verilerinden çizge vektörlerinin çıkarılması ve düğümler arasındaki yakınlıkların node2vec vektörleriyle gösterilmesi</a:t>
+              <a:t>Node -&gt; word, path -&gt; sentence</a:t>
             </a:r>
             <a:endParaRPr b="0" lang="tr-TR" sz="1800" spc="-1" strike="noStrike">
               <a:solidFill>
@@ -10561,7 +11133,7 @@
       </p:sp>
       <p:pic>
         <p:nvPicPr>
-          <p:cNvPr id="144" name="Resim 4" descr=""/>
+          <p:cNvPr id="143" name="" descr=""/>
           <p:cNvPicPr/>
           <p:nvPr/>
         </p:nvPicPr>
@@ -10571,8 +11143,8 @@
         </p:blipFill>
         <p:spPr>
           <a:xfrm>
-            <a:off x="662040" y="914400"/>
-            <a:ext cx="7514640" cy="1199520"/>
+            <a:off x="144000" y="3312000"/>
+            <a:ext cx="4065480" cy="1802160"/>
           </a:xfrm>
           <a:prstGeom prst="rect">
             <a:avLst/>
@@ -10582,1225 +11154,39 @@
           </a:ln>
         </p:spPr>
       </p:pic>
-      <p:sp>
-        <p:nvSpPr>
-          <p:cNvPr id="145" name="CustomShape 4"/>
-          <p:cNvSpPr/>
+      <p:pic>
+        <p:nvPicPr>
+          <p:cNvPr id="144" name="" descr=""/>
+          <p:cNvPicPr/>
           <p:nvPr/>
-        </p:nvSpPr>
-        <p:spPr>
-          <a:xfrm>
-            <a:off x="366480" y="2343240"/>
-            <a:ext cx="826200" cy="431640"/>
-          </a:xfrm>
-          <a:prstGeom prst="ellipse">
+        </p:nvPicPr>
+        <p:blipFill>
+          <a:blip r:embed="rId2"/>
+          <a:stretch/>
+        </p:blipFill>
+        <p:spPr>
+          <a:xfrm>
+            <a:off x="4669200" y="3744000"/>
+            <a:ext cx="4258800" cy="1177560"/>
+          </a:xfrm>
+          <a:prstGeom prst="rect">
             <a:avLst/>
           </a:prstGeom>
           <a:ln>
-            <a:round/>
+            <a:noFill/>
           </a:ln>
         </p:spPr>
-        <p:style>
-          <a:lnRef idx="2">
-            <a:schemeClr val="accent2"/>
-          </a:lnRef>
-          <a:fillRef idx="1">
-            <a:schemeClr val="lt1"/>
-          </a:fillRef>
-          <a:effectRef idx="0">
-            <a:schemeClr val="accent2"/>
-          </a:effectRef>
-          <a:fontRef idx="minor"/>
-        </p:style>
-        <p:txBody>
-          <a:bodyPr lIns="90000" rIns="90000" tIns="45000" bIns="45000" anchor="ctr"/>
-          <a:p>
-            <a:pPr algn="ctr">
-              <a:lnSpc>
-                <a:spcPct val="100000"/>
-              </a:lnSpc>
-            </a:pPr>
-            <a:r>
-              <a:rPr b="0" lang="tr-TR" sz="1400" spc="-1" strike="noStrike">
-                <a:solidFill>
-                  <a:srgbClr val="000000"/>
-                </a:solidFill>
-                <a:uFill>
-                  <a:solidFill>
-                    <a:srgbClr val="ffffff"/>
-                  </a:solidFill>
-                </a:uFill>
-                <a:latin typeface="Arial"/>
-                <a:ea typeface="DejaVu Sans"/>
-              </a:rPr>
-              <a:t>2016</a:t>
-            </a:r>
-            <a:endParaRPr b="0" lang="tr-TR" sz="1800" spc="-1" strike="noStrike">
-              <a:solidFill>
-                <a:srgbClr val="000000"/>
-              </a:solidFill>
-              <a:uFill>
-                <a:solidFill>
-                  <a:srgbClr val="ffffff"/>
-                </a:solidFill>
-              </a:uFill>
-              <a:latin typeface="Arial"/>
-            </a:endParaRPr>
-          </a:p>
-        </p:txBody>
-      </p:sp>
-      <p:sp>
-        <p:nvSpPr>
-          <p:cNvPr id="146" name="CustomShape 5"/>
-          <p:cNvSpPr/>
+      </p:pic>
+      <p:sp>
+        <p:nvSpPr>
+          <p:cNvPr id="145" name="TextShape 3"/>
+          <p:cNvSpPr txBox="1"/>
           <p:nvPr/>
         </p:nvSpPr>
         <p:spPr>
           <a:xfrm>
-            <a:off x="366480" y="3255840"/>
-            <a:ext cx="1121760" cy="333720"/>
-          </a:xfrm>
-          <a:prstGeom prst="ellipse">
-            <a:avLst/>
-          </a:prstGeom>
-          <a:ln>
-            <a:round/>
-          </a:ln>
-        </p:spPr>
-        <p:style>
-          <a:lnRef idx="2">
-            <a:schemeClr val="accent2"/>
-          </a:lnRef>
-          <a:fillRef idx="1">
-            <a:schemeClr val="lt1"/>
-          </a:fillRef>
-          <a:effectRef idx="0">
-            <a:schemeClr val="accent2"/>
-          </a:effectRef>
-          <a:fontRef idx="minor"/>
-        </p:style>
-        <p:txBody>
-          <a:bodyPr lIns="90000" rIns="90000" tIns="45000" bIns="45000" anchor="ctr"/>
-          <a:p>
-            <a:pPr algn="ctr">
-              <a:lnSpc>
-                <a:spcPct val="100000"/>
-              </a:lnSpc>
-            </a:pPr>
-            <a:r>
-              <a:rPr b="0" lang="tr-TR" sz="1800" spc="-1" strike="noStrike">
-                <a:solidFill>
-                  <a:srgbClr val="000000"/>
-                </a:solidFill>
-                <a:uFill>
-                  <a:solidFill>
-                    <a:srgbClr val="ffffff"/>
-                  </a:solidFill>
-                </a:uFill>
-                <a:latin typeface="Arial"/>
-                <a:ea typeface="DejaVu Sans"/>
-              </a:rPr>
-              <a:t>Mayıs</a:t>
-            </a:r>
-            <a:endParaRPr b="0" lang="tr-TR" sz="1800" spc="-1" strike="noStrike">
-              <a:solidFill>
-                <a:srgbClr val="000000"/>
-              </a:solidFill>
-              <a:uFill>
-                <a:solidFill>
-                  <a:srgbClr val="ffffff"/>
-                </a:solidFill>
-              </a:uFill>
-              <a:latin typeface="Arial"/>
-            </a:endParaRPr>
-          </a:p>
-        </p:txBody>
-      </p:sp>
-      <p:sp>
-        <p:nvSpPr>
-          <p:cNvPr id="147" name="CustomShape 6"/>
-          <p:cNvSpPr/>
-          <p:nvPr/>
-        </p:nvSpPr>
-        <p:spPr>
-          <a:xfrm>
-            <a:off x="1553400" y="2366640"/>
-            <a:ext cx="1150920" cy="383760"/>
-          </a:xfrm>
-          <a:prstGeom prst="ellipse">
-            <a:avLst/>
-          </a:prstGeom>
-          <a:ln>
-            <a:round/>
-          </a:ln>
-        </p:spPr>
-        <p:style>
-          <a:lnRef idx="2">
-            <a:schemeClr val="accent2"/>
-          </a:lnRef>
-          <a:fillRef idx="1">
-            <a:schemeClr val="lt1"/>
-          </a:fillRef>
-          <a:effectRef idx="0">
-            <a:schemeClr val="accent2"/>
-          </a:effectRef>
-          <a:fontRef idx="minor"/>
-        </p:style>
-        <p:txBody>
-          <a:bodyPr lIns="90000" rIns="90000" tIns="45000" bIns="45000" anchor="ctr"/>
-          <a:p>
-            <a:pPr algn="ctr">
-              <a:lnSpc>
-                <a:spcPct val="100000"/>
-              </a:lnSpc>
-            </a:pPr>
-            <a:r>
-              <a:rPr b="0" lang="tr-TR" sz="1800" spc="-1" strike="noStrike">
-                <a:solidFill>
-                  <a:srgbClr val="000000"/>
-                </a:solidFill>
-                <a:uFill>
-                  <a:solidFill>
-                    <a:srgbClr val="ffffff"/>
-                  </a:solidFill>
-                </a:uFill>
-                <a:latin typeface="Arial"/>
-                <a:ea typeface="DejaVu Sans"/>
-              </a:rPr>
-              <a:t>Nisan</a:t>
-            </a:r>
-            <a:endParaRPr b="0" lang="tr-TR" sz="1800" spc="-1" strike="noStrike">
-              <a:solidFill>
-                <a:srgbClr val="000000"/>
-              </a:solidFill>
-              <a:uFill>
-                <a:solidFill>
-                  <a:srgbClr val="ffffff"/>
-                </a:solidFill>
-              </a:uFill>
-              <a:latin typeface="Arial"/>
-            </a:endParaRPr>
-          </a:p>
-        </p:txBody>
-      </p:sp>
-      <p:sp>
-        <p:nvSpPr>
-          <p:cNvPr id="148" name="CustomShape 7"/>
-          <p:cNvSpPr/>
-          <p:nvPr/>
-        </p:nvSpPr>
-        <p:spPr>
-          <a:xfrm>
-            <a:off x="147240" y="4083480"/>
-            <a:ext cx="1280520" cy="477360"/>
-          </a:xfrm>
-          <a:prstGeom prst="ellipse">
-            <a:avLst/>
-          </a:prstGeom>
-          <a:ln>
-            <a:round/>
-          </a:ln>
-        </p:spPr>
-        <p:style>
-          <a:lnRef idx="2">
-            <a:schemeClr val="accent2"/>
-          </a:lnRef>
-          <a:fillRef idx="1">
-            <a:schemeClr val="lt1"/>
-          </a:fillRef>
-          <a:effectRef idx="0">
-            <a:schemeClr val="accent2"/>
-          </a:effectRef>
-          <a:fontRef idx="minor"/>
-        </p:style>
-        <p:txBody>
-          <a:bodyPr lIns="90000" rIns="90000" tIns="45000" bIns="45000" anchor="ctr"/>
-          <a:p>
-            <a:pPr algn="ctr">
-              <a:lnSpc>
-                <a:spcPct val="100000"/>
-              </a:lnSpc>
-            </a:pPr>
-            <a:r>
-              <a:rPr b="0" lang="tr-TR" sz="1800" spc="-1" strike="noStrike">
-                <a:solidFill>
-                  <a:srgbClr val="000000"/>
-                </a:solidFill>
-                <a:uFill>
-                  <a:solidFill>
-                    <a:srgbClr val="ffffff"/>
-                  </a:solidFill>
-                </a:uFill>
-                <a:latin typeface="Arial"/>
-                <a:ea typeface="DejaVu Sans"/>
-              </a:rPr>
-              <a:t>3 Mayıs</a:t>
-            </a:r>
-            <a:endParaRPr b="0" lang="tr-TR" sz="1800" spc="-1" strike="noStrike">
-              <a:solidFill>
-                <a:srgbClr val="000000"/>
-              </a:solidFill>
-              <a:uFill>
-                <a:solidFill>
-                  <a:srgbClr val="ffffff"/>
-                </a:solidFill>
-              </a:uFill>
-              <a:latin typeface="Arial"/>
-            </a:endParaRPr>
-          </a:p>
-        </p:txBody>
-      </p:sp>
-      <p:sp>
-        <p:nvSpPr>
-          <p:cNvPr id="149" name="CustomShape 8"/>
-          <p:cNvSpPr/>
-          <p:nvPr/>
-        </p:nvSpPr>
-        <p:spPr>
-          <a:xfrm>
-            <a:off x="1488600" y="3685320"/>
-            <a:ext cx="1280520" cy="480240"/>
-          </a:xfrm>
-          <a:prstGeom prst="ellipse">
-            <a:avLst/>
-          </a:prstGeom>
-          <a:ln>
-            <a:round/>
-          </a:ln>
-        </p:spPr>
-        <p:style>
-          <a:lnRef idx="2">
-            <a:schemeClr val="accent2"/>
-          </a:lnRef>
-          <a:fillRef idx="1">
-            <a:schemeClr val="lt1"/>
-          </a:fillRef>
-          <a:effectRef idx="0">
-            <a:schemeClr val="accent2"/>
-          </a:effectRef>
-          <a:fontRef idx="minor"/>
-        </p:style>
-        <p:txBody>
-          <a:bodyPr lIns="90000" rIns="90000" tIns="45000" bIns="45000" anchor="ctr"/>
-          <a:p>
-            <a:pPr algn="ctr">
-              <a:lnSpc>
-                <a:spcPct val="100000"/>
-              </a:lnSpc>
-            </a:pPr>
-            <a:r>
-              <a:rPr b="0" lang="tr-TR" sz="1800" spc="-1" strike="noStrike">
-                <a:solidFill>
-                  <a:srgbClr val="000000"/>
-                </a:solidFill>
-                <a:uFill>
-                  <a:solidFill>
-                    <a:srgbClr val="ffffff"/>
-                  </a:solidFill>
-                </a:uFill>
-                <a:latin typeface="Arial"/>
-                <a:ea typeface="DejaVu Sans"/>
-              </a:rPr>
-              <a:t>10 Mayıs</a:t>
-            </a:r>
-            <a:endParaRPr b="0" lang="tr-TR" sz="1800" spc="-1" strike="noStrike">
-              <a:solidFill>
-                <a:srgbClr val="000000"/>
-              </a:solidFill>
-              <a:uFill>
-                <a:solidFill>
-                  <a:srgbClr val="ffffff"/>
-                </a:solidFill>
-              </a:uFill>
-              <a:latin typeface="Arial"/>
-            </a:endParaRPr>
-          </a:p>
-        </p:txBody>
-      </p:sp>
-      <p:sp>
-        <p:nvSpPr>
-          <p:cNvPr id="150" name="CustomShape 9"/>
-          <p:cNvSpPr/>
-          <p:nvPr/>
-        </p:nvSpPr>
-        <p:spPr>
-          <a:xfrm>
-            <a:off x="3065040" y="2343240"/>
-            <a:ext cx="1150920" cy="531360"/>
-          </a:xfrm>
-          <a:prstGeom prst="ellipse">
-            <a:avLst/>
-          </a:prstGeom>
-          <a:ln>
-            <a:round/>
-          </a:ln>
-        </p:spPr>
-        <p:style>
-          <a:lnRef idx="2">
-            <a:schemeClr val="accent2"/>
-          </a:lnRef>
-          <a:fillRef idx="1">
-            <a:schemeClr val="lt1"/>
-          </a:fillRef>
-          <a:effectRef idx="0">
-            <a:schemeClr val="accent2"/>
-          </a:effectRef>
-          <a:fontRef idx="minor"/>
-        </p:style>
-        <p:txBody>
-          <a:bodyPr lIns="90000" rIns="90000" tIns="45000" bIns="45000" anchor="ctr"/>
-          <a:p>
-            <a:pPr algn="ctr">
-              <a:lnSpc>
-                <a:spcPct val="100000"/>
-              </a:lnSpc>
-            </a:pPr>
-            <a:r>
-              <a:rPr b="0" lang="tr-TR" sz="1800" spc="-1" strike="noStrike">
-                <a:solidFill>
-                  <a:srgbClr val="000000"/>
-                </a:solidFill>
-                <a:uFill>
-                  <a:solidFill>
-                    <a:srgbClr val="ffffff"/>
-                  </a:solidFill>
-                </a:uFill>
-                <a:latin typeface="Arial"/>
-                <a:ea typeface="DejaVu Sans"/>
-              </a:rPr>
-              <a:t>9 Nisan</a:t>
-            </a:r>
-            <a:endParaRPr b="0" lang="tr-TR" sz="1800" spc="-1" strike="noStrike">
-              <a:solidFill>
-                <a:srgbClr val="000000"/>
-              </a:solidFill>
-              <a:uFill>
-                <a:solidFill>
-                  <a:srgbClr val="ffffff"/>
-                </a:solidFill>
-              </a:uFill>
-              <a:latin typeface="Arial"/>
-            </a:endParaRPr>
-          </a:p>
-        </p:txBody>
-      </p:sp>
-      <p:sp>
-        <p:nvSpPr>
-          <p:cNvPr id="151" name="CustomShape 10"/>
-          <p:cNvSpPr/>
-          <p:nvPr/>
-        </p:nvSpPr>
-        <p:spPr>
-          <a:xfrm>
-            <a:off x="2360520" y="3094200"/>
-            <a:ext cx="1605240" cy="353520"/>
-          </a:xfrm>
-          <a:prstGeom prst="ellipse">
-            <a:avLst/>
-          </a:prstGeom>
-          <a:ln>
-            <a:round/>
-          </a:ln>
-        </p:spPr>
-        <p:style>
-          <a:lnRef idx="2">
-            <a:schemeClr val="accent2"/>
-          </a:lnRef>
-          <a:fillRef idx="1">
-            <a:schemeClr val="lt1"/>
-          </a:fillRef>
-          <a:effectRef idx="0">
-            <a:schemeClr val="accent2"/>
-          </a:effectRef>
-          <a:fontRef idx="minor"/>
-        </p:style>
-        <p:txBody>
-          <a:bodyPr lIns="90000" rIns="90000" tIns="45000" bIns="45000" anchor="ctr"/>
-          <a:p>
-            <a:pPr algn="ctr">
-              <a:lnSpc>
-                <a:spcPct val="100000"/>
-              </a:lnSpc>
-            </a:pPr>
-            <a:r>
-              <a:rPr b="0" lang="tr-TR" sz="1800" spc="-1" strike="noStrike">
-                <a:solidFill>
-                  <a:srgbClr val="000000"/>
-                </a:solidFill>
-                <a:uFill>
-                  <a:solidFill>
-                    <a:srgbClr val="ffffff"/>
-                  </a:solidFill>
-                </a:uFill>
-                <a:latin typeface="Arial"/>
-                <a:ea typeface="DejaVu Sans"/>
-              </a:rPr>
-              <a:t>15 Nisan</a:t>
-            </a:r>
-            <a:endParaRPr b="0" lang="tr-TR" sz="1800" spc="-1" strike="noStrike">
-              <a:solidFill>
-                <a:srgbClr val="000000"/>
-              </a:solidFill>
-              <a:uFill>
-                <a:solidFill>
-                  <a:srgbClr val="ffffff"/>
-                </a:solidFill>
-              </a:uFill>
-              <a:latin typeface="Arial"/>
-            </a:endParaRPr>
-          </a:p>
-        </p:txBody>
-      </p:sp>
-      <p:sp>
-        <p:nvSpPr>
-          <p:cNvPr id="152" name="CustomShape 11"/>
-          <p:cNvSpPr/>
-          <p:nvPr/>
-        </p:nvSpPr>
-        <p:spPr>
-          <a:xfrm>
-            <a:off x="776160" y="2775240"/>
-            <a:ext cx="150840" cy="480240"/>
-          </a:xfrm>
-          <a:custGeom>
-            <a:avLst/>
-            <a:gdLst/>
-            <a:ahLst/>
-            <a:rect l="l" t="t" r="r" b="b"/>
-            <a:pathLst>
-              <a:path w="21600" h="21600">
-                <a:moveTo>
-                  <a:pt x="0" y="0"/>
-                </a:moveTo>
-                <a:lnTo>
-                  <a:pt x="21600" y="21600"/>
-                </a:lnTo>
-              </a:path>
-            </a:pathLst>
-          </a:custGeom>
-          <a:noFill/>
-          <a:ln>
-            <a:solidFill>
-              <a:srgbClr val="be4b48"/>
-            </a:solidFill>
-            <a:round/>
-            <a:tailEnd len="med" type="triangle" w="med"/>
-          </a:ln>
-        </p:spPr>
-        <p:style>
-          <a:lnRef idx="1">
-            <a:schemeClr val="accent2"/>
-          </a:lnRef>
-          <a:fillRef idx="0">
-            <a:schemeClr val="accent2"/>
-          </a:fillRef>
-          <a:effectRef idx="0">
-            <a:schemeClr val="accent2"/>
-          </a:effectRef>
-          <a:fontRef idx="minor"/>
-        </p:style>
-      </p:sp>
-      <p:sp>
-        <p:nvSpPr>
-          <p:cNvPr id="153" name="CustomShape 12"/>
-          <p:cNvSpPr/>
-          <p:nvPr/>
-        </p:nvSpPr>
-        <p:spPr>
-          <a:xfrm flipV="1">
-            <a:off x="1193040" y="2557800"/>
-            <a:ext cx="360000" cy="360"/>
-          </a:xfrm>
-          <a:custGeom>
-            <a:avLst/>
-            <a:gdLst/>
-            <a:ahLst/>
-            <a:rect l="l" t="t" r="r" b="b"/>
-            <a:pathLst>
-              <a:path w="21600" h="21600">
-                <a:moveTo>
-                  <a:pt x="0" y="0"/>
-                </a:moveTo>
-                <a:lnTo>
-                  <a:pt x="21600" y="21600"/>
-                </a:lnTo>
-              </a:path>
-            </a:pathLst>
-          </a:custGeom>
-          <a:noFill/>
-          <a:ln>
-            <a:solidFill>
-              <a:srgbClr val="be4b48"/>
-            </a:solidFill>
-            <a:round/>
-            <a:tailEnd len="med" type="triangle" w="med"/>
-          </a:ln>
-        </p:spPr>
-        <p:style>
-          <a:lnRef idx="1">
-            <a:schemeClr val="accent2"/>
-          </a:lnRef>
-          <a:fillRef idx="0">
-            <a:schemeClr val="accent2"/>
-          </a:fillRef>
-          <a:effectRef idx="0">
-            <a:schemeClr val="accent2"/>
-          </a:effectRef>
-          <a:fontRef idx="minor"/>
-        </p:style>
-      </p:sp>
-      <p:sp>
-        <p:nvSpPr>
-          <p:cNvPr id="154" name="CustomShape 13"/>
-          <p:cNvSpPr/>
-          <p:nvPr/>
-        </p:nvSpPr>
-        <p:spPr>
-          <a:xfrm flipH="1">
-            <a:off x="786960" y="3589560"/>
-            <a:ext cx="118440" cy="493560"/>
-          </a:xfrm>
-          <a:custGeom>
-            <a:avLst/>
-            <a:gdLst/>
-            <a:ahLst/>
-            <a:rect l="l" t="t" r="r" b="b"/>
-            <a:pathLst>
-              <a:path w="21600" h="21600">
-                <a:moveTo>
-                  <a:pt x="0" y="0"/>
-                </a:moveTo>
-                <a:lnTo>
-                  <a:pt x="21600" y="21600"/>
-                </a:lnTo>
-              </a:path>
-            </a:pathLst>
-          </a:custGeom>
-          <a:noFill/>
-          <a:ln>
-            <a:solidFill>
-              <a:srgbClr val="be4b48"/>
-            </a:solidFill>
-            <a:round/>
-            <a:tailEnd len="med" type="triangle" w="med"/>
-          </a:ln>
-        </p:spPr>
-        <p:style>
-          <a:lnRef idx="1">
-            <a:schemeClr val="accent2"/>
-          </a:lnRef>
-          <a:fillRef idx="0">
-            <a:schemeClr val="accent2"/>
-          </a:fillRef>
-          <a:effectRef idx="0">
-            <a:schemeClr val="accent2"/>
-          </a:effectRef>
-          <a:fontRef idx="minor"/>
-        </p:style>
-      </p:sp>
-      <p:sp>
-        <p:nvSpPr>
-          <p:cNvPr id="155" name="CustomShape 14"/>
-          <p:cNvSpPr/>
-          <p:nvPr/>
-        </p:nvSpPr>
-        <p:spPr>
-          <a:xfrm>
-            <a:off x="1324080" y="3540960"/>
-            <a:ext cx="351720" cy="214560"/>
-          </a:xfrm>
-          <a:custGeom>
-            <a:avLst/>
-            <a:gdLst/>
-            <a:ahLst/>
-            <a:rect l="l" t="t" r="r" b="b"/>
-            <a:pathLst>
-              <a:path w="21600" h="21600">
-                <a:moveTo>
-                  <a:pt x="0" y="0"/>
-                </a:moveTo>
-                <a:lnTo>
-                  <a:pt x="21600" y="21600"/>
-                </a:lnTo>
-              </a:path>
-            </a:pathLst>
-          </a:custGeom>
-          <a:noFill/>
-          <a:ln>
-            <a:solidFill>
-              <a:srgbClr val="be4b48"/>
-            </a:solidFill>
-            <a:round/>
-            <a:tailEnd len="med" type="triangle" w="med"/>
-          </a:ln>
-        </p:spPr>
-        <p:style>
-          <a:lnRef idx="1">
-            <a:schemeClr val="accent2"/>
-          </a:lnRef>
-          <a:fillRef idx="0">
-            <a:schemeClr val="accent2"/>
-          </a:fillRef>
-          <a:effectRef idx="0">
-            <a:schemeClr val="accent2"/>
-          </a:effectRef>
-          <a:fontRef idx="minor"/>
-        </p:style>
-      </p:sp>
-      <p:sp>
-        <p:nvSpPr>
-          <p:cNvPr id="156" name="CustomShape 15"/>
-          <p:cNvSpPr/>
-          <p:nvPr/>
-        </p:nvSpPr>
-        <p:spPr>
-          <a:xfrm flipH="1">
-            <a:off x="1428120" y="4095720"/>
-            <a:ext cx="247680" cy="226440"/>
-          </a:xfrm>
-          <a:custGeom>
-            <a:avLst/>
-            <a:gdLst/>
-            <a:ahLst/>
-            <a:rect l="l" t="t" r="r" b="b"/>
-            <a:pathLst>
-              <a:path w="21600" h="21600">
-                <a:moveTo>
-                  <a:pt x="0" y="0"/>
-                </a:moveTo>
-                <a:lnTo>
-                  <a:pt x="21600" y="21600"/>
-                </a:lnTo>
-              </a:path>
-            </a:pathLst>
-          </a:custGeom>
-          <a:noFill/>
-          <a:ln>
-            <a:solidFill>
-              <a:srgbClr val="be4b48"/>
-            </a:solidFill>
-            <a:round/>
-            <a:tailEnd len="med" type="triangle" w="med"/>
-          </a:ln>
-        </p:spPr>
-        <p:style>
-          <a:lnRef idx="1">
-            <a:schemeClr val="accent2"/>
-          </a:lnRef>
-          <a:fillRef idx="0">
-            <a:schemeClr val="accent2"/>
-          </a:fillRef>
-          <a:effectRef idx="0">
-            <a:schemeClr val="accent2"/>
-          </a:effectRef>
-          <a:fontRef idx="minor"/>
-        </p:style>
-      </p:sp>
-      <p:sp>
-        <p:nvSpPr>
-          <p:cNvPr id="157" name="CustomShape 16"/>
-          <p:cNvSpPr/>
-          <p:nvPr/>
-        </p:nvSpPr>
-        <p:spPr>
-          <a:xfrm>
-            <a:off x="2704680" y="2558520"/>
-            <a:ext cx="360000" cy="50040"/>
-          </a:xfrm>
-          <a:custGeom>
-            <a:avLst/>
-            <a:gdLst/>
-            <a:ahLst/>
-            <a:rect l="l" t="t" r="r" b="b"/>
-            <a:pathLst>
-              <a:path w="21600" h="21600">
-                <a:moveTo>
-                  <a:pt x="0" y="0"/>
-                </a:moveTo>
-                <a:lnTo>
-                  <a:pt x="21600" y="21600"/>
-                </a:lnTo>
-              </a:path>
-            </a:pathLst>
-          </a:custGeom>
-          <a:noFill/>
-          <a:ln>
-            <a:solidFill>
-              <a:srgbClr val="be4b48"/>
-            </a:solidFill>
-            <a:round/>
-            <a:tailEnd len="med" type="triangle" w="med"/>
-          </a:ln>
-        </p:spPr>
-        <p:style>
-          <a:lnRef idx="1">
-            <a:schemeClr val="accent2"/>
-          </a:lnRef>
-          <a:fillRef idx="0">
-            <a:schemeClr val="accent2"/>
-          </a:fillRef>
-          <a:effectRef idx="0">
-            <a:schemeClr val="accent2"/>
-          </a:effectRef>
-          <a:fontRef idx="minor"/>
-        </p:style>
-      </p:sp>
-      <p:sp>
-        <p:nvSpPr>
-          <p:cNvPr id="158" name="CustomShape 17"/>
-          <p:cNvSpPr/>
-          <p:nvPr/>
-        </p:nvSpPr>
-        <p:spPr>
-          <a:xfrm>
-            <a:off x="2129040" y="2750400"/>
-            <a:ext cx="231120" cy="520200"/>
-          </a:xfrm>
-          <a:custGeom>
-            <a:avLst/>
-            <a:gdLst/>
-            <a:ahLst/>
-            <a:rect l="l" t="t" r="r" b="b"/>
-            <a:pathLst>
-              <a:path w="21600" h="21600">
-                <a:moveTo>
-                  <a:pt x="0" y="0"/>
-                </a:moveTo>
-                <a:lnTo>
-                  <a:pt x="21600" y="21600"/>
-                </a:lnTo>
-              </a:path>
-            </a:pathLst>
-          </a:custGeom>
-          <a:noFill/>
-          <a:ln>
-            <a:solidFill>
-              <a:srgbClr val="be4b48"/>
-            </a:solidFill>
-            <a:round/>
-            <a:tailEnd len="med" type="triangle" w="med"/>
-          </a:ln>
-        </p:spPr>
-        <p:style>
-          <a:lnRef idx="1">
-            <a:schemeClr val="accent2"/>
-          </a:lnRef>
-          <a:fillRef idx="0">
-            <a:schemeClr val="accent2"/>
-          </a:fillRef>
-          <a:effectRef idx="0">
-            <a:schemeClr val="accent2"/>
-          </a:effectRef>
-          <a:fontRef idx="minor"/>
-        </p:style>
-      </p:sp>
-      <p:sp>
-        <p:nvSpPr>
-          <p:cNvPr id="159" name="CustomShape 18"/>
-          <p:cNvSpPr/>
-          <p:nvPr/>
-        </p:nvSpPr>
-        <p:spPr>
-          <a:xfrm flipV="1">
-            <a:off x="3163320" y="2796840"/>
-            <a:ext cx="70200" cy="296640"/>
-          </a:xfrm>
-          <a:custGeom>
-            <a:avLst/>
-            <a:gdLst/>
-            <a:ahLst/>
-            <a:rect l="l" t="t" r="r" b="b"/>
-            <a:pathLst>
-              <a:path w="21600" h="21600">
-                <a:moveTo>
-                  <a:pt x="0" y="0"/>
-                </a:moveTo>
-                <a:lnTo>
-                  <a:pt x="21600" y="21600"/>
-                </a:lnTo>
-              </a:path>
-            </a:pathLst>
-          </a:custGeom>
-          <a:noFill/>
-          <a:ln>
-            <a:solidFill>
-              <a:srgbClr val="be4b48"/>
-            </a:solidFill>
-            <a:round/>
-            <a:tailEnd len="med" type="triangle" w="med"/>
-          </a:ln>
-        </p:spPr>
-        <p:style>
-          <a:lnRef idx="1">
-            <a:schemeClr val="accent2"/>
-          </a:lnRef>
-          <a:fillRef idx="0">
-            <a:schemeClr val="accent2"/>
-          </a:fillRef>
-          <a:effectRef idx="0">
-            <a:schemeClr val="accent2"/>
-          </a:effectRef>
-          <a:fontRef idx="minor"/>
-        </p:style>
-      </p:sp>
-      <p:sp>
-        <p:nvSpPr>
-          <p:cNvPr id="160" name="CustomShape 19"/>
-          <p:cNvSpPr/>
-          <p:nvPr/>
-        </p:nvSpPr>
-        <p:spPr>
-          <a:xfrm>
-            <a:off x="1500120" y="4752720"/>
-            <a:ext cx="1828440" cy="529200"/>
-          </a:xfrm>
-          <a:prstGeom prst="rect">
-            <a:avLst/>
-          </a:prstGeom>
-          <a:ln>
-            <a:round/>
-          </a:ln>
-        </p:spPr>
-        <p:style>
-          <a:lnRef idx="2">
-            <a:schemeClr val="accent2"/>
-          </a:lnRef>
-          <a:fillRef idx="1">
-            <a:schemeClr val="lt1"/>
-          </a:fillRef>
-          <a:effectRef idx="0">
-            <a:schemeClr val="accent2"/>
-          </a:effectRef>
-          <a:fontRef idx="minor"/>
-        </p:style>
-        <p:txBody>
-          <a:bodyPr lIns="90000" rIns="90000" tIns="45000" bIns="45000" anchor="ctr"/>
-          <a:p>
-            <a:pPr algn="ctr">
-              <a:lnSpc>
-                <a:spcPct val="100000"/>
-              </a:lnSpc>
-            </a:pPr>
-            <a:r>
-              <a:rPr b="0" lang="tr-TR" sz="1800" spc="-1" strike="noStrike">
-                <a:solidFill>
-                  <a:srgbClr val="000000"/>
-                </a:solidFill>
-                <a:uFill>
-                  <a:solidFill>
-                    <a:srgbClr val="ffffff"/>
-                  </a:solidFill>
-                </a:uFill>
-                <a:latin typeface="Arial"/>
-                <a:ea typeface="DejaVu Sans"/>
-              </a:rPr>
-              <a:t>Paragraf Vektörü</a:t>
-            </a:r>
-            <a:endParaRPr b="0" lang="tr-TR" sz="1800" spc="-1" strike="noStrike">
-              <a:solidFill>
-                <a:srgbClr val="000000"/>
-              </a:solidFill>
-              <a:uFill>
-                <a:solidFill>
-                  <a:srgbClr val="ffffff"/>
-                </a:solidFill>
-              </a:uFill>
-              <a:latin typeface="Arial"/>
-            </a:endParaRPr>
-          </a:p>
-        </p:txBody>
-      </p:sp>
-      <p:sp>
-        <p:nvSpPr>
-          <p:cNvPr id="161" name="CustomShape 20"/>
-          <p:cNvSpPr/>
-          <p:nvPr/>
-        </p:nvSpPr>
-        <p:spPr>
-          <a:xfrm flipH="1">
-            <a:off x="2128320" y="4165920"/>
-            <a:ext cx="360" cy="586080"/>
-          </a:xfrm>
-          <a:custGeom>
-            <a:avLst/>
-            <a:gdLst/>
-            <a:ahLst/>
-            <a:rect l="l" t="t" r="r" b="b"/>
-            <a:pathLst>
-              <a:path w="21600" h="21600">
-                <a:moveTo>
-                  <a:pt x="0" y="0"/>
-                </a:moveTo>
-                <a:lnTo>
-                  <a:pt x="21600" y="21600"/>
-                </a:lnTo>
-              </a:path>
-            </a:pathLst>
-          </a:custGeom>
-          <a:noFill/>
-          <a:ln>
-            <a:solidFill>
-              <a:srgbClr val="be4b48"/>
-            </a:solidFill>
-            <a:round/>
-            <a:tailEnd len="med" type="triangle" w="med"/>
-          </a:ln>
-        </p:spPr>
-        <p:style>
-          <a:lnRef idx="1">
-            <a:schemeClr val="accent2"/>
-          </a:lnRef>
-          <a:fillRef idx="0">
-            <a:schemeClr val="accent2"/>
-          </a:fillRef>
-          <a:effectRef idx="0">
-            <a:schemeClr val="accent2"/>
-          </a:effectRef>
-          <a:fontRef idx="minor"/>
-        </p:style>
-      </p:sp>
-      <p:sp>
-        <p:nvSpPr>
-          <p:cNvPr id="162" name="CustomShape 21"/>
-          <p:cNvSpPr/>
-          <p:nvPr/>
-        </p:nvSpPr>
-        <p:spPr>
-          <a:xfrm>
-            <a:off x="244800" y="5602320"/>
-            <a:ext cx="1012320" cy="267120"/>
-          </a:xfrm>
-          <a:prstGeom prst="rect">
-            <a:avLst/>
-          </a:prstGeom>
-          <a:ln>
-            <a:round/>
-          </a:ln>
-        </p:spPr>
-        <p:style>
-          <a:lnRef idx="2">
-            <a:schemeClr val="accent2"/>
-          </a:lnRef>
-          <a:fillRef idx="1">
-            <a:schemeClr val="lt1"/>
-          </a:fillRef>
-          <a:effectRef idx="0">
-            <a:schemeClr val="accent2"/>
-          </a:effectRef>
-          <a:fontRef idx="minor"/>
-        </p:style>
-        <p:txBody>
-          <a:bodyPr lIns="90000" rIns="90000" tIns="45000" bIns="45000" anchor="ctr"/>
-          <a:p>
-            <a:pPr algn="ctr">
-              <a:lnSpc>
-                <a:spcPct val="100000"/>
-              </a:lnSpc>
-            </a:pPr>
-            <a:r>
-              <a:rPr b="0" lang="tr-TR" sz="1800" spc="-1" strike="noStrike">
-                <a:solidFill>
-                  <a:srgbClr val="000000"/>
-                </a:solidFill>
-                <a:uFill>
-                  <a:solidFill>
-                    <a:srgbClr val="ffffff"/>
-                  </a:solidFill>
-                </a:uFill>
-                <a:latin typeface="Arial"/>
-                <a:ea typeface="DejaVu Sans"/>
-              </a:rPr>
-              <a:t>Ahmet</a:t>
-            </a:r>
-            <a:endParaRPr b="0" lang="tr-TR" sz="1800" spc="-1" strike="noStrike">
-              <a:solidFill>
-                <a:srgbClr val="000000"/>
-              </a:solidFill>
-              <a:uFill>
-                <a:solidFill>
-                  <a:srgbClr val="ffffff"/>
-                </a:solidFill>
-              </a:uFill>
-              <a:latin typeface="Arial"/>
-            </a:endParaRPr>
-          </a:p>
-        </p:txBody>
-      </p:sp>
-      <p:sp>
-        <p:nvSpPr>
-          <p:cNvPr id="163" name="CustomShape 22"/>
-          <p:cNvSpPr/>
-          <p:nvPr/>
-        </p:nvSpPr>
-        <p:spPr>
-          <a:xfrm>
-            <a:off x="2222280" y="5929200"/>
-            <a:ext cx="1281240" cy="533520"/>
-          </a:xfrm>
-          <a:prstGeom prst="rect">
-            <a:avLst/>
-          </a:prstGeom>
-          <a:ln>
-            <a:round/>
-          </a:ln>
-        </p:spPr>
-        <p:style>
-          <a:lnRef idx="2">
-            <a:schemeClr val="accent2"/>
-          </a:lnRef>
-          <a:fillRef idx="1">
-            <a:schemeClr val="lt1"/>
-          </a:fillRef>
-          <a:effectRef idx="0">
-            <a:schemeClr val="accent2"/>
-          </a:effectRef>
-          <a:fontRef idx="minor"/>
-        </p:style>
-        <p:txBody>
-          <a:bodyPr lIns="90000" rIns="90000" tIns="45000" bIns="45000" anchor="ctr"/>
-          <a:p>
-            <a:pPr algn="ctr">
-              <a:lnSpc>
-                <a:spcPct val="100000"/>
-              </a:lnSpc>
-            </a:pPr>
-            <a:r>
-              <a:rPr b="0" lang="tr-TR" sz="1800" spc="-1" strike="noStrike">
-                <a:solidFill>
-                  <a:srgbClr val="000000"/>
-                </a:solidFill>
-                <a:uFill>
-                  <a:solidFill>
-                    <a:srgbClr val="ffffff"/>
-                  </a:solidFill>
-                </a:uFill>
-                <a:latin typeface="Arial"/>
-                <a:ea typeface="DejaVu Sans"/>
-              </a:rPr>
-              <a:t>Beyaz Saray</a:t>
-            </a:r>
-            <a:endParaRPr b="0" lang="tr-TR" sz="1800" spc="-1" strike="noStrike">
-              <a:solidFill>
-                <a:srgbClr val="000000"/>
-              </a:solidFill>
-              <a:uFill>
-                <a:solidFill>
-                  <a:srgbClr val="ffffff"/>
-                </a:solidFill>
-              </a:uFill>
-              <a:latin typeface="Arial"/>
-            </a:endParaRPr>
-          </a:p>
-        </p:txBody>
-      </p:sp>
-      <p:sp>
-        <p:nvSpPr>
-          <p:cNvPr id="164" name="CustomShape 23"/>
-          <p:cNvSpPr/>
-          <p:nvPr/>
-        </p:nvSpPr>
-        <p:spPr>
-          <a:xfrm flipH="1">
-            <a:off x="750960" y="5017320"/>
-            <a:ext cx="748800" cy="584640"/>
-          </a:xfrm>
-          <a:custGeom>
-            <a:avLst/>
-            <a:gdLst/>
-            <a:ahLst/>
-            <a:rect l="l" t="t" r="r" b="b"/>
-            <a:pathLst>
-              <a:path w="21600" h="21600">
-                <a:moveTo>
-                  <a:pt x="0" y="0"/>
-                </a:moveTo>
-                <a:lnTo>
-                  <a:pt x="21600" y="21600"/>
-                </a:lnTo>
-              </a:path>
-            </a:pathLst>
-          </a:custGeom>
-          <a:noFill/>
-          <a:ln>
-            <a:solidFill>
-              <a:srgbClr val="be4b48"/>
-            </a:solidFill>
-            <a:round/>
-            <a:tailEnd len="med" type="triangle" w="med"/>
-          </a:ln>
-        </p:spPr>
-        <p:style>
-          <a:lnRef idx="1">
-            <a:schemeClr val="accent2"/>
-          </a:lnRef>
-          <a:fillRef idx="0">
-            <a:schemeClr val="accent2"/>
-          </a:fillRef>
-          <a:effectRef idx="0">
-            <a:schemeClr val="accent2"/>
-          </a:effectRef>
-          <a:fontRef idx="minor"/>
-        </p:style>
-      </p:sp>
-      <p:sp>
-        <p:nvSpPr>
-          <p:cNvPr id="165" name="CustomShape 24"/>
-          <p:cNvSpPr/>
-          <p:nvPr/>
-        </p:nvSpPr>
-        <p:spPr>
-          <a:xfrm>
-            <a:off x="2414520" y="5281920"/>
-            <a:ext cx="448200" cy="646920"/>
-          </a:xfrm>
-          <a:custGeom>
-            <a:avLst/>
-            <a:gdLst/>
-            <a:ahLst/>
-            <a:rect l="l" t="t" r="r" b="b"/>
-            <a:pathLst>
-              <a:path w="21600" h="21600">
-                <a:moveTo>
-                  <a:pt x="0" y="0"/>
-                </a:moveTo>
-                <a:lnTo>
-                  <a:pt x="21600" y="21600"/>
-                </a:lnTo>
-              </a:path>
-            </a:pathLst>
-          </a:custGeom>
-          <a:noFill/>
-          <a:ln>
-            <a:solidFill>
-              <a:srgbClr val="be4b48"/>
-            </a:solidFill>
-            <a:round/>
-            <a:tailEnd len="med" type="triangle" w="med"/>
-          </a:ln>
-        </p:spPr>
-        <p:style>
-          <a:lnRef idx="1">
-            <a:schemeClr val="accent2"/>
-          </a:lnRef>
-          <a:fillRef idx="0">
-            <a:schemeClr val="accent2"/>
-          </a:fillRef>
-          <a:effectRef idx="0">
-            <a:schemeClr val="accent2"/>
-          </a:effectRef>
-          <a:fontRef idx="minor"/>
-        </p:style>
-      </p:sp>
-      <p:sp>
-        <p:nvSpPr>
-          <p:cNvPr id="166" name="CustomShape 25"/>
-          <p:cNvSpPr/>
-          <p:nvPr/>
-        </p:nvSpPr>
-        <p:spPr>
-          <a:xfrm>
-            <a:off x="2618640" y="5426280"/>
-            <a:ext cx="1175760" cy="364680"/>
+            <a:off x="5616000" y="5256000"/>
+            <a:ext cx="3356640" cy="602280"/>
           </a:xfrm>
           <a:prstGeom prst="rect">
             <a:avLst/>
@@ -11810,20 +11196,9 @@
             <a:noFill/>
           </a:ln>
         </p:spPr>
-        <p:style>
-          <a:lnRef idx="0"/>
-          <a:fillRef idx="0"/>
-          <a:effectRef idx="0"/>
-          <a:fontRef idx="minor"/>
-        </p:style>
         <p:txBody>
           <a:bodyPr lIns="90000" rIns="90000" tIns="45000" bIns="45000"/>
           <a:p>
-            <a:pPr>
-              <a:lnSpc>
-                <a:spcPct val="100000"/>
-              </a:lnSpc>
-            </a:pPr>
             <a:r>
               <a:rPr b="0" lang="tr-TR" sz="1800" spc="-1" strike="noStrike">
                 <a:solidFill>
@@ -11835,9 +11210,8 @@
                   </a:solidFill>
                 </a:uFill>
                 <a:latin typeface="Arial"/>
-                <a:ea typeface="DejaVu Sans"/>
-              </a:rPr>
-              <a:t>Lokasyon</a:t>
+              </a:rPr>
+              <a:t>p-&gt; Bir önceki düğüme geri dön</a:t>
             </a:r>
             <a:endParaRPr b="0" lang="tr-TR" sz="1800" spc="-1" strike="noStrike">
               <a:solidFill>
@@ -11851,41 +11225,7 @@
               <a:latin typeface="Arial"/>
             </a:endParaRPr>
           </a:p>
-        </p:txBody>
-      </p:sp>
-      <p:sp>
-        <p:nvSpPr>
-          <p:cNvPr id="167" name="CustomShape 26"/>
-          <p:cNvSpPr/>
-          <p:nvPr/>
-        </p:nvSpPr>
-        <p:spPr>
-          <a:xfrm>
-            <a:off x="685080" y="5017320"/>
-            <a:ext cx="687600" cy="364680"/>
-          </a:xfrm>
-          <a:prstGeom prst="rect">
-            <a:avLst/>
-          </a:prstGeom>
-          <a:noFill/>
-          <a:ln>
-            <a:noFill/>
-          </a:ln>
-        </p:spPr>
-        <p:style>
-          <a:lnRef idx="0"/>
-          <a:fillRef idx="0"/>
-          <a:effectRef idx="0"/>
-          <a:fontRef idx="minor"/>
-        </p:style>
-        <p:txBody>
-          <a:bodyPr lIns="90000" rIns="90000" tIns="45000" bIns="45000"/>
-          <a:p>
-            <a:pPr>
-              <a:lnSpc>
-                <a:spcPct val="100000"/>
-              </a:lnSpc>
-            </a:pPr>
+          <a:p>
             <a:r>
               <a:rPr b="0" lang="tr-TR" sz="1800" spc="-1" strike="noStrike">
                 <a:solidFill>
@@ -11897,9 +11237,8 @@
                   </a:solidFill>
                 </a:uFill>
                 <a:latin typeface="Arial"/>
-                <a:ea typeface="DejaVu Sans"/>
-              </a:rPr>
-              <a:t>Kişi</a:t>
+              </a:rPr>
+              <a:t>q-&gt; BFS, DFS</a:t>
             </a:r>
             <a:endParaRPr b="0" lang="tr-TR" sz="1800" spc="-1" strike="noStrike">
               <a:solidFill>
@@ -11914,55 +11253,6 @@
             </a:endParaRPr>
           </a:p>
         </p:txBody>
-      </p:sp>
-      <p:sp>
-        <p:nvSpPr>
-          <p:cNvPr id="168" name="CustomShape 27"/>
-          <p:cNvSpPr/>
-          <p:nvPr/>
-        </p:nvSpPr>
-        <p:spPr>
-          <a:xfrm flipV="1">
-            <a:off x="1324080" y="2694240"/>
-            <a:ext cx="397440" cy="609840"/>
-          </a:xfrm>
-          <a:custGeom>
-            <a:avLst/>
-            <a:gdLst/>
-            <a:ahLst/>
-            <a:rect l="l" t="t" r="r" b="b"/>
-            <a:pathLst>
-              <a:path w="21600" h="21600">
-                <a:moveTo>
-                  <a:pt x="0" y="0"/>
-                </a:moveTo>
-                <a:lnTo>
-                  <a:pt x="21600" y="21600"/>
-                </a:lnTo>
-              </a:path>
-            </a:pathLst>
-          </a:custGeom>
-          <a:noFill/>
-          <a:ln>
-            <a:solidFill>
-              <a:srgbClr val="be4b48"/>
-            </a:solidFill>
-            <a:round/>
-            <a:tailEnd len="med" type="triangle" w="med"/>
-          </a:ln>
-        </p:spPr>
-        <p:style>
-          <a:lnRef idx="1">
-            <a:schemeClr val="accent2"/>
-          </a:lnRef>
-          <a:fillRef idx="0">
-            <a:schemeClr val="accent2"/>
-          </a:fillRef>
-          <a:effectRef idx="0">
-            <a:schemeClr val="accent2"/>
-          </a:effectRef>
-          <a:fontRef idx="minor"/>
-        </p:style>
       </p:sp>
     </p:spTree>
   </p:cSld>
@@ -12015,14 +11305,14 @@
       </p:grpSpPr>
       <p:sp>
         <p:nvSpPr>
-          <p:cNvPr id="169" name="CustomShape 1"/>
+          <p:cNvPr id="146" name="CustomShape 1"/>
           <p:cNvSpPr/>
           <p:nvPr/>
         </p:nvSpPr>
         <p:spPr>
           <a:xfrm>
             <a:off x="8534520" y="6553080"/>
-            <a:ext cx="456480" cy="75600"/>
+            <a:ext cx="456120" cy="75240"/>
           </a:xfrm>
           <a:prstGeom prst="rect">
             <a:avLst/>
@@ -12046,7 +11336,7 @@
                 <a:spcPct val="100000"/>
               </a:lnSpc>
             </a:pPr>
-            <a:fld id="{2C50AE56-936C-4B50-A01A-2EB4232FA27B}" type="slidenum">
+            <a:fld id="{D811936F-570D-4605-8567-4B34E50466DF}" type="slidenum">
               <a:rPr b="0" lang="tr-TR" sz="1000" spc="-1" strike="noStrike">
                 <a:solidFill>
                   <a:srgbClr val="ffffe5"/>
@@ -12077,14 +11367,14 @@
       </p:sp>
       <p:sp>
         <p:nvSpPr>
-          <p:cNvPr id="170" name="CustomShape 2"/>
+          <p:cNvPr id="147" name="CustomShape 2"/>
           <p:cNvSpPr/>
           <p:nvPr/>
         </p:nvSpPr>
         <p:spPr>
           <a:xfrm>
             <a:off x="152280" y="106200"/>
-            <a:ext cx="7848000" cy="578880"/>
+            <a:ext cx="7847640" cy="578520"/>
           </a:xfrm>
           <a:prstGeom prst="rect">
             <a:avLst/>
@@ -12139,14 +11429,14 @@
       </p:sp>
       <p:sp>
         <p:nvSpPr>
-          <p:cNvPr id="171" name="CustomShape 3"/>
+          <p:cNvPr id="148" name="CustomShape 3"/>
           <p:cNvSpPr/>
           <p:nvPr/>
         </p:nvSpPr>
         <p:spPr>
           <a:xfrm>
             <a:off x="152280" y="914400"/>
-            <a:ext cx="8000280" cy="5637960"/>
+            <a:ext cx="7999920" cy="5637600"/>
           </a:xfrm>
           <a:prstGeom prst="rect">
             <a:avLst/>
@@ -12165,7 +11455,7 @@
         <p:txBody>
           <a:bodyPr lIns="90000" rIns="90000" tIns="45000" bIns="45000"/>
           <a:p>
-            <a:pPr marL="432000" indent="-323640">
+            <a:pPr marL="432000" indent="-323280">
               <a:lnSpc>
                 <a:spcPct val="100000"/>
               </a:lnSpc>
@@ -12207,7 +11497,7 @@
       </p:sp>
       <p:pic>
         <p:nvPicPr>
-          <p:cNvPr id="172" name="" descr=""/>
+          <p:cNvPr id="149" name="" descr=""/>
           <p:cNvPicPr/>
           <p:nvPr/>
         </p:nvPicPr>
@@ -12217,8 +11507,8 @@
         </p:blipFill>
         <p:spPr>
           <a:xfrm rot="3600">
-            <a:off x="577800" y="1730520"/>
-            <a:ext cx="5414400" cy="4262400"/>
+            <a:off x="577440" y="1730160"/>
+            <a:ext cx="5414040" cy="4262040"/>
           </a:xfrm>
           <a:prstGeom prst="rect">
             <a:avLst/>
@@ -12230,7 +11520,7 @@
       </p:pic>
       <p:pic>
         <p:nvPicPr>
-          <p:cNvPr id="173" name="" descr=""/>
+          <p:cNvPr id="150" name="" descr=""/>
           <p:cNvPicPr/>
           <p:nvPr/>
         </p:nvPicPr>
@@ -12240,8 +11530,31 @@
         </p:blipFill>
         <p:spPr>
           <a:xfrm>
-            <a:off x="5976000" y="1296000"/>
-            <a:ext cx="3088080" cy="1974240"/>
+            <a:off x="5976000" y="1410120"/>
+            <a:ext cx="3087720" cy="1973880"/>
+          </a:xfrm>
+          <a:prstGeom prst="rect">
+            <a:avLst/>
+          </a:prstGeom>
+          <a:ln>
+            <a:noFill/>
+          </a:ln>
+        </p:spPr>
+      </p:pic>
+      <p:pic>
+        <p:nvPicPr>
+          <p:cNvPr id="151" name="" descr=""/>
+          <p:cNvPicPr/>
+          <p:nvPr/>
+        </p:nvPicPr>
+        <p:blipFill>
+          <a:blip r:embed="rId3"/>
+          <a:stretch/>
+        </p:blipFill>
+        <p:spPr>
+          <a:xfrm>
+            <a:off x="6047640" y="3528000"/>
+            <a:ext cx="3096360" cy="1887840"/>
           </a:xfrm>
           <a:prstGeom prst="rect">
             <a:avLst/>
@@ -12302,14 +11615,14 @@
       </p:grpSpPr>
       <p:sp>
         <p:nvSpPr>
-          <p:cNvPr id="174" name="CustomShape 1"/>
+          <p:cNvPr id="152" name="CustomShape 1"/>
           <p:cNvSpPr/>
           <p:nvPr/>
         </p:nvSpPr>
         <p:spPr>
           <a:xfrm>
             <a:off x="8534520" y="6553080"/>
-            <a:ext cx="456480" cy="75600"/>
+            <a:ext cx="456120" cy="75240"/>
           </a:xfrm>
           <a:prstGeom prst="rect">
             <a:avLst/>
@@ -12333,7 +11646,7 @@
                 <a:spcPct val="100000"/>
               </a:lnSpc>
             </a:pPr>
-            <a:fld id="{259CE771-4745-4BDA-BD0E-B462ACFE8C88}" type="slidenum">
+            <a:fld id="{8D483E69-6A34-402D-BFA5-831D769A55A6}" type="slidenum">
               <a:rPr b="0" lang="tr-TR" sz="1000" spc="-1" strike="noStrike">
                 <a:solidFill>
                   <a:srgbClr val="ffffe5"/>
@@ -12364,14 +11677,14 @@
       </p:sp>
       <p:sp>
         <p:nvSpPr>
-          <p:cNvPr id="175" name="CustomShape 2"/>
+          <p:cNvPr id="153" name="CustomShape 2"/>
           <p:cNvSpPr/>
           <p:nvPr/>
         </p:nvSpPr>
         <p:spPr>
           <a:xfrm>
             <a:off x="152280" y="106200"/>
-            <a:ext cx="7848000" cy="578880"/>
+            <a:ext cx="7847640" cy="578520"/>
           </a:xfrm>
           <a:prstGeom prst="rect">
             <a:avLst/>
@@ -12408,232 +11721,7 @@
                 <a:latin typeface="Arial"/>
                 <a:ea typeface="DejaVu Sans"/>
               </a:rPr>
-              <a:t>N</a:t>
-            </a:r>
-            <a:r>
-              <a:rPr b="0" lang="tr-TR" sz="4000" spc="-1" strike="noStrike">
-                <a:solidFill>
-                  <a:srgbClr val="ffffff"/>
-                </a:solidFill>
-                <a:uFill>
-                  <a:solidFill>
-                    <a:srgbClr val="ffffff"/>
-                  </a:solidFill>
-                </a:uFill>
-                <a:latin typeface="Arial"/>
-                <a:ea typeface="DejaVu Sans"/>
-              </a:rPr>
-              <a:t>e</a:t>
-            </a:r>
-            <a:r>
-              <a:rPr b="0" lang="tr-TR" sz="4000" spc="-1" strike="noStrike">
-                <a:solidFill>
-                  <a:srgbClr val="ffffff"/>
-                </a:solidFill>
-                <a:uFill>
-                  <a:solidFill>
-                    <a:srgbClr val="ffffff"/>
-                  </a:solidFill>
-                </a:uFill>
-                <a:latin typeface="Arial"/>
-                <a:ea typeface="DejaVu Sans"/>
-              </a:rPr>
-              <a:t>l</a:t>
-            </a:r>
-            <a:r>
-              <a:rPr b="0" lang="tr-TR" sz="4000" spc="-1" strike="noStrike">
-                <a:solidFill>
-                  <a:srgbClr val="ffffff"/>
-                </a:solidFill>
-                <a:uFill>
-                  <a:solidFill>
-                    <a:srgbClr val="ffffff"/>
-                  </a:solidFill>
-                </a:uFill>
-                <a:latin typeface="Arial"/>
-                <a:ea typeface="DejaVu Sans"/>
-              </a:rPr>
-              <a:t>e</a:t>
-            </a:r>
-            <a:r>
-              <a:rPr b="0" lang="tr-TR" sz="4000" spc="-1" strike="noStrike">
-                <a:solidFill>
-                  <a:srgbClr val="ffffff"/>
-                </a:solidFill>
-                <a:uFill>
-                  <a:solidFill>
-                    <a:srgbClr val="ffffff"/>
-                  </a:solidFill>
-                </a:uFill>
-                <a:latin typeface="Arial"/>
-                <a:ea typeface="DejaVu Sans"/>
-              </a:rPr>
-              <a:t>r </a:t>
-            </a:r>
-            <a:r>
-              <a:rPr b="0" lang="tr-TR" sz="4000" spc="-1" strike="noStrike">
-                <a:solidFill>
-                  <a:srgbClr val="ffffff"/>
-                </a:solidFill>
-                <a:uFill>
-                  <a:solidFill>
-                    <a:srgbClr val="ffffff"/>
-                  </a:solidFill>
-                </a:uFill>
-                <a:latin typeface="Arial"/>
-                <a:ea typeface="DejaVu Sans"/>
-              </a:rPr>
-              <a:t>Y</a:t>
-            </a:r>
-            <a:r>
-              <a:rPr b="0" lang="tr-TR" sz="4000" spc="-1" strike="noStrike">
-                <a:solidFill>
-                  <a:srgbClr val="ffffff"/>
-                </a:solidFill>
-                <a:uFill>
-                  <a:solidFill>
-                    <a:srgbClr val="ffffff"/>
-                  </a:solidFill>
-                </a:uFill>
-                <a:latin typeface="Arial"/>
-                <a:ea typeface="DejaVu Sans"/>
-              </a:rPr>
-              <a:t>a</a:t>
-            </a:r>
-            <a:r>
-              <a:rPr b="0" lang="tr-TR" sz="4000" spc="-1" strike="noStrike">
-                <a:solidFill>
-                  <a:srgbClr val="ffffff"/>
-                </a:solidFill>
-                <a:uFill>
-                  <a:solidFill>
-                    <a:srgbClr val="ffffff"/>
-                  </a:solidFill>
-                </a:uFill>
-                <a:latin typeface="Arial"/>
-                <a:ea typeface="DejaVu Sans"/>
-              </a:rPr>
-              <a:t>p</a:t>
-            </a:r>
-            <a:r>
-              <a:rPr b="0" lang="tr-TR" sz="4000" spc="-1" strike="noStrike">
-                <a:solidFill>
-                  <a:srgbClr val="ffffff"/>
-                </a:solidFill>
-                <a:uFill>
-                  <a:solidFill>
-                    <a:srgbClr val="ffffff"/>
-                  </a:solidFill>
-                </a:uFill>
-                <a:latin typeface="Arial"/>
-                <a:ea typeface="DejaVu Sans"/>
-              </a:rPr>
-              <a:t>ıl</a:t>
-            </a:r>
-            <a:r>
-              <a:rPr b="0" lang="tr-TR" sz="4000" spc="-1" strike="noStrike">
-                <a:solidFill>
-                  <a:srgbClr val="ffffff"/>
-                </a:solidFill>
-                <a:uFill>
-                  <a:solidFill>
-                    <a:srgbClr val="ffffff"/>
-                  </a:solidFill>
-                </a:uFill>
-                <a:latin typeface="Arial"/>
-                <a:ea typeface="DejaVu Sans"/>
-              </a:rPr>
-              <a:t>d</a:t>
-            </a:r>
-            <a:r>
-              <a:rPr b="0" lang="tr-TR" sz="4000" spc="-1" strike="noStrike">
-                <a:solidFill>
-                  <a:srgbClr val="ffffff"/>
-                </a:solidFill>
-                <a:uFill>
-                  <a:solidFill>
-                    <a:srgbClr val="ffffff"/>
-                  </a:solidFill>
-                </a:uFill>
-                <a:latin typeface="Arial"/>
-                <a:ea typeface="DejaVu Sans"/>
-              </a:rPr>
-              <a:t>ı</a:t>
-            </a:r>
-            <a:r>
-              <a:rPr b="0" lang="tr-TR" sz="4000" spc="-1" strike="noStrike">
-                <a:solidFill>
-                  <a:srgbClr val="ffffff"/>
-                </a:solidFill>
-                <a:uFill>
-                  <a:solidFill>
-                    <a:srgbClr val="ffffff"/>
-                  </a:solidFill>
-                </a:uFill>
-                <a:latin typeface="Arial"/>
-                <a:ea typeface="DejaVu Sans"/>
-              </a:rPr>
-              <a:t>? </a:t>
-            </a:r>
-            <a:r>
-              <a:rPr b="0" lang="tr-TR" sz="4000" spc="-1" strike="noStrike">
-                <a:solidFill>
-                  <a:srgbClr val="ffffff"/>
-                </a:solidFill>
-                <a:uFill>
-                  <a:solidFill>
-                    <a:srgbClr val="ffffff"/>
-                  </a:solidFill>
-                </a:uFill>
-                <a:latin typeface="Arial"/>
-                <a:ea typeface="DejaVu Sans"/>
-              </a:rPr>
-              <a:t>- </a:t>
-            </a:r>
-            <a:r>
-              <a:rPr b="0" lang="tr-TR" sz="4000" spc="-1" strike="noStrike">
-                <a:solidFill>
-                  <a:srgbClr val="ffffff"/>
-                </a:solidFill>
-                <a:uFill>
-                  <a:solidFill>
-                    <a:srgbClr val="ffffff"/>
-                  </a:solidFill>
-                </a:uFill>
-                <a:latin typeface="Arial"/>
-                <a:ea typeface="DejaVu Sans"/>
-              </a:rPr>
-              <a:t>1</a:t>
-            </a:r>
-            <a:r>
-              <a:rPr b="0" lang="tr-TR" sz="4000" spc="-1" strike="noStrike">
-                <a:solidFill>
-                  <a:srgbClr val="ffffff"/>
-                </a:solidFill>
-                <a:uFill>
-                  <a:solidFill>
-                    <a:srgbClr val="ffffff"/>
-                  </a:solidFill>
-                </a:uFill>
-                <a:latin typeface="Arial"/>
-                <a:ea typeface="DejaVu Sans"/>
-              </a:rPr>
-              <a:t>-</a:t>
-            </a:r>
-            <a:r>
-              <a:rPr b="0" lang="tr-TR" sz="4000" spc="-1" strike="noStrike">
-                <a:solidFill>
-                  <a:srgbClr val="ffffff"/>
-                </a:solidFill>
-                <a:uFill>
-                  <a:solidFill>
-                    <a:srgbClr val="ffffff"/>
-                  </a:solidFill>
-                </a:uFill>
-                <a:latin typeface="Arial"/>
-                <a:ea typeface="DejaVu Sans"/>
-              </a:rPr>
-              <a:t>1</a:t>
+              <a:t>Neler Yapıldı? - 1-1</a:t>
             </a:r>
             <a:endParaRPr b="0" lang="tr-TR" sz="1800" spc="-1" strike="noStrike">
               <a:solidFill>
@@ -12651,14 +11739,14 @@
       </p:sp>
       <p:sp>
         <p:nvSpPr>
-          <p:cNvPr id="176" name="CustomShape 3"/>
+          <p:cNvPr id="154" name="CustomShape 3"/>
           <p:cNvSpPr/>
           <p:nvPr/>
         </p:nvSpPr>
         <p:spPr>
           <a:xfrm>
             <a:off x="152280" y="914400"/>
-            <a:ext cx="8000280" cy="5637960"/>
+            <a:ext cx="7999920" cy="5637600"/>
           </a:xfrm>
           <a:prstGeom prst="rect">
             <a:avLst/>
@@ -12677,7 +11765,7 @@
         <p:txBody>
           <a:bodyPr lIns="90000" rIns="90000" tIns="45000" bIns="45000"/>
           <a:p>
-            <a:pPr marL="432000" indent="-323640">
+            <a:pPr marL="432000" indent="-323280">
               <a:lnSpc>
                 <a:spcPct val="100000"/>
               </a:lnSpc>
@@ -12701,7 +11789,7 @@
                 <a:latin typeface="Arial"/>
                 <a:ea typeface="DejaVu Sans"/>
               </a:rPr>
-              <a:t>Ay bazında çizgeler ve vektörleri çıkarıldı.</a:t>
+              <a:t>Ay bazında çıkarılan vektörlerin t-SNE çizimi</a:t>
             </a:r>
             <a:endParaRPr b="0" lang="tr-TR" sz="1800" spc="-1" strike="noStrike">
               <a:solidFill>
@@ -12719,7 +11807,7 @@
       </p:sp>
       <p:pic>
         <p:nvPicPr>
-          <p:cNvPr id="177" name="" descr=""/>
+          <p:cNvPr id="155" name="" descr=""/>
           <p:cNvPicPr/>
           <p:nvPr/>
         </p:nvPicPr>
@@ -12729,8 +11817,8 @@
         </p:blipFill>
         <p:spPr>
           <a:xfrm>
-            <a:off x="1572480" y="1266120"/>
-            <a:ext cx="5627520" cy="5069880"/>
+            <a:off x="1605240" y="1312560"/>
+            <a:ext cx="5306760" cy="5095440"/>
           </a:xfrm>
           <a:prstGeom prst="rect">
             <a:avLst/>
@@ -12791,14 +11879,14 @@
       </p:grpSpPr>
       <p:sp>
         <p:nvSpPr>
-          <p:cNvPr id="178" name="CustomShape 1"/>
+          <p:cNvPr id="156" name="CustomShape 1"/>
           <p:cNvSpPr/>
           <p:nvPr/>
         </p:nvSpPr>
         <p:spPr>
           <a:xfrm>
             <a:off x="8534520" y="6553080"/>
-            <a:ext cx="456480" cy="75600"/>
+            <a:ext cx="456120" cy="75240"/>
           </a:xfrm>
           <a:prstGeom prst="rect">
             <a:avLst/>
@@ -12822,7 +11910,7 @@
                 <a:spcPct val="100000"/>
               </a:lnSpc>
             </a:pPr>
-            <a:fld id="{49BFF38E-9FFB-44B6-A289-272445CA8395}" type="slidenum">
+            <a:fld id="{9E9E4EE6-0367-45D2-91B7-748A38763618}" type="slidenum">
               <a:rPr b="0" lang="tr-TR" sz="1000" spc="-1" strike="noStrike">
                 <a:solidFill>
                   <a:srgbClr val="ffffe5"/>
@@ -12853,14 +11941,14 @@
       </p:sp>
       <p:sp>
         <p:nvSpPr>
-          <p:cNvPr id="179" name="CustomShape 2"/>
+          <p:cNvPr id="157" name="CustomShape 2"/>
           <p:cNvSpPr/>
           <p:nvPr/>
         </p:nvSpPr>
         <p:spPr>
           <a:xfrm>
             <a:off x="152280" y="106200"/>
-            <a:ext cx="7848000" cy="578880"/>
+            <a:ext cx="7847640" cy="578520"/>
           </a:xfrm>
           <a:prstGeom prst="rect">
             <a:avLst/>
@@ -12915,14 +12003,14 @@
       </p:sp>
       <p:sp>
         <p:nvSpPr>
-          <p:cNvPr id="180" name="CustomShape 3"/>
+          <p:cNvPr id="158" name="CustomShape 3"/>
           <p:cNvSpPr/>
           <p:nvPr/>
         </p:nvSpPr>
         <p:spPr>
           <a:xfrm>
             <a:off x="152280" y="914400"/>
-            <a:ext cx="8000280" cy="5637960"/>
+            <a:ext cx="7999920" cy="5637600"/>
           </a:xfrm>
           <a:prstGeom prst="rect">
             <a:avLst/>
@@ -12941,7 +12029,7 @@
         <p:txBody>
           <a:bodyPr lIns="90000" rIns="90000" tIns="45000" bIns="45000"/>
           <a:p>
-            <a:pPr marL="432000" indent="-323640">
+            <a:pPr marL="432000" indent="-323280">
               <a:lnSpc>
                 <a:spcPct val="100000"/>
               </a:lnSpc>
@@ -12983,7 +12071,7 @@
       </p:sp>
       <p:pic>
         <p:nvPicPr>
-          <p:cNvPr id="181" name="" descr=""/>
+          <p:cNvPr id="159" name="" descr=""/>
           <p:cNvPicPr/>
           <p:nvPr/>
         </p:nvPicPr>
@@ -12994,7 +12082,7 @@
         <p:spPr>
           <a:xfrm>
             <a:off x="2081520" y="1446840"/>
-            <a:ext cx="4830480" cy="4889160"/>
+            <a:ext cx="4830120" cy="4888800"/>
           </a:xfrm>
           <a:prstGeom prst="rect">
             <a:avLst/>
@@ -13055,14 +12143,14 @@
       </p:grpSpPr>
       <p:sp>
         <p:nvSpPr>
-          <p:cNvPr id="182" name="CustomShape 1"/>
+          <p:cNvPr id="160" name="CustomShape 1"/>
           <p:cNvSpPr/>
           <p:nvPr/>
         </p:nvSpPr>
         <p:spPr>
           <a:xfrm>
             <a:off x="8534520" y="6553080"/>
-            <a:ext cx="456480" cy="75600"/>
+            <a:ext cx="456120" cy="75240"/>
           </a:xfrm>
           <a:prstGeom prst="rect">
             <a:avLst/>
@@ -13086,7 +12174,7 @@
                 <a:spcPct val="100000"/>
               </a:lnSpc>
             </a:pPr>
-            <a:fld id="{53A7B2CF-2997-421F-8F44-6DCAF397C737}" type="slidenum">
+            <a:fld id="{2BF499BE-7877-4446-B1F0-5F11CE03DC4F}" type="slidenum">
               <a:rPr b="0" lang="tr-TR" sz="1000" spc="-1" strike="noStrike">
                 <a:solidFill>
                   <a:srgbClr val="ffffe5"/>
@@ -13117,14 +12205,14 @@
       </p:sp>
       <p:sp>
         <p:nvSpPr>
-          <p:cNvPr id="183" name="CustomShape 2"/>
+          <p:cNvPr id="161" name="CustomShape 2"/>
           <p:cNvSpPr/>
           <p:nvPr/>
         </p:nvSpPr>
         <p:spPr>
           <a:xfrm>
             <a:off x="152280" y="106200"/>
-            <a:ext cx="7848000" cy="578880"/>
+            <a:ext cx="7847640" cy="578520"/>
           </a:xfrm>
           <a:prstGeom prst="rect">
             <a:avLst/>
@@ -13179,14 +12267,14 @@
       </p:sp>
       <p:sp>
         <p:nvSpPr>
-          <p:cNvPr id="184" name="CustomShape 3"/>
+          <p:cNvPr id="162" name="CustomShape 3"/>
           <p:cNvSpPr/>
           <p:nvPr/>
         </p:nvSpPr>
         <p:spPr>
           <a:xfrm>
             <a:off x="152280" y="914400"/>
-            <a:ext cx="8000280" cy="5637960"/>
+            <a:ext cx="7999920" cy="5637600"/>
           </a:xfrm>
           <a:prstGeom prst="rect">
             <a:avLst/>
@@ -13205,7 +12293,7 @@
         <p:txBody>
           <a:bodyPr lIns="90000" rIns="90000" tIns="45000" bIns="45000"/>
           <a:p>
-            <a:pPr marL="432000" indent="-323640">
+            <a:pPr marL="432000" indent="-323280">
               <a:lnSpc>
                 <a:spcPct val="100000"/>
               </a:lnSpc>
@@ -13247,7 +12335,7 @@
       </p:sp>
       <p:pic>
         <p:nvPicPr>
-          <p:cNvPr id="185" name="" descr=""/>
+          <p:cNvPr id="163" name="" descr=""/>
           <p:cNvPicPr/>
           <p:nvPr/>
         </p:nvPicPr>
@@ -13258,7 +12346,7 @@
         <p:spPr>
           <a:xfrm>
             <a:off x="1656000" y="1296000"/>
-            <a:ext cx="5762160" cy="5019480"/>
+            <a:ext cx="5761800" cy="5019120"/>
           </a:xfrm>
           <a:prstGeom prst="rect">
             <a:avLst/>
@@ -13319,14 +12407,14 @@
       </p:grpSpPr>
       <p:sp>
         <p:nvSpPr>
-          <p:cNvPr id="186" name="CustomShape 1"/>
+          <p:cNvPr id="164" name="CustomShape 1"/>
           <p:cNvSpPr/>
           <p:nvPr/>
         </p:nvSpPr>
         <p:spPr>
           <a:xfrm>
             <a:off x="8534520" y="6553080"/>
-            <a:ext cx="456480" cy="75600"/>
+            <a:ext cx="456120" cy="75240"/>
           </a:xfrm>
           <a:prstGeom prst="rect">
             <a:avLst/>
@@ -13350,7 +12438,7 @@
                 <a:spcPct val="100000"/>
               </a:lnSpc>
             </a:pPr>
-            <a:fld id="{6BA23A30-D87A-4C13-A9D7-BA28200384BF}" type="slidenum">
+            <a:fld id="{BEC15A21-1099-4059-9531-62FDF7176FDF}" type="slidenum">
               <a:rPr b="0" lang="tr-TR" sz="1000" spc="-1" strike="noStrike">
                 <a:solidFill>
                   <a:srgbClr val="ffffe5"/>
@@ -13381,14 +12469,14 @@
       </p:sp>
       <p:sp>
         <p:nvSpPr>
-          <p:cNvPr id="187" name="CustomShape 2"/>
+          <p:cNvPr id="165" name="CustomShape 2"/>
           <p:cNvSpPr/>
           <p:nvPr/>
         </p:nvSpPr>
         <p:spPr>
           <a:xfrm>
             <a:off x="152280" y="106200"/>
-            <a:ext cx="7848000" cy="578880"/>
+            <a:ext cx="7847640" cy="578520"/>
           </a:xfrm>
           <a:prstGeom prst="rect">
             <a:avLst/>
@@ -13443,14 +12531,14 @@
       </p:sp>
       <p:sp>
         <p:nvSpPr>
-          <p:cNvPr id="188" name="CustomShape 3"/>
+          <p:cNvPr id="166" name="CustomShape 3"/>
           <p:cNvSpPr/>
           <p:nvPr/>
         </p:nvSpPr>
         <p:spPr>
           <a:xfrm>
             <a:off x="152280" y="914400"/>
-            <a:ext cx="8000280" cy="5637960"/>
+            <a:ext cx="7999920" cy="5637600"/>
           </a:xfrm>
           <a:prstGeom prst="rect">
             <a:avLst/>
@@ -13469,7 +12557,7 @@
         <p:txBody>
           <a:bodyPr lIns="90000" rIns="90000" tIns="45000" bIns="45000"/>
           <a:p>
-            <a:pPr marL="432000" indent="-323640">
+            <a:pPr marL="432000" indent="-323280">
               <a:lnSpc>
                 <a:spcPct val="100000"/>
               </a:lnSpc>
@@ -13511,7 +12599,7 @@
       </p:sp>
       <p:pic>
         <p:nvPicPr>
-          <p:cNvPr id="189" name="" descr=""/>
+          <p:cNvPr id="167" name="" descr=""/>
           <p:cNvPicPr/>
           <p:nvPr/>
         </p:nvPicPr>
@@ -13521,8 +12609,8 @@
         </p:blipFill>
         <p:spPr>
           <a:xfrm>
-            <a:off x="288000" y="1512000"/>
-            <a:ext cx="5676480" cy="4495320"/>
+            <a:off x="5400000" y="1332360"/>
+            <a:ext cx="3744000" cy="2051640"/>
           </a:xfrm>
           <a:prstGeom prst="rect">
             <a:avLst/>
@@ -13534,7 +12622,7 @@
       </p:pic>
       <p:pic>
         <p:nvPicPr>
-          <p:cNvPr id="190" name="" descr=""/>
+          <p:cNvPr id="168" name="" descr=""/>
           <p:cNvPicPr/>
           <p:nvPr/>
         </p:nvPicPr>
@@ -13543,9 +12631,9 @@
           <a:stretch/>
         </p:blipFill>
         <p:spPr>
-          <a:xfrm>
-            <a:off x="6048720" y="1449720"/>
-            <a:ext cx="3095280" cy="1790280"/>
+          <a:xfrm rot="21586200">
+            <a:off x="216720" y="1342440"/>
+            <a:ext cx="5245200" cy="5054760"/>
           </a:xfrm>
           <a:prstGeom prst="rect">
             <a:avLst/>
@@ -13557,7 +12645,7 @@
       </p:pic>
       <p:pic>
         <p:nvPicPr>
-          <p:cNvPr id="191" name="" descr=""/>
+          <p:cNvPr id="169" name="" descr=""/>
           <p:cNvPicPr/>
           <p:nvPr/>
         </p:nvPicPr>
@@ -13567,8 +12655,8 @@
         </p:blipFill>
         <p:spPr>
           <a:xfrm>
-            <a:off x="5988600" y="4056480"/>
-            <a:ext cx="3371400" cy="1847520"/>
+            <a:off x="5472000" y="4176000"/>
+            <a:ext cx="3588480" cy="2042640"/>
           </a:xfrm>
           <a:prstGeom prst="rect">
             <a:avLst/>
@@ -13578,65 +12666,6 @@
           </a:ln>
         </p:spPr>
       </p:pic>
-      <p:sp>
-        <p:nvSpPr>
-          <p:cNvPr id="192" name="Line 4"/>
-          <p:cNvSpPr/>
-          <p:nvPr/>
-        </p:nvSpPr>
-        <p:spPr>
-          <a:xfrm>
-            <a:off x="7416000" y="3240000"/>
-            <a:ext cx="0" cy="816480"/>
-          </a:xfrm>
-          <a:prstGeom prst="line">
-            <a:avLst/>
-          </a:prstGeom>
-          <a:ln>
-            <a:solidFill>
-              <a:srgbClr val="000000"/>
-            </a:solidFill>
-            <a:tailEnd len="med" type="triangle" w="med"/>
-          </a:ln>
-        </p:spPr>
-        <p:style>
-          <a:lnRef idx="0"/>
-          <a:fillRef idx="0"/>
-          <a:effectRef idx="0"/>
-          <a:fontRef idx="minor"/>
-        </p:style>
-        <p:txBody>
-          <a:bodyPr lIns="90000" rIns="90000" tIns="45000" bIns="45000" anchor="ctr"/>
-          <a:p>
-            <a:pPr algn="ctr"/>
-            <a:r>
-              <a:rPr b="0" lang="tr-TR" sz="1800" spc="-1" strike="noStrike">
-                <a:solidFill>
-                  <a:srgbClr val="000000"/>
-                </a:solidFill>
-                <a:uFill>
-                  <a:solidFill>
-                    <a:srgbClr val="ffffff"/>
-                  </a:solidFill>
-                </a:uFill>
-                <a:latin typeface="Arial"/>
-              </a:rPr>
-              <a:t>Düzenleme</a:t>
-            </a:r>
-            <a:endParaRPr b="0" lang="tr-TR" sz="1800" spc="-1" strike="noStrike">
-              <a:solidFill>
-                <a:srgbClr val="000000"/>
-              </a:solidFill>
-              <a:uFill>
-                <a:solidFill>
-                  <a:srgbClr val="ffffff"/>
-                </a:solidFill>
-              </a:uFill>
-              <a:latin typeface="Arial"/>
-            </a:endParaRPr>
-          </a:p>
-        </p:txBody>
-      </p:sp>
     </p:spTree>
   </p:cSld>
   <p:timing>
@@ -13688,14 +12717,14 @@
       </p:grpSpPr>
       <p:sp>
         <p:nvSpPr>
-          <p:cNvPr id="193" name="CustomShape 1"/>
+          <p:cNvPr id="170" name="CustomShape 1"/>
           <p:cNvSpPr/>
           <p:nvPr/>
         </p:nvSpPr>
         <p:spPr>
           <a:xfrm>
             <a:off x="8534520" y="6553080"/>
-            <a:ext cx="456480" cy="75600"/>
+            <a:ext cx="456120" cy="75240"/>
           </a:xfrm>
           <a:prstGeom prst="rect">
             <a:avLst/>
@@ -13719,7 +12748,7 @@
                 <a:spcPct val="100000"/>
               </a:lnSpc>
             </a:pPr>
-            <a:fld id="{639CCC77-5411-4A38-A9D8-8DC88C264F8C}" type="slidenum">
+            <a:fld id="{648A67D5-5C8E-44B3-A321-C200CB84AA0C}" type="slidenum">
               <a:rPr b="0" lang="tr-TR" sz="1000" spc="-1" strike="noStrike">
                 <a:solidFill>
                   <a:srgbClr val="ffffe5"/>
@@ -13750,14 +12779,14 @@
       </p:sp>
       <p:sp>
         <p:nvSpPr>
-          <p:cNvPr id="194" name="CustomShape 2"/>
+          <p:cNvPr id="171" name="CustomShape 2"/>
           <p:cNvSpPr/>
           <p:nvPr/>
         </p:nvSpPr>
         <p:spPr>
           <a:xfrm>
             <a:off x="152280" y="106200"/>
-            <a:ext cx="7848000" cy="578880"/>
+            <a:ext cx="7847640" cy="578520"/>
           </a:xfrm>
           <a:prstGeom prst="rect">
             <a:avLst/>
@@ -13794,37 +12823,7 @@
                 <a:latin typeface="Arial"/>
                 <a:ea typeface="DejaVu Sans"/>
               </a:rPr>
-              <a:t>Neler </a:t>
-            </a:r>
-            <a:r>
-              <a:rPr b="0" lang="tr-TR" sz="4000" spc="-1" strike="noStrike">
-                <a:solidFill>
-                  <a:srgbClr val="ffffff"/>
-                </a:solidFill>
-                <a:uFill>
-                  <a:solidFill>
-                    <a:srgbClr val="ffffff"/>
-                  </a:solidFill>
-                </a:uFill>
-                <a:latin typeface="Arial"/>
-                <a:ea typeface="DejaVu Sans"/>
-              </a:rPr>
-              <a:t>Yapıldı? </a:t>
-            </a:r>
-            <a:r>
-              <a:rPr b="0" lang="tr-TR" sz="4000" spc="-1" strike="noStrike">
-                <a:solidFill>
-                  <a:srgbClr val="ffffff"/>
-                </a:solidFill>
-                <a:uFill>
-                  <a:solidFill>
-                    <a:srgbClr val="ffffff"/>
-                  </a:solidFill>
-                </a:uFill>
-                <a:latin typeface="Arial"/>
-                <a:ea typeface="DejaVu Sans"/>
-              </a:rPr>
-              <a:t>- 3</a:t>
+              <a:t>Neler Yapıldı? - 3</a:t>
             </a:r>
             <a:endParaRPr b="0" lang="tr-TR" sz="1800" spc="-1" strike="noStrike">
               <a:solidFill>
@@ -13842,14 +12841,14 @@
       </p:sp>
       <p:sp>
         <p:nvSpPr>
-          <p:cNvPr id="195" name="CustomShape 3"/>
+          <p:cNvPr id="172" name="CustomShape 3"/>
           <p:cNvSpPr/>
           <p:nvPr/>
         </p:nvSpPr>
         <p:spPr>
           <a:xfrm>
             <a:off x="152280" y="914400"/>
-            <a:ext cx="8000280" cy="5637960"/>
+            <a:ext cx="7999920" cy="5637600"/>
           </a:xfrm>
           <a:prstGeom prst="rect">
             <a:avLst/>
@@ -13868,7 +12867,7 @@
         <p:txBody>
           <a:bodyPr lIns="90000" rIns="90000" tIns="45000" bIns="45000"/>
           <a:p>
-            <a:pPr marL="432000" indent="-323640">
+            <a:pPr marL="432000" indent="-323280">
               <a:lnSpc>
                 <a:spcPct val="100000"/>
               </a:lnSpc>
@@ -13892,52 +12891,7 @@
                 <a:latin typeface="Arial"/>
                 <a:ea typeface="DejaVu Sans"/>
               </a:rPr>
-              <a:t>Arkadaşlık </a:t>
-            </a:r>
-            <a:r>
-              <a:rPr b="0" lang="tr-TR" sz="2400" spc="-1" strike="noStrike">
-                <a:solidFill>
-                  <a:srgbClr val="000000"/>
-                </a:solidFill>
-                <a:uFill>
-                  <a:solidFill>
-                    <a:srgbClr val="ffffff"/>
-                  </a:solidFill>
-                </a:uFill>
-                <a:latin typeface="Arial"/>
-                <a:ea typeface="DejaVu Sans"/>
-              </a:rPr>
-              <a:t>çizgeleri ve </a:t>
-            </a:r>
-            <a:r>
-              <a:rPr b="0" lang="tr-TR" sz="2400" spc="-1" strike="noStrike">
-                <a:solidFill>
-                  <a:srgbClr val="000000"/>
-                </a:solidFill>
-                <a:uFill>
-                  <a:solidFill>
-                    <a:srgbClr val="ffffff"/>
-                  </a:solidFill>
-                </a:uFill>
-                <a:latin typeface="Arial"/>
-                <a:ea typeface="DejaVu Sans"/>
-              </a:rPr>
-              <a:t>vektörleri </a:t>
-            </a:r>
-            <a:r>
-              <a:rPr b="0" lang="tr-TR" sz="2400" spc="-1" strike="noStrike">
-                <a:solidFill>
-                  <a:srgbClr val="000000"/>
-                </a:solidFill>
-                <a:uFill>
-                  <a:solidFill>
-                    <a:srgbClr val="ffffff"/>
-                  </a:solidFill>
-                </a:uFill>
-                <a:latin typeface="Arial"/>
-                <a:ea typeface="DejaVu Sans"/>
-              </a:rPr>
-              <a:t>çizildi.</a:t>
+              <a:t>Arkadaşlık çizgeleri ve vektörleri çizildi.</a:t>
             </a:r>
             <a:endParaRPr b="0" lang="tr-TR" sz="1800" spc="-1" strike="noStrike">
               <a:solidFill>
@@ -13955,7 +12909,7 @@
       </p:sp>
       <p:pic>
         <p:nvPicPr>
-          <p:cNvPr id="196" name="" descr=""/>
+          <p:cNvPr id="173" name="" descr=""/>
           <p:cNvPicPr/>
           <p:nvPr/>
         </p:nvPicPr>
@@ -13966,7 +12920,7 @@
         <p:spPr>
           <a:xfrm>
             <a:off x="1641240" y="1392480"/>
-            <a:ext cx="5486760" cy="5015520"/>
+            <a:ext cx="5486400" cy="5015160"/>
           </a:xfrm>
           <a:prstGeom prst="rect">
             <a:avLst/>
